--- a/ARCC/2015_11_19_EngineeringPrinciples/SoftwareEngineering_more_than_programming.pptx
+++ b/ARCC/2015_11_19_EngineeringPrinciples/SoftwareEngineering_more_than_programming.pptx
@@ -117,6 +117,11 @@
       </a:defRPr>
     </a:lvl9pPr>
   </p:defaultTextStyle>
+  <p:extLst>
+    <p:ext uri="{EFAFB233-063F-42B5-8137-9DF3F51BA10A}">
+      <p15:sldGuideLst xmlns:p15="http://schemas.microsoft.com/office/powerpoint/2012/main"/>
+    </p:ext>
+  </p:extLst>
 </p:presentation>
 </file>
 
@@ -202,7 +207,7 @@
           <a:p>
             <a:fld id="{E191FA9B-7307-410C-A40B-700A10E73224}" type="datetimeFigureOut">
               <a:rPr lang="en-US" smtClean="0"/>
-              <a:t>11/18/2015</a:t>
+              <a:t>11/19/2015</a:t>
             </a:fld>
             <a:endParaRPr lang="en-US"/>
           </a:p>
@@ -1076,7 +1081,7 @@
           <a:p>
             <a:fld id="{C6F595E1-154E-4F3C-9E4E-9FEF3A0ABF40}" type="datetimeFigureOut">
               <a:rPr lang="en-US" smtClean="0"/>
-              <a:t>11/18/2015</a:t>
+              <a:t>11/19/2015</a:t>
             </a:fld>
             <a:endParaRPr lang="en-US"/>
           </a:p>
@@ -1246,7 +1251,7 @@
           <a:p>
             <a:fld id="{C6F595E1-154E-4F3C-9E4E-9FEF3A0ABF40}" type="datetimeFigureOut">
               <a:rPr lang="en-US" smtClean="0"/>
-              <a:t>11/18/2015</a:t>
+              <a:t>11/19/2015</a:t>
             </a:fld>
             <a:endParaRPr lang="en-US"/>
           </a:p>
@@ -1426,7 +1431,7 @@
           <a:p>
             <a:fld id="{C6F595E1-154E-4F3C-9E4E-9FEF3A0ABF40}" type="datetimeFigureOut">
               <a:rPr lang="en-US" smtClean="0"/>
-              <a:t>11/18/2015</a:t>
+              <a:t>11/19/2015</a:t>
             </a:fld>
             <a:endParaRPr lang="en-US"/>
           </a:p>
@@ -1596,7 +1601,7 @@
           <a:p>
             <a:fld id="{C6F595E1-154E-4F3C-9E4E-9FEF3A0ABF40}" type="datetimeFigureOut">
               <a:rPr lang="en-US" smtClean="0"/>
-              <a:t>11/18/2015</a:t>
+              <a:t>11/19/2015</a:t>
             </a:fld>
             <a:endParaRPr lang="en-US"/>
           </a:p>
@@ -1842,7 +1847,7 @@
           <a:p>
             <a:fld id="{C6F595E1-154E-4F3C-9E4E-9FEF3A0ABF40}" type="datetimeFigureOut">
               <a:rPr lang="en-US" smtClean="0"/>
-              <a:t>11/18/2015</a:t>
+              <a:t>11/19/2015</a:t>
             </a:fld>
             <a:endParaRPr lang="en-US"/>
           </a:p>
@@ -2074,7 +2079,7 @@
           <a:p>
             <a:fld id="{C6F595E1-154E-4F3C-9E4E-9FEF3A0ABF40}" type="datetimeFigureOut">
               <a:rPr lang="en-US" smtClean="0"/>
-              <a:t>11/18/2015</a:t>
+              <a:t>11/19/2015</a:t>
             </a:fld>
             <a:endParaRPr lang="en-US"/>
           </a:p>
@@ -2441,7 +2446,7 @@
           <a:p>
             <a:fld id="{C6F595E1-154E-4F3C-9E4E-9FEF3A0ABF40}" type="datetimeFigureOut">
               <a:rPr lang="en-US" smtClean="0"/>
-              <a:t>11/18/2015</a:t>
+              <a:t>11/19/2015</a:t>
             </a:fld>
             <a:endParaRPr lang="en-US"/>
           </a:p>
@@ -2559,7 +2564,7 @@
           <a:p>
             <a:fld id="{C6F595E1-154E-4F3C-9E4E-9FEF3A0ABF40}" type="datetimeFigureOut">
               <a:rPr lang="en-US" smtClean="0"/>
-              <a:t>11/18/2015</a:t>
+              <a:t>11/19/2015</a:t>
             </a:fld>
             <a:endParaRPr lang="en-US"/>
           </a:p>
@@ -2654,7 +2659,7 @@
           <a:p>
             <a:fld id="{C6F595E1-154E-4F3C-9E4E-9FEF3A0ABF40}" type="datetimeFigureOut">
               <a:rPr lang="en-US" smtClean="0"/>
-              <a:t>11/18/2015</a:t>
+              <a:t>11/19/2015</a:t>
             </a:fld>
             <a:endParaRPr lang="en-US"/>
           </a:p>
@@ -2931,7 +2936,7 @@
           <a:p>
             <a:fld id="{C6F595E1-154E-4F3C-9E4E-9FEF3A0ABF40}" type="datetimeFigureOut">
               <a:rPr lang="en-US" smtClean="0"/>
-              <a:t>11/18/2015</a:t>
+              <a:t>11/19/2015</a:t>
             </a:fld>
             <a:endParaRPr lang="en-US"/>
           </a:p>
@@ -3184,7 +3189,7 @@
           <a:p>
             <a:fld id="{C6F595E1-154E-4F3C-9E4E-9FEF3A0ABF40}" type="datetimeFigureOut">
               <a:rPr lang="en-US" smtClean="0"/>
-              <a:t>11/18/2015</a:t>
+              <a:t>11/19/2015</a:t>
             </a:fld>
             <a:endParaRPr lang="en-US"/>
           </a:p>
@@ -3397,7 +3402,7 @@
           <a:p>
             <a:fld id="{C6F595E1-154E-4F3C-9E4E-9FEF3A0ABF40}" type="datetimeFigureOut">
               <a:rPr lang="en-US" smtClean="0"/>
-              <a:t>11/18/2015</a:t>
+              <a:t>11/19/2015</a:t>
             </a:fld>
             <a:endParaRPr lang="en-US"/>
           </a:p>
@@ -3812,7 +3817,12 @@
             <p:ph type="ctrTitle"/>
           </p:nvPr>
         </p:nvSpPr>
-        <p:spPr/>
+        <p:spPr>
+          <a:xfrm>
+            <a:off x="1524000" y="378948"/>
+            <a:ext cx="9144000" cy="2387600"/>
+          </a:xfrm>
+        </p:spPr>
         <p:txBody>
           <a:bodyPr>
             <a:normAutofit/>
@@ -3821,7 +3831,15 @@
           <a:p>
             <a:r>
               <a:rPr lang="en-US" sz="5400" dirty="0" smtClean="0"/>
-              <a:t>Become an Software Engineer</a:t>
+              <a:t>Become </a:t>
+            </a:r>
+            <a:r>
+              <a:rPr lang="en-US" sz="5400" dirty="0" smtClean="0"/>
+              <a:t>a </a:t>
+            </a:r>
+            <a:r>
+              <a:rPr lang="en-US" sz="5400" dirty="0" smtClean="0"/>
+              <a:t>Software Engineer</a:t>
             </a:r>
             <a:r>
               <a:rPr lang="en-US" dirty="0" smtClean="0"/>
@@ -3848,10 +3866,15 @@
             <p:ph type="subTitle" idx="1"/>
           </p:nvPr>
         </p:nvSpPr>
-        <p:spPr/>
+        <p:spPr>
+          <a:xfrm>
+            <a:off x="1524000" y="3241288"/>
+            <a:ext cx="9144000" cy="2758068"/>
+          </a:xfrm>
+        </p:spPr>
         <p:txBody>
           <a:bodyPr>
-            <a:normAutofit fontScale="92500" lnSpcReduction="10000"/>
+            <a:normAutofit fontScale="85000" lnSpcReduction="10000"/>
           </a:bodyPr>
           <a:lstStyle/>
           <a:p>
@@ -3859,7 +3882,7 @@
           </a:p>
           <a:p>
             <a:r>
-              <a:rPr lang="en-US" sz="3000" dirty="0" smtClean="0"/>
+              <a:rPr lang="en-US" sz="4000" dirty="0" smtClean="0"/>
               <a:t>Donald Sawyer</a:t>
             </a:r>
           </a:p>
@@ -3868,10 +3891,37 @@
           </a:p>
           <a:p>
             <a:r>
-              <a:rPr lang="en-US" dirty="0" smtClean="0"/>
-              <a:t>November 19, 2015</a:t>
-            </a:r>
+              <a:rPr lang="en-US" sz="2900" dirty="0" smtClean="0"/>
+              <a:t>November 19, </a:t>
+            </a:r>
+            <a:r>
+              <a:rPr lang="en-US" sz="2900" dirty="0" smtClean="0"/>
+              <a:t>2015</a:t>
+            </a:r>
+          </a:p>
+          <a:p>
             <a:endParaRPr lang="en-US" dirty="0"/>
+          </a:p>
+          <a:p>
+            <a:r>
+              <a:rPr lang="en-US" dirty="0" smtClean="0"/>
+              <a:t>Presentation &amp; Code on GitHub:</a:t>
+            </a:r>
+          </a:p>
+          <a:p>
+            <a:r>
+              <a:rPr lang="en-US" sz="1900" dirty="0">
+                <a:hlinkClick r:id="rId2"/>
+              </a:rPr>
+              <a:t>https://</a:t>
+            </a:r>
+            <a:r>
+              <a:rPr lang="en-US" sz="1900" dirty="0" smtClean="0">
+                <a:hlinkClick r:id="rId2"/>
+              </a:rPr>
+              <a:t>github.com/donaldsawyer/Demos/tree/master/ARCC/2015_11_19_EngineeringPrinciples</a:t>
+            </a:r>
+            <a:endParaRPr lang="en-US" sz="1900" dirty="0"/>
           </a:p>
         </p:txBody>
       </p:sp>
@@ -4633,7 +4683,6 @@
               <a:rPr lang="en-US" dirty="0" smtClean="0"/>
               <a:t>Would you just manufacture the parts and throw them together?</a:t>
             </a:r>
-            <a:endParaRPr lang="en-US" dirty="0" smtClean="0"/>
           </a:p>
           <a:p>
             <a:pPr marL="0" indent="0">

--- a/ARCC/2015_11_19_EngineeringPrinciples/SoftwareEngineering_more_than_programming.pptx
+++ b/ARCC/2015_11_19_EngineeringPrinciples/SoftwareEngineering_more_than_programming.pptx
@@ -3831,15 +3831,7 @@
           <a:p>
             <a:r>
               <a:rPr lang="en-US" sz="5400" dirty="0" smtClean="0"/>
-              <a:t>Become </a:t>
-            </a:r>
-            <a:r>
-              <a:rPr lang="en-US" sz="5400" dirty="0" smtClean="0"/>
-              <a:t>a </a:t>
-            </a:r>
-            <a:r>
-              <a:rPr lang="en-US" sz="5400" dirty="0" smtClean="0"/>
-              <a:t>Software Engineer</a:t>
+              <a:t>Become a Software Engineer</a:t>
             </a:r>
             <a:r>
               <a:rPr lang="en-US" dirty="0" smtClean="0"/>
@@ -3892,11 +3884,7 @@
           <a:p>
             <a:r>
               <a:rPr lang="en-US" sz="2900" dirty="0" smtClean="0"/>
-              <a:t>November 19, </a:t>
-            </a:r>
-            <a:r>
-              <a:rPr lang="en-US" sz="2900" dirty="0" smtClean="0"/>
-              <a:t>2015</a:t>
+              <a:t>November 19, 2015</a:t>
             </a:r>
           </a:p>
           <a:p>
@@ -3935,6 +3923,13 @@
   <p:clrMapOvr>
     <a:masterClrMapping/>
   </p:clrMapOvr>
+  <p:timing>
+    <p:tnLst>
+      <p:par>
+        <p:cTn id="1" dur="indefinite" restart="never" nodeType="tmRoot"/>
+      </p:par>
+    </p:tnLst>
+  </p:timing>
 </p:sld>
 </file>
 
@@ -4081,6 +4076,706 @@
   <p:clrMapOvr>
     <a:masterClrMapping/>
   </p:clrMapOvr>
+  <p:timing>
+    <p:tnLst>
+      <p:par>
+        <p:cTn id="1" dur="indefinite" restart="never" nodeType="tmRoot">
+          <p:childTnLst>
+            <p:seq concurrent="1" nextAc="seek">
+              <p:cTn id="2" dur="indefinite" nodeType="mainSeq">
+                <p:childTnLst>
+                  <p:par>
+                    <p:cTn id="3" fill="hold">
+                      <p:stCondLst>
+                        <p:cond delay="indefinite"/>
+                      </p:stCondLst>
+                      <p:childTnLst>
+                        <p:par>
+                          <p:cTn id="4" fill="hold">
+                            <p:stCondLst>
+                              <p:cond delay="0"/>
+                            </p:stCondLst>
+                            <p:childTnLst>
+                              <p:par>
+                                <p:cTn id="5" presetID="2" presetClass="entr" presetSubtype="4" fill="hold" grpId="0" nodeType="clickEffect">
+                                  <p:stCondLst>
+                                    <p:cond delay="0"/>
+                                  </p:stCondLst>
+                                  <p:childTnLst>
+                                    <p:set>
+                                      <p:cBhvr>
+                                        <p:cTn id="6" dur="1" fill="hold">
+                                          <p:stCondLst>
+                                            <p:cond delay="0"/>
+                                          </p:stCondLst>
+                                        </p:cTn>
+                                        <p:tgtEl>
+                                          <p:spTgt spid="3">
+                                            <p:txEl>
+                                              <p:pRg st="0" end="0"/>
+                                            </p:txEl>
+                                          </p:spTgt>
+                                        </p:tgtEl>
+                                        <p:attrNameLst>
+                                          <p:attrName>style.visibility</p:attrName>
+                                        </p:attrNameLst>
+                                      </p:cBhvr>
+                                      <p:to>
+                                        <p:strVal val="visible"/>
+                                      </p:to>
+                                    </p:set>
+                                    <p:anim calcmode="lin" valueType="num">
+                                      <p:cBhvr additive="base">
+                                        <p:cTn id="7" dur="500" fill="hold"/>
+                                        <p:tgtEl>
+                                          <p:spTgt spid="3">
+                                            <p:txEl>
+                                              <p:pRg st="0" end="0"/>
+                                            </p:txEl>
+                                          </p:spTgt>
+                                        </p:tgtEl>
+                                        <p:attrNameLst>
+                                          <p:attrName>ppt_x</p:attrName>
+                                        </p:attrNameLst>
+                                      </p:cBhvr>
+                                      <p:tavLst>
+                                        <p:tav tm="0">
+                                          <p:val>
+                                            <p:strVal val="#ppt_x"/>
+                                          </p:val>
+                                        </p:tav>
+                                        <p:tav tm="100000">
+                                          <p:val>
+                                            <p:strVal val="#ppt_x"/>
+                                          </p:val>
+                                        </p:tav>
+                                      </p:tavLst>
+                                    </p:anim>
+                                    <p:anim calcmode="lin" valueType="num">
+                                      <p:cBhvr additive="base">
+                                        <p:cTn id="8" dur="500" fill="hold"/>
+                                        <p:tgtEl>
+                                          <p:spTgt spid="3">
+                                            <p:txEl>
+                                              <p:pRg st="0" end="0"/>
+                                            </p:txEl>
+                                          </p:spTgt>
+                                        </p:tgtEl>
+                                        <p:attrNameLst>
+                                          <p:attrName>ppt_y</p:attrName>
+                                        </p:attrNameLst>
+                                      </p:cBhvr>
+                                      <p:tavLst>
+                                        <p:tav tm="0">
+                                          <p:val>
+                                            <p:strVal val="1+#ppt_h/2"/>
+                                          </p:val>
+                                        </p:tav>
+                                        <p:tav tm="100000">
+                                          <p:val>
+                                            <p:strVal val="#ppt_y"/>
+                                          </p:val>
+                                        </p:tav>
+                                      </p:tavLst>
+                                    </p:anim>
+                                  </p:childTnLst>
+                                </p:cTn>
+                              </p:par>
+                            </p:childTnLst>
+                          </p:cTn>
+                        </p:par>
+                      </p:childTnLst>
+                    </p:cTn>
+                  </p:par>
+                  <p:par>
+                    <p:cTn id="9" fill="hold">
+                      <p:stCondLst>
+                        <p:cond delay="indefinite"/>
+                      </p:stCondLst>
+                      <p:childTnLst>
+                        <p:par>
+                          <p:cTn id="10" fill="hold">
+                            <p:stCondLst>
+                              <p:cond delay="0"/>
+                            </p:stCondLst>
+                            <p:childTnLst>
+                              <p:par>
+                                <p:cTn id="11" presetID="2" presetClass="entr" presetSubtype="4" fill="hold" grpId="0" nodeType="clickEffect">
+                                  <p:stCondLst>
+                                    <p:cond delay="0"/>
+                                  </p:stCondLst>
+                                  <p:childTnLst>
+                                    <p:set>
+                                      <p:cBhvr>
+                                        <p:cTn id="12" dur="1" fill="hold">
+                                          <p:stCondLst>
+                                            <p:cond delay="0"/>
+                                          </p:stCondLst>
+                                        </p:cTn>
+                                        <p:tgtEl>
+                                          <p:spTgt spid="3">
+                                            <p:txEl>
+                                              <p:pRg st="2" end="2"/>
+                                            </p:txEl>
+                                          </p:spTgt>
+                                        </p:tgtEl>
+                                        <p:attrNameLst>
+                                          <p:attrName>style.visibility</p:attrName>
+                                        </p:attrNameLst>
+                                      </p:cBhvr>
+                                      <p:to>
+                                        <p:strVal val="visible"/>
+                                      </p:to>
+                                    </p:set>
+                                    <p:anim calcmode="lin" valueType="num">
+                                      <p:cBhvr additive="base">
+                                        <p:cTn id="13" dur="500" fill="hold"/>
+                                        <p:tgtEl>
+                                          <p:spTgt spid="3">
+                                            <p:txEl>
+                                              <p:pRg st="2" end="2"/>
+                                            </p:txEl>
+                                          </p:spTgt>
+                                        </p:tgtEl>
+                                        <p:attrNameLst>
+                                          <p:attrName>ppt_x</p:attrName>
+                                        </p:attrNameLst>
+                                      </p:cBhvr>
+                                      <p:tavLst>
+                                        <p:tav tm="0">
+                                          <p:val>
+                                            <p:strVal val="#ppt_x"/>
+                                          </p:val>
+                                        </p:tav>
+                                        <p:tav tm="100000">
+                                          <p:val>
+                                            <p:strVal val="#ppt_x"/>
+                                          </p:val>
+                                        </p:tav>
+                                      </p:tavLst>
+                                    </p:anim>
+                                    <p:anim calcmode="lin" valueType="num">
+                                      <p:cBhvr additive="base">
+                                        <p:cTn id="14" dur="500" fill="hold"/>
+                                        <p:tgtEl>
+                                          <p:spTgt spid="3">
+                                            <p:txEl>
+                                              <p:pRg st="2" end="2"/>
+                                            </p:txEl>
+                                          </p:spTgt>
+                                        </p:tgtEl>
+                                        <p:attrNameLst>
+                                          <p:attrName>ppt_y</p:attrName>
+                                        </p:attrNameLst>
+                                      </p:cBhvr>
+                                      <p:tavLst>
+                                        <p:tav tm="0">
+                                          <p:val>
+                                            <p:strVal val="1+#ppt_h/2"/>
+                                          </p:val>
+                                        </p:tav>
+                                        <p:tav tm="100000">
+                                          <p:val>
+                                            <p:strVal val="#ppt_y"/>
+                                          </p:val>
+                                        </p:tav>
+                                      </p:tavLst>
+                                    </p:anim>
+                                  </p:childTnLst>
+                                </p:cTn>
+                              </p:par>
+                            </p:childTnLst>
+                          </p:cTn>
+                        </p:par>
+                      </p:childTnLst>
+                    </p:cTn>
+                  </p:par>
+                  <p:par>
+                    <p:cTn id="15" fill="hold">
+                      <p:stCondLst>
+                        <p:cond delay="indefinite"/>
+                      </p:stCondLst>
+                      <p:childTnLst>
+                        <p:par>
+                          <p:cTn id="16" fill="hold">
+                            <p:stCondLst>
+                              <p:cond delay="0"/>
+                            </p:stCondLst>
+                            <p:childTnLst>
+                              <p:par>
+                                <p:cTn id="17" presetID="2" presetClass="entr" presetSubtype="4" fill="hold" grpId="0" nodeType="clickEffect">
+                                  <p:stCondLst>
+                                    <p:cond delay="0"/>
+                                  </p:stCondLst>
+                                  <p:childTnLst>
+                                    <p:set>
+                                      <p:cBhvr>
+                                        <p:cTn id="18" dur="1" fill="hold">
+                                          <p:stCondLst>
+                                            <p:cond delay="0"/>
+                                          </p:stCondLst>
+                                        </p:cTn>
+                                        <p:tgtEl>
+                                          <p:spTgt spid="3">
+                                            <p:txEl>
+                                              <p:pRg st="4" end="4"/>
+                                            </p:txEl>
+                                          </p:spTgt>
+                                        </p:tgtEl>
+                                        <p:attrNameLst>
+                                          <p:attrName>style.visibility</p:attrName>
+                                        </p:attrNameLst>
+                                      </p:cBhvr>
+                                      <p:to>
+                                        <p:strVal val="visible"/>
+                                      </p:to>
+                                    </p:set>
+                                    <p:anim calcmode="lin" valueType="num">
+                                      <p:cBhvr additive="base">
+                                        <p:cTn id="19" dur="500" fill="hold"/>
+                                        <p:tgtEl>
+                                          <p:spTgt spid="3">
+                                            <p:txEl>
+                                              <p:pRg st="4" end="4"/>
+                                            </p:txEl>
+                                          </p:spTgt>
+                                        </p:tgtEl>
+                                        <p:attrNameLst>
+                                          <p:attrName>ppt_x</p:attrName>
+                                        </p:attrNameLst>
+                                      </p:cBhvr>
+                                      <p:tavLst>
+                                        <p:tav tm="0">
+                                          <p:val>
+                                            <p:strVal val="#ppt_x"/>
+                                          </p:val>
+                                        </p:tav>
+                                        <p:tav tm="100000">
+                                          <p:val>
+                                            <p:strVal val="#ppt_x"/>
+                                          </p:val>
+                                        </p:tav>
+                                      </p:tavLst>
+                                    </p:anim>
+                                    <p:anim calcmode="lin" valueType="num">
+                                      <p:cBhvr additive="base">
+                                        <p:cTn id="20" dur="500" fill="hold"/>
+                                        <p:tgtEl>
+                                          <p:spTgt spid="3">
+                                            <p:txEl>
+                                              <p:pRg st="4" end="4"/>
+                                            </p:txEl>
+                                          </p:spTgt>
+                                        </p:tgtEl>
+                                        <p:attrNameLst>
+                                          <p:attrName>ppt_y</p:attrName>
+                                        </p:attrNameLst>
+                                      </p:cBhvr>
+                                      <p:tavLst>
+                                        <p:tav tm="0">
+                                          <p:val>
+                                            <p:strVal val="1+#ppt_h/2"/>
+                                          </p:val>
+                                        </p:tav>
+                                        <p:tav tm="100000">
+                                          <p:val>
+                                            <p:strVal val="#ppt_y"/>
+                                          </p:val>
+                                        </p:tav>
+                                      </p:tavLst>
+                                    </p:anim>
+                                  </p:childTnLst>
+                                </p:cTn>
+                              </p:par>
+                              <p:par>
+                                <p:cTn id="21" presetID="2" presetClass="entr" presetSubtype="4" fill="hold" grpId="0" nodeType="withEffect">
+                                  <p:stCondLst>
+                                    <p:cond delay="0"/>
+                                  </p:stCondLst>
+                                  <p:childTnLst>
+                                    <p:set>
+                                      <p:cBhvr>
+                                        <p:cTn id="22" dur="1" fill="hold">
+                                          <p:stCondLst>
+                                            <p:cond delay="0"/>
+                                          </p:stCondLst>
+                                        </p:cTn>
+                                        <p:tgtEl>
+                                          <p:spTgt spid="3">
+                                            <p:txEl>
+                                              <p:pRg st="5" end="5"/>
+                                            </p:txEl>
+                                          </p:spTgt>
+                                        </p:tgtEl>
+                                        <p:attrNameLst>
+                                          <p:attrName>style.visibility</p:attrName>
+                                        </p:attrNameLst>
+                                      </p:cBhvr>
+                                      <p:to>
+                                        <p:strVal val="visible"/>
+                                      </p:to>
+                                    </p:set>
+                                    <p:anim calcmode="lin" valueType="num">
+                                      <p:cBhvr additive="base">
+                                        <p:cTn id="23" dur="500" fill="hold"/>
+                                        <p:tgtEl>
+                                          <p:spTgt spid="3">
+                                            <p:txEl>
+                                              <p:pRg st="5" end="5"/>
+                                            </p:txEl>
+                                          </p:spTgt>
+                                        </p:tgtEl>
+                                        <p:attrNameLst>
+                                          <p:attrName>ppt_x</p:attrName>
+                                        </p:attrNameLst>
+                                      </p:cBhvr>
+                                      <p:tavLst>
+                                        <p:tav tm="0">
+                                          <p:val>
+                                            <p:strVal val="#ppt_x"/>
+                                          </p:val>
+                                        </p:tav>
+                                        <p:tav tm="100000">
+                                          <p:val>
+                                            <p:strVal val="#ppt_x"/>
+                                          </p:val>
+                                        </p:tav>
+                                      </p:tavLst>
+                                    </p:anim>
+                                    <p:anim calcmode="lin" valueType="num">
+                                      <p:cBhvr additive="base">
+                                        <p:cTn id="24" dur="500" fill="hold"/>
+                                        <p:tgtEl>
+                                          <p:spTgt spid="3">
+                                            <p:txEl>
+                                              <p:pRg st="5" end="5"/>
+                                            </p:txEl>
+                                          </p:spTgt>
+                                        </p:tgtEl>
+                                        <p:attrNameLst>
+                                          <p:attrName>ppt_y</p:attrName>
+                                        </p:attrNameLst>
+                                      </p:cBhvr>
+                                      <p:tavLst>
+                                        <p:tav tm="0">
+                                          <p:val>
+                                            <p:strVal val="1+#ppt_h/2"/>
+                                          </p:val>
+                                        </p:tav>
+                                        <p:tav tm="100000">
+                                          <p:val>
+                                            <p:strVal val="#ppt_y"/>
+                                          </p:val>
+                                        </p:tav>
+                                      </p:tavLst>
+                                    </p:anim>
+                                  </p:childTnLst>
+                                </p:cTn>
+                              </p:par>
+                              <p:par>
+                                <p:cTn id="25" presetID="2" presetClass="entr" presetSubtype="4" fill="hold" grpId="0" nodeType="withEffect">
+                                  <p:stCondLst>
+                                    <p:cond delay="0"/>
+                                  </p:stCondLst>
+                                  <p:childTnLst>
+                                    <p:set>
+                                      <p:cBhvr>
+                                        <p:cTn id="26" dur="1" fill="hold">
+                                          <p:stCondLst>
+                                            <p:cond delay="0"/>
+                                          </p:stCondLst>
+                                        </p:cTn>
+                                        <p:tgtEl>
+                                          <p:spTgt spid="3">
+                                            <p:txEl>
+                                              <p:pRg st="6" end="6"/>
+                                            </p:txEl>
+                                          </p:spTgt>
+                                        </p:tgtEl>
+                                        <p:attrNameLst>
+                                          <p:attrName>style.visibility</p:attrName>
+                                        </p:attrNameLst>
+                                      </p:cBhvr>
+                                      <p:to>
+                                        <p:strVal val="visible"/>
+                                      </p:to>
+                                    </p:set>
+                                    <p:anim calcmode="lin" valueType="num">
+                                      <p:cBhvr additive="base">
+                                        <p:cTn id="27" dur="500" fill="hold"/>
+                                        <p:tgtEl>
+                                          <p:spTgt spid="3">
+                                            <p:txEl>
+                                              <p:pRg st="6" end="6"/>
+                                            </p:txEl>
+                                          </p:spTgt>
+                                        </p:tgtEl>
+                                        <p:attrNameLst>
+                                          <p:attrName>ppt_x</p:attrName>
+                                        </p:attrNameLst>
+                                      </p:cBhvr>
+                                      <p:tavLst>
+                                        <p:tav tm="0">
+                                          <p:val>
+                                            <p:strVal val="#ppt_x"/>
+                                          </p:val>
+                                        </p:tav>
+                                        <p:tav tm="100000">
+                                          <p:val>
+                                            <p:strVal val="#ppt_x"/>
+                                          </p:val>
+                                        </p:tav>
+                                      </p:tavLst>
+                                    </p:anim>
+                                    <p:anim calcmode="lin" valueType="num">
+                                      <p:cBhvr additive="base">
+                                        <p:cTn id="28" dur="500" fill="hold"/>
+                                        <p:tgtEl>
+                                          <p:spTgt spid="3">
+                                            <p:txEl>
+                                              <p:pRg st="6" end="6"/>
+                                            </p:txEl>
+                                          </p:spTgt>
+                                        </p:tgtEl>
+                                        <p:attrNameLst>
+                                          <p:attrName>ppt_y</p:attrName>
+                                        </p:attrNameLst>
+                                      </p:cBhvr>
+                                      <p:tavLst>
+                                        <p:tav tm="0">
+                                          <p:val>
+                                            <p:strVal val="1+#ppt_h/2"/>
+                                          </p:val>
+                                        </p:tav>
+                                        <p:tav tm="100000">
+                                          <p:val>
+                                            <p:strVal val="#ppt_y"/>
+                                          </p:val>
+                                        </p:tav>
+                                      </p:tavLst>
+                                    </p:anim>
+                                  </p:childTnLst>
+                                </p:cTn>
+                              </p:par>
+                              <p:par>
+                                <p:cTn id="29" presetID="2" presetClass="entr" presetSubtype="4" fill="hold" grpId="0" nodeType="withEffect">
+                                  <p:stCondLst>
+                                    <p:cond delay="0"/>
+                                  </p:stCondLst>
+                                  <p:childTnLst>
+                                    <p:set>
+                                      <p:cBhvr>
+                                        <p:cTn id="30" dur="1" fill="hold">
+                                          <p:stCondLst>
+                                            <p:cond delay="0"/>
+                                          </p:stCondLst>
+                                        </p:cTn>
+                                        <p:tgtEl>
+                                          <p:spTgt spid="3">
+                                            <p:txEl>
+                                              <p:pRg st="7" end="7"/>
+                                            </p:txEl>
+                                          </p:spTgt>
+                                        </p:tgtEl>
+                                        <p:attrNameLst>
+                                          <p:attrName>style.visibility</p:attrName>
+                                        </p:attrNameLst>
+                                      </p:cBhvr>
+                                      <p:to>
+                                        <p:strVal val="visible"/>
+                                      </p:to>
+                                    </p:set>
+                                    <p:anim calcmode="lin" valueType="num">
+                                      <p:cBhvr additive="base">
+                                        <p:cTn id="31" dur="500" fill="hold"/>
+                                        <p:tgtEl>
+                                          <p:spTgt spid="3">
+                                            <p:txEl>
+                                              <p:pRg st="7" end="7"/>
+                                            </p:txEl>
+                                          </p:spTgt>
+                                        </p:tgtEl>
+                                        <p:attrNameLst>
+                                          <p:attrName>ppt_x</p:attrName>
+                                        </p:attrNameLst>
+                                      </p:cBhvr>
+                                      <p:tavLst>
+                                        <p:tav tm="0">
+                                          <p:val>
+                                            <p:strVal val="#ppt_x"/>
+                                          </p:val>
+                                        </p:tav>
+                                        <p:tav tm="100000">
+                                          <p:val>
+                                            <p:strVal val="#ppt_x"/>
+                                          </p:val>
+                                        </p:tav>
+                                      </p:tavLst>
+                                    </p:anim>
+                                    <p:anim calcmode="lin" valueType="num">
+                                      <p:cBhvr additive="base">
+                                        <p:cTn id="32" dur="500" fill="hold"/>
+                                        <p:tgtEl>
+                                          <p:spTgt spid="3">
+                                            <p:txEl>
+                                              <p:pRg st="7" end="7"/>
+                                            </p:txEl>
+                                          </p:spTgt>
+                                        </p:tgtEl>
+                                        <p:attrNameLst>
+                                          <p:attrName>ppt_y</p:attrName>
+                                        </p:attrNameLst>
+                                      </p:cBhvr>
+                                      <p:tavLst>
+                                        <p:tav tm="0">
+                                          <p:val>
+                                            <p:strVal val="1+#ppt_h/2"/>
+                                          </p:val>
+                                        </p:tav>
+                                        <p:tav tm="100000">
+                                          <p:val>
+                                            <p:strVal val="#ppt_y"/>
+                                          </p:val>
+                                        </p:tav>
+                                      </p:tavLst>
+                                    </p:anim>
+                                  </p:childTnLst>
+                                </p:cTn>
+                              </p:par>
+                            </p:childTnLst>
+                          </p:cTn>
+                        </p:par>
+                      </p:childTnLst>
+                    </p:cTn>
+                  </p:par>
+                  <p:par>
+                    <p:cTn id="33" fill="hold">
+                      <p:stCondLst>
+                        <p:cond delay="indefinite"/>
+                      </p:stCondLst>
+                      <p:childTnLst>
+                        <p:par>
+                          <p:cTn id="34" fill="hold">
+                            <p:stCondLst>
+                              <p:cond delay="0"/>
+                            </p:stCondLst>
+                            <p:childTnLst>
+                              <p:par>
+                                <p:cTn id="35" presetID="2" presetClass="entr" presetSubtype="4" fill="hold" grpId="0" nodeType="clickEffect">
+                                  <p:stCondLst>
+                                    <p:cond delay="0"/>
+                                  </p:stCondLst>
+                                  <p:childTnLst>
+                                    <p:set>
+                                      <p:cBhvr>
+                                        <p:cTn id="36" dur="1" fill="hold">
+                                          <p:stCondLst>
+                                            <p:cond delay="0"/>
+                                          </p:stCondLst>
+                                        </p:cTn>
+                                        <p:tgtEl>
+                                          <p:spTgt spid="3">
+                                            <p:txEl>
+                                              <p:pRg st="9" end="9"/>
+                                            </p:txEl>
+                                          </p:spTgt>
+                                        </p:tgtEl>
+                                        <p:attrNameLst>
+                                          <p:attrName>style.visibility</p:attrName>
+                                        </p:attrNameLst>
+                                      </p:cBhvr>
+                                      <p:to>
+                                        <p:strVal val="visible"/>
+                                      </p:to>
+                                    </p:set>
+                                    <p:anim calcmode="lin" valueType="num">
+                                      <p:cBhvr additive="base">
+                                        <p:cTn id="37" dur="500" fill="hold"/>
+                                        <p:tgtEl>
+                                          <p:spTgt spid="3">
+                                            <p:txEl>
+                                              <p:pRg st="9" end="9"/>
+                                            </p:txEl>
+                                          </p:spTgt>
+                                        </p:tgtEl>
+                                        <p:attrNameLst>
+                                          <p:attrName>ppt_x</p:attrName>
+                                        </p:attrNameLst>
+                                      </p:cBhvr>
+                                      <p:tavLst>
+                                        <p:tav tm="0">
+                                          <p:val>
+                                            <p:strVal val="#ppt_x"/>
+                                          </p:val>
+                                        </p:tav>
+                                        <p:tav tm="100000">
+                                          <p:val>
+                                            <p:strVal val="#ppt_x"/>
+                                          </p:val>
+                                        </p:tav>
+                                      </p:tavLst>
+                                    </p:anim>
+                                    <p:anim calcmode="lin" valueType="num">
+                                      <p:cBhvr additive="base">
+                                        <p:cTn id="38" dur="500" fill="hold"/>
+                                        <p:tgtEl>
+                                          <p:spTgt spid="3">
+                                            <p:txEl>
+                                              <p:pRg st="9" end="9"/>
+                                            </p:txEl>
+                                          </p:spTgt>
+                                        </p:tgtEl>
+                                        <p:attrNameLst>
+                                          <p:attrName>ppt_y</p:attrName>
+                                        </p:attrNameLst>
+                                      </p:cBhvr>
+                                      <p:tavLst>
+                                        <p:tav tm="0">
+                                          <p:val>
+                                            <p:strVal val="1+#ppt_h/2"/>
+                                          </p:val>
+                                        </p:tav>
+                                        <p:tav tm="100000">
+                                          <p:val>
+                                            <p:strVal val="#ppt_y"/>
+                                          </p:val>
+                                        </p:tav>
+                                      </p:tavLst>
+                                    </p:anim>
+                                  </p:childTnLst>
+                                </p:cTn>
+                              </p:par>
+                            </p:childTnLst>
+                          </p:cTn>
+                        </p:par>
+                      </p:childTnLst>
+                    </p:cTn>
+                  </p:par>
+                </p:childTnLst>
+              </p:cTn>
+              <p:prevCondLst>
+                <p:cond evt="onPrev" delay="0">
+                  <p:tgtEl>
+                    <p:sldTgt/>
+                  </p:tgtEl>
+                </p:cond>
+              </p:prevCondLst>
+              <p:nextCondLst>
+                <p:cond evt="onNext" delay="0">
+                  <p:tgtEl>
+                    <p:sldTgt/>
+                  </p:tgtEl>
+                </p:cond>
+              </p:nextCondLst>
+            </p:seq>
+          </p:childTnLst>
+        </p:cTn>
+      </p:par>
+    </p:tnLst>
+    <p:bldLst>
+      <p:bldP spid="3" grpId="0" build="p"/>
+    </p:bldLst>
+  </p:timing>
 </p:sld>
 </file>
 
@@ -4148,8 +4843,13 @@
           <a:p>
             <a:r>
               <a:rPr lang="en-US" dirty="0" smtClean="0"/>
-              <a:t>Focus on quality</a:t>
-            </a:r>
+              <a:t>Focus on </a:t>
+            </a:r>
+            <a:r>
+              <a:rPr lang="en-US" dirty="0" smtClean="0"/>
+              <a:t>quality in EVERYTHING (not just code)</a:t>
+            </a:r>
+            <a:endParaRPr lang="en-US" dirty="0" smtClean="0"/>
           </a:p>
           <a:p>
             <a:r>
@@ -4248,6 +4948,1198 @@
   <p:clrMapOvr>
     <a:masterClrMapping/>
   </p:clrMapOvr>
+  <p:timing>
+    <p:tnLst>
+      <p:par>
+        <p:cTn id="1" dur="indefinite" restart="never" nodeType="tmRoot">
+          <p:childTnLst>
+            <p:seq concurrent="1" nextAc="seek">
+              <p:cTn id="2" dur="indefinite" nodeType="mainSeq">
+                <p:childTnLst>
+                  <p:par>
+                    <p:cTn id="3" fill="hold">
+                      <p:stCondLst>
+                        <p:cond delay="indefinite"/>
+                      </p:stCondLst>
+                      <p:childTnLst>
+                        <p:par>
+                          <p:cTn id="4" fill="hold">
+                            <p:stCondLst>
+                              <p:cond delay="0"/>
+                            </p:stCondLst>
+                            <p:childTnLst>
+                              <p:par>
+                                <p:cTn id="5" presetID="2" presetClass="entr" presetSubtype="4" fill="hold" grpId="0" nodeType="clickEffect">
+                                  <p:stCondLst>
+                                    <p:cond delay="0"/>
+                                  </p:stCondLst>
+                                  <p:childTnLst>
+                                    <p:set>
+                                      <p:cBhvr>
+                                        <p:cTn id="6" dur="1" fill="hold">
+                                          <p:stCondLst>
+                                            <p:cond delay="0"/>
+                                          </p:stCondLst>
+                                        </p:cTn>
+                                        <p:tgtEl>
+                                          <p:spTgt spid="3">
+                                            <p:txEl>
+                                              <p:pRg st="0" end="0"/>
+                                            </p:txEl>
+                                          </p:spTgt>
+                                        </p:tgtEl>
+                                        <p:attrNameLst>
+                                          <p:attrName>style.visibility</p:attrName>
+                                        </p:attrNameLst>
+                                      </p:cBhvr>
+                                      <p:to>
+                                        <p:strVal val="visible"/>
+                                      </p:to>
+                                    </p:set>
+                                    <p:anim calcmode="lin" valueType="num">
+                                      <p:cBhvr additive="base">
+                                        <p:cTn id="7" dur="500" fill="hold"/>
+                                        <p:tgtEl>
+                                          <p:spTgt spid="3">
+                                            <p:txEl>
+                                              <p:pRg st="0" end="0"/>
+                                            </p:txEl>
+                                          </p:spTgt>
+                                        </p:tgtEl>
+                                        <p:attrNameLst>
+                                          <p:attrName>ppt_x</p:attrName>
+                                        </p:attrNameLst>
+                                      </p:cBhvr>
+                                      <p:tavLst>
+                                        <p:tav tm="0">
+                                          <p:val>
+                                            <p:strVal val="#ppt_x"/>
+                                          </p:val>
+                                        </p:tav>
+                                        <p:tav tm="100000">
+                                          <p:val>
+                                            <p:strVal val="#ppt_x"/>
+                                          </p:val>
+                                        </p:tav>
+                                      </p:tavLst>
+                                    </p:anim>
+                                    <p:anim calcmode="lin" valueType="num">
+                                      <p:cBhvr additive="base">
+                                        <p:cTn id="8" dur="500" fill="hold"/>
+                                        <p:tgtEl>
+                                          <p:spTgt spid="3">
+                                            <p:txEl>
+                                              <p:pRg st="0" end="0"/>
+                                            </p:txEl>
+                                          </p:spTgt>
+                                        </p:tgtEl>
+                                        <p:attrNameLst>
+                                          <p:attrName>ppt_y</p:attrName>
+                                        </p:attrNameLst>
+                                      </p:cBhvr>
+                                      <p:tavLst>
+                                        <p:tav tm="0">
+                                          <p:val>
+                                            <p:strVal val="1+#ppt_h/2"/>
+                                          </p:val>
+                                        </p:tav>
+                                        <p:tav tm="100000">
+                                          <p:val>
+                                            <p:strVal val="#ppt_y"/>
+                                          </p:val>
+                                        </p:tav>
+                                      </p:tavLst>
+                                    </p:anim>
+                                  </p:childTnLst>
+                                </p:cTn>
+                              </p:par>
+                            </p:childTnLst>
+                          </p:cTn>
+                        </p:par>
+                      </p:childTnLst>
+                    </p:cTn>
+                  </p:par>
+                  <p:par>
+                    <p:cTn id="9" fill="hold">
+                      <p:stCondLst>
+                        <p:cond delay="indefinite"/>
+                      </p:stCondLst>
+                      <p:childTnLst>
+                        <p:par>
+                          <p:cTn id="10" fill="hold">
+                            <p:stCondLst>
+                              <p:cond delay="0"/>
+                            </p:stCondLst>
+                            <p:childTnLst>
+                              <p:par>
+                                <p:cTn id="11" presetID="2" presetClass="entr" presetSubtype="4" fill="hold" grpId="0" nodeType="clickEffect">
+                                  <p:stCondLst>
+                                    <p:cond delay="0"/>
+                                  </p:stCondLst>
+                                  <p:childTnLst>
+                                    <p:set>
+                                      <p:cBhvr>
+                                        <p:cTn id="12" dur="1" fill="hold">
+                                          <p:stCondLst>
+                                            <p:cond delay="0"/>
+                                          </p:stCondLst>
+                                        </p:cTn>
+                                        <p:tgtEl>
+                                          <p:spTgt spid="3">
+                                            <p:txEl>
+                                              <p:pRg st="1" end="1"/>
+                                            </p:txEl>
+                                          </p:spTgt>
+                                        </p:tgtEl>
+                                        <p:attrNameLst>
+                                          <p:attrName>style.visibility</p:attrName>
+                                        </p:attrNameLst>
+                                      </p:cBhvr>
+                                      <p:to>
+                                        <p:strVal val="visible"/>
+                                      </p:to>
+                                    </p:set>
+                                    <p:anim calcmode="lin" valueType="num">
+                                      <p:cBhvr additive="base">
+                                        <p:cTn id="13" dur="500" fill="hold"/>
+                                        <p:tgtEl>
+                                          <p:spTgt spid="3">
+                                            <p:txEl>
+                                              <p:pRg st="1" end="1"/>
+                                            </p:txEl>
+                                          </p:spTgt>
+                                        </p:tgtEl>
+                                        <p:attrNameLst>
+                                          <p:attrName>ppt_x</p:attrName>
+                                        </p:attrNameLst>
+                                      </p:cBhvr>
+                                      <p:tavLst>
+                                        <p:tav tm="0">
+                                          <p:val>
+                                            <p:strVal val="#ppt_x"/>
+                                          </p:val>
+                                        </p:tav>
+                                        <p:tav tm="100000">
+                                          <p:val>
+                                            <p:strVal val="#ppt_x"/>
+                                          </p:val>
+                                        </p:tav>
+                                      </p:tavLst>
+                                    </p:anim>
+                                    <p:anim calcmode="lin" valueType="num">
+                                      <p:cBhvr additive="base">
+                                        <p:cTn id="14" dur="500" fill="hold"/>
+                                        <p:tgtEl>
+                                          <p:spTgt spid="3">
+                                            <p:txEl>
+                                              <p:pRg st="1" end="1"/>
+                                            </p:txEl>
+                                          </p:spTgt>
+                                        </p:tgtEl>
+                                        <p:attrNameLst>
+                                          <p:attrName>ppt_y</p:attrName>
+                                        </p:attrNameLst>
+                                      </p:cBhvr>
+                                      <p:tavLst>
+                                        <p:tav tm="0">
+                                          <p:val>
+                                            <p:strVal val="1+#ppt_h/2"/>
+                                          </p:val>
+                                        </p:tav>
+                                        <p:tav tm="100000">
+                                          <p:val>
+                                            <p:strVal val="#ppt_y"/>
+                                          </p:val>
+                                        </p:tav>
+                                      </p:tavLst>
+                                    </p:anim>
+                                  </p:childTnLst>
+                                </p:cTn>
+                              </p:par>
+                              <p:par>
+                                <p:cTn id="15" presetID="2" presetClass="entr" presetSubtype="4" fill="hold" grpId="0" nodeType="withEffect">
+                                  <p:stCondLst>
+                                    <p:cond delay="0"/>
+                                  </p:stCondLst>
+                                  <p:childTnLst>
+                                    <p:set>
+                                      <p:cBhvr>
+                                        <p:cTn id="16" dur="1" fill="hold">
+                                          <p:stCondLst>
+                                            <p:cond delay="0"/>
+                                          </p:stCondLst>
+                                        </p:cTn>
+                                        <p:tgtEl>
+                                          <p:spTgt spid="3">
+                                            <p:txEl>
+                                              <p:pRg st="2" end="2"/>
+                                            </p:txEl>
+                                          </p:spTgt>
+                                        </p:tgtEl>
+                                        <p:attrNameLst>
+                                          <p:attrName>style.visibility</p:attrName>
+                                        </p:attrNameLst>
+                                      </p:cBhvr>
+                                      <p:to>
+                                        <p:strVal val="visible"/>
+                                      </p:to>
+                                    </p:set>
+                                    <p:anim calcmode="lin" valueType="num">
+                                      <p:cBhvr additive="base">
+                                        <p:cTn id="17" dur="500" fill="hold"/>
+                                        <p:tgtEl>
+                                          <p:spTgt spid="3">
+                                            <p:txEl>
+                                              <p:pRg st="2" end="2"/>
+                                            </p:txEl>
+                                          </p:spTgt>
+                                        </p:tgtEl>
+                                        <p:attrNameLst>
+                                          <p:attrName>ppt_x</p:attrName>
+                                        </p:attrNameLst>
+                                      </p:cBhvr>
+                                      <p:tavLst>
+                                        <p:tav tm="0">
+                                          <p:val>
+                                            <p:strVal val="#ppt_x"/>
+                                          </p:val>
+                                        </p:tav>
+                                        <p:tav tm="100000">
+                                          <p:val>
+                                            <p:strVal val="#ppt_x"/>
+                                          </p:val>
+                                        </p:tav>
+                                      </p:tavLst>
+                                    </p:anim>
+                                    <p:anim calcmode="lin" valueType="num">
+                                      <p:cBhvr additive="base">
+                                        <p:cTn id="18" dur="500" fill="hold"/>
+                                        <p:tgtEl>
+                                          <p:spTgt spid="3">
+                                            <p:txEl>
+                                              <p:pRg st="2" end="2"/>
+                                            </p:txEl>
+                                          </p:spTgt>
+                                        </p:tgtEl>
+                                        <p:attrNameLst>
+                                          <p:attrName>ppt_y</p:attrName>
+                                        </p:attrNameLst>
+                                      </p:cBhvr>
+                                      <p:tavLst>
+                                        <p:tav tm="0">
+                                          <p:val>
+                                            <p:strVal val="1+#ppt_h/2"/>
+                                          </p:val>
+                                        </p:tav>
+                                        <p:tav tm="100000">
+                                          <p:val>
+                                            <p:strVal val="#ppt_y"/>
+                                          </p:val>
+                                        </p:tav>
+                                      </p:tavLst>
+                                    </p:anim>
+                                  </p:childTnLst>
+                                </p:cTn>
+                              </p:par>
+                              <p:par>
+                                <p:cTn id="19" presetID="2" presetClass="entr" presetSubtype="4" fill="hold" grpId="0" nodeType="withEffect">
+                                  <p:stCondLst>
+                                    <p:cond delay="0"/>
+                                  </p:stCondLst>
+                                  <p:childTnLst>
+                                    <p:set>
+                                      <p:cBhvr>
+                                        <p:cTn id="20" dur="1" fill="hold">
+                                          <p:stCondLst>
+                                            <p:cond delay="0"/>
+                                          </p:stCondLst>
+                                        </p:cTn>
+                                        <p:tgtEl>
+                                          <p:spTgt spid="3">
+                                            <p:txEl>
+                                              <p:pRg st="3" end="3"/>
+                                            </p:txEl>
+                                          </p:spTgt>
+                                        </p:tgtEl>
+                                        <p:attrNameLst>
+                                          <p:attrName>style.visibility</p:attrName>
+                                        </p:attrNameLst>
+                                      </p:cBhvr>
+                                      <p:to>
+                                        <p:strVal val="visible"/>
+                                      </p:to>
+                                    </p:set>
+                                    <p:anim calcmode="lin" valueType="num">
+                                      <p:cBhvr additive="base">
+                                        <p:cTn id="21" dur="500" fill="hold"/>
+                                        <p:tgtEl>
+                                          <p:spTgt spid="3">
+                                            <p:txEl>
+                                              <p:pRg st="3" end="3"/>
+                                            </p:txEl>
+                                          </p:spTgt>
+                                        </p:tgtEl>
+                                        <p:attrNameLst>
+                                          <p:attrName>ppt_x</p:attrName>
+                                        </p:attrNameLst>
+                                      </p:cBhvr>
+                                      <p:tavLst>
+                                        <p:tav tm="0">
+                                          <p:val>
+                                            <p:strVal val="#ppt_x"/>
+                                          </p:val>
+                                        </p:tav>
+                                        <p:tav tm="100000">
+                                          <p:val>
+                                            <p:strVal val="#ppt_x"/>
+                                          </p:val>
+                                        </p:tav>
+                                      </p:tavLst>
+                                    </p:anim>
+                                    <p:anim calcmode="lin" valueType="num">
+                                      <p:cBhvr additive="base">
+                                        <p:cTn id="22" dur="500" fill="hold"/>
+                                        <p:tgtEl>
+                                          <p:spTgt spid="3">
+                                            <p:txEl>
+                                              <p:pRg st="3" end="3"/>
+                                            </p:txEl>
+                                          </p:spTgt>
+                                        </p:tgtEl>
+                                        <p:attrNameLst>
+                                          <p:attrName>ppt_y</p:attrName>
+                                        </p:attrNameLst>
+                                      </p:cBhvr>
+                                      <p:tavLst>
+                                        <p:tav tm="0">
+                                          <p:val>
+                                            <p:strVal val="1+#ppt_h/2"/>
+                                          </p:val>
+                                        </p:tav>
+                                        <p:tav tm="100000">
+                                          <p:val>
+                                            <p:strVal val="#ppt_y"/>
+                                          </p:val>
+                                        </p:tav>
+                                      </p:tavLst>
+                                    </p:anim>
+                                  </p:childTnLst>
+                                </p:cTn>
+                              </p:par>
+                              <p:par>
+                                <p:cTn id="23" presetID="2" presetClass="entr" presetSubtype="4" fill="hold" grpId="0" nodeType="withEffect">
+                                  <p:stCondLst>
+                                    <p:cond delay="0"/>
+                                  </p:stCondLst>
+                                  <p:childTnLst>
+                                    <p:set>
+                                      <p:cBhvr>
+                                        <p:cTn id="24" dur="1" fill="hold">
+                                          <p:stCondLst>
+                                            <p:cond delay="0"/>
+                                          </p:stCondLst>
+                                        </p:cTn>
+                                        <p:tgtEl>
+                                          <p:spTgt spid="3">
+                                            <p:txEl>
+                                              <p:pRg st="4" end="4"/>
+                                            </p:txEl>
+                                          </p:spTgt>
+                                        </p:tgtEl>
+                                        <p:attrNameLst>
+                                          <p:attrName>style.visibility</p:attrName>
+                                        </p:attrNameLst>
+                                      </p:cBhvr>
+                                      <p:to>
+                                        <p:strVal val="visible"/>
+                                      </p:to>
+                                    </p:set>
+                                    <p:anim calcmode="lin" valueType="num">
+                                      <p:cBhvr additive="base">
+                                        <p:cTn id="25" dur="500" fill="hold"/>
+                                        <p:tgtEl>
+                                          <p:spTgt spid="3">
+                                            <p:txEl>
+                                              <p:pRg st="4" end="4"/>
+                                            </p:txEl>
+                                          </p:spTgt>
+                                        </p:tgtEl>
+                                        <p:attrNameLst>
+                                          <p:attrName>ppt_x</p:attrName>
+                                        </p:attrNameLst>
+                                      </p:cBhvr>
+                                      <p:tavLst>
+                                        <p:tav tm="0">
+                                          <p:val>
+                                            <p:strVal val="#ppt_x"/>
+                                          </p:val>
+                                        </p:tav>
+                                        <p:tav tm="100000">
+                                          <p:val>
+                                            <p:strVal val="#ppt_x"/>
+                                          </p:val>
+                                        </p:tav>
+                                      </p:tavLst>
+                                    </p:anim>
+                                    <p:anim calcmode="lin" valueType="num">
+                                      <p:cBhvr additive="base">
+                                        <p:cTn id="26" dur="500" fill="hold"/>
+                                        <p:tgtEl>
+                                          <p:spTgt spid="3">
+                                            <p:txEl>
+                                              <p:pRg st="4" end="4"/>
+                                            </p:txEl>
+                                          </p:spTgt>
+                                        </p:tgtEl>
+                                        <p:attrNameLst>
+                                          <p:attrName>ppt_y</p:attrName>
+                                        </p:attrNameLst>
+                                      </p:cBhvr>
+                                      <p:tavLst>
+                                        <p:tav tm="0">
+                                          <p:val>
+                                            <p:strVal val="1+#ppt_h/2"/>
+                                          </p:val>
+                                        </p:tav>
+                                        <p:tav tm="100000">
+                                          <p:val>
+                                            <p:strVal val="#ppt_y"/>
+                                          </p:val>
+                                        </p:tav>
+                                      </p:tavLst>
+                                    </p:anim>
+                                  </p:childTnLst>
+                                </p:cTn>
+                              </p:par>
+                              <p:par>
+                                <p:cTn id="27" presetID="2" presetClass="entr" presetSubtype="4" fill="hold" grpId="0" nodeType="withEffect">
+                                  <p:stCondLst>
+                                    <p:cond delay="0"/>
+                                  </p:stCondLst>
+                                  <p:childTnLst>
+                                    <p:set>
+                                      <p:cBhvr>
+                                        <p:cTn id="28" dur="1" fill="hold">
+                                          <p:stCondLst>
+                                            <p:cond delay="0"/>
+                                          </p:stCondLst>
+                                        </p:cTn>
+                                        <p:tgtEl>
+                                          <p:spTgt spid="3">
+                                            <p:txEl>
+                                              <p:pRg st="5" end="5"/>
+                                            </p:txEl>
+                                          </p:spTgt>
+                                        </p:tgtEl>
+                                        <p:attrNameLst>
+                                          <p:attrName>style.visibility</p:attrName>
+                                        </p:attrNameLst>
+                                      </p:cBhvr>
+                                      <p:to>
+                                        <p:strVal val="visible"/>
+                                      </p:to>
+                                    </p:set>
+                                    <p:anim calcmode="lin" valueType="num">
+                                      <p:cBhvr additive="base">
+                                        <p:cTn id="29" dur="500" fill="hold"/>
+                                        <p:tgtEl>
+                                          <p:spTgt spid="3">
+                                            <p:txEl>
+                                              <p:pRg st="5" end="5"/>
+                                            </p:txEl>
+                                          </p:spTgt>
+                                        </p:tgtEl>
+                                        <p:attrNameLst>
+                                          <p:attrName>ppt_x</p:attrName>
+                                        </p:attrNameLst>
+                                      </p:cBhvr>
+                                      <p:tavLst>
+                                        <p:tav tm="0">
+                                          <p:val>
+                                            <p:strVal val="#ppt_x"/>
+                                          </p:val>
+                                        </p:tav>
+                                        <p:tav tm="100000">
+                                          <p:val>
+                                            <p:strVal val="#ppt_x"/>
+                                          </p:val>
+                                        </p:tav>
+                                      </p:tavLst>
+                                    </p:anim>
+                                    <p:anim calcmode="lin" valueType="num">
+                                      <p:cBhvr additive="base">
+                                        <p:cTn id="30" dur="500" fill="hold"/>
+                                        <p:tgtEl>
+                                          <p:spTgt spid="3">
+                                            <p:txEl>
+                                              <p:pRg st="5" end="5"/>
+                                            </p:txEl>
+                                          </p:spTgt>
+                                        </p:tgtEl>
+                                        <p:attrNameLst>
+                                          <p:attrName>ppt_y</p:attrName>
+                                        </p:attrNameLst>
+                                      </p:cBhvr>
+                                      <p:tavLst>
+                                        <p:tav tm="0">
+                                          <p:val>
+                                            <p:strVal val="1+#ppt_h/2"/>
+                                          </p:val>
+                                        </p:tav>
+                                        <p:tav tm="100000">
+                                          <p:val>
+                                            <p:strVal val="#ppt_y"/>
+                                          </p:val>
+                                        </p:tav>
+                                      </p:tavLst>
+                                    </p:anim>
+                                  </p:childTnLst>
+                                </p:cTn>
+                              </p:par>
+                            </p:childTnLst>
+                          </p:cTn>
+                        </p:par>
+                      </p:childTnLst>
+                    </p:cTn>
+                  </p:par>
+                  <p:par>
+                    <p:cTn id="31" fill="hold">
+                      <p:stCondLst>
+                        <p:cond delay="indefinite"/>
+                      </p:stCondLst>
+                      <p:childTnLst>
+                        <p:par>
+                          <p:cTn id="32" fill="hold">
+                            <p:stCondLst>
+                              <p:cond delay="0"/>
+                            </p:stCondLst>
+                            <p:childTnLst>
+                              <p:par>
+                                <p:cTn id="33" presetID="2" presetClass="entr" presetSubtype="4" fill="hold" grpId="0" nodeType="clickEffect">
+                                  <p:stCondLst>
+                                    <p:cond delay="0"/>
+                                  </p:stCondLst>
+                                  <p:childTnLst>
+                                    <p:set>
+                                      <p:cBhvr>
+                                        <p:cTn id="34" dur="1" fill="hold">
+                                          <p:stCondLst>
+                                            <p:cond delay="0"/>
+                                          </p:stCondLst>
+                                        </p:cTn>
+                                        <p:tgtEl>
+                                          <p:spTgt spid="3">
+                                            <p:txEl>
+                                              <p:pRg st="6" end="6"/>
+                                            </p:txEl>
+                                          </p:spTgt>
+                                        </p:tgtEl>
+                                        <p:attrNameLst>
+                                          <p:attrName>style.visibility</p:attrName>
+                                        </p:attrNameLst>
+                                      </p:cBhvr>
+                                      <p:to>
+                                        <p:strVal val="visible"/>
+                                      </p:to>
+                                    </p:set>
+                                    <p:anim calcmode="lin" valueType="num">
+                                      <p:cBhvr additive="base">
+                                        <p:cTn id="35" dur="500" fill="hold"/>
+                                        <p:tgtEl>
+                                          <p:spTgt spid="3">
+                                            <p:txEl>
+                                              <p:pRg st="6" end="6"/>
+                                            </p:txEl>
+                                          </p:spTgt>
+                                        </p:tgtEl>
+                                        <p:attrNameLst>
+                                          <p:attrName>ppt_x</p:attrName>
+                                        </p:attrNameLst>
+                                      </p:cBhvr>
+                                      <p:tavLst>
+                                        <p:tav tm="0">
+                                          <p:val>
+                                            <p:strVal val="#ppt_x"/>
+                                          </p:val>
+                                        </p:tav>
+                                        <p:tav tm="100000">
+                                          <p:val>
+                                            <p:strVal val="#ppt_x"/>
+                                          </p:val>
+                                        </p:tav>
+                                      </p:tavLst>
+                                    </p:anim>
+                                    <p:anim calcmode="lin" valueType="num">
+                                      <p:cBhvr additive="base">
+                                        <p:cTn id="36" dur="500" fill="hold"/>
+                                        <p:tgtEl>
+                                          <p:spTgt spid="3">
+                                            <p:txEl>
+                                              <p:pRg st="6" end="6"/>
+                                            </p:txEl>
+                                          </p:spTgt>
+                                        </p:tgtEl>
+                                        <p:attrNameLst>
+                                          <p:attrName>ppt_y</p:attrName>
+                                        </p:attrNameLst>
+                                      </p:cBhvr>
+                                      <p:tavLst>
+                                        <p:tav tm="0">
+                                          <p:val>
+                                            <p:strVal val="1+#ppt_h/2"/>
+                                          </p:val>
+                                        </p:tav>
+                                        <p:tav tm="100000">
+                                          <p:val>
+                                            <p:strVal val="#ppt_y"/>
+                                          </p:val>
+                                        </p:tav>
+                                      </p:tavLst>
+                                    </p:anim>
+                                  </p:childTnLst>
+                                </p:cTn>
+                              </p:par>
+                              <p:par>
+                                <p:cTn id="37" presetID="2" presetClass="entr" presetSubtype="4" fill="hold" grpId="0" nodeType="withEffect">
+                                  <p:stCondLst>
+                                    <p:cond delay="0"/>
+                                  </p:stCondLst>
+                                  <p:childTnLst>
+                                    <p:set>
+                                      <p:cBhvr>
+                                        <p:cTn id="38" dur="1" fill="hold">
+                                          <p:stCondLst>
+                                            <p:cond delay="0"/>
+                                          </p:stCondLst>
+                                        </p:cTn>
+                                        <p:tgtEl>
+                                          <p:spTgt spid="3">
+                                            <p:txEl>
+                                              <p:pRg st="7" end="7"/>
+                                            </p:txEl>
+                                          </p:spTgt>
+                                        </p:tgtEl>
+                                        <p:attrNameLst>
+                                          <p:attrName>style.visibility</p:attrName>
+                                        </p:attrNameLst>
+                                      </p:cBhvr>
+                                      <p:to>
+                                        <p:strVal val="visible"/>
+                                      </p:to>
+                                    </p:set>
+                                    <p:anim calcmode="lin" valueType="num">
+                                      <p:cBhvr additive="base">
+                                        <p:cTn id="39" dur="500" fill="hold"/>
+                                        <p:tgtEl>
+                                          <p:spTgt spid="3">
+                                            <p:txEl>
+                                              <p:pRg st="7" end="7"/>
+                                            </p:txEl>
+                                          </p:spTgt>
+                                        </p:tgtEl>
+                                        <p:attrNameLst>
+                                          <p:attrName>ppt_x</p:attrName>
+                                        </p:attrNameLst>
+                                      </p:cBhvr>
+                                      <p:tavLst>
+                                        <p:tav tm="0">
+                                          <p:val>
+                                            <p:strVal val="#ppt_x"/>
+                                          </p:val>
+                                        </p:tav>
+                                        <p:tav tm="100000">
+                                          <p:val>
+                                            <p:strVal val="#ppt_x"/>
+                                          </p:val>
+                                        </p:tav>
+                                      </p:tavLst>
+                                    </p:anim>
+                                    <p:anim calcmode="lin" valueType="num">
+                                      <p:cBhvr additive="base">
+                                        <p:cTn id="40" dur="500" fill="hold"/>
+                                        <p:tgtEl>
+                                          <p:spTgt spid="3">
+                                            <p:txEl>
+                                              <p:pRg st="7" end="7"/>
+                                            </p:txEl>
+                                          </p:spTgt>
+                                        </p:tgtEl>
+                                        <p:attrNameLst>
+                                          <p:attrName>ppt_y</p:attrName>
+                                        </p:attrNameLst>
+                                      </p:cBhvr>
+                                      <p:tavLst>
+                                        <p:tav tm="0">
+                                          <p:val>
+                                            <p:strVal val="1+#ppt_h/2"/>
+                                          </p:val>
+                                        </p:tav>
+                                        <p:tav tm="100000">
+                                          <p:val>
+                                            <p:strVal val="#ppt_y"/>
+                                          </p:val>
+                                        </p:tav>
+                                      </p:tavLst>
+                                    </p:anim>
+                                  </p:childTnLst>
+                                </p:cTn>
+                              </p:par>
+                              <p:par>
+                                <p:cTn id="41" presetID="2" presetClass="entr" presetSubtype="4" fill="hold" grpId="0" nodeType="withEffect">
+                                  <p:stCondLst>
+                                    <p:cond delay="0"/>
+                                  </p:stCondLst>
+                                  <p:childTnLst>
+                                    <p:set>
+                                      <p:cBhvr>
+                                        <p:cTn id="42" dur="1" fill="hold">
+                                          <p:stCondLst>
+                                            <p:cond delay="0"/>
+                                          </p:stCondLst>
+                                        </p:cTn>
+                                        <p:tgtEl>
+                                          <p:spTgt spid="3">
+                                            <p:txEl>
+                                              <p:pRg st="8" end="8"/>
+                                            </p:txEl>
+                                          </p:spTgt>
+                                        </p:tgtEl>
+                                        <p:attrNameLst>
+                                          <p:attrName>style.visibility</p:attrName>
+                                        </p:attrNameLst>
+                                      </p:cBhvr>
+                                      <p:to>
+                                        <p:strVal val="visible"/>
+                                      </p:to>
+                                    </p:set>
+                                    <p:anim calcmode="lin" valueType="num">
+                                      <p:cBhvr additive="base">
+                                        <p:cTn id="43" dur="500" fill="hold"/>
+                                        <p:tgtEl>
+                                          <p:spTgt spid="3">
+                                            <p:txEl>
+                                              <p:pRg st="8" end="8"/>
+                                            </p:txEl>
+                                          </p:spTgt>
+                                        </p:tgtEl>
+                                        <p:attrNameLst>
+                                          <p:attrName>ppt_x</p:attrName>
+                                        </p:attrNameLst>
+                                      </p:cBhvr>
+                                      <p:tavLst>
+                                        <p:tav tm="0">
+                                          <p:val>
+                                            <p:strVal val="#ppt_x"/>
+                                          </p:val>
+                                        </p:tav>
+                                        <p:tav tm="100000">
+                                          <p:val>
+                                            <p:strVal val="#ppt_x"/>
+                                          </p:val>
+                                        </p:tav>
+                                      </p:tavLst>
+                                    </p:anim>
+                                    <p:anim calcmode="lin" valueType="num">
+                                      <p:cBhvr additive="base">
+                                        <p:cTn id="44" dur="500" fill="hold"/>
+                                        <p:tgtEl>
+                                          <p:spTgt spid="3">
+                                            <p:txEl>
+                                              <p:pRg st="8" end="8"/>
+                                            </p:txEl>
+                                          </p:spTgt>
+                                        </p:tgtEl>
+                                        <p:attrNameLst>
+                                          <p:attrName>ppt_y</p:attrName>
+                                        </p:attrNameLst>
+                                      </p:cBhvr>
+                                      <p:tavLst>
+                                        <p:tav tm="0">
+                                          <p:val>
+                                            <p:strVal val="1+#ppt_h/2"/>
+                                          </p:val>
+                                        </p:tav>
+                                        <p:tav tm="100000">
+                                          <p:val>
+                                            <p:strVal val="#ppt_y"/>
+                                          </p:val>
+                                        </p:tav>
+                                      </p:tavLst>
+                                    </p:anim>
+                                  </p:childTnLst>
+                                </p:cTn>
+                              </p:par>
+                              <p:par>
+                                <p:cTn id="45" presetID="2" presetClass="entr" presetSubtype="4" fill="hold" grpId="0" nodeType="withEffect">
+                                  <p:stCondLst>
+                                    <p:cond delay="0"/>
+                                  </p:stCondLst>
+                                  <p:childTnLst>
+                                    <p:set>
+                                      <p:cBhvr>
+                                        <p:cTn id="46" dur="1" fill="hold">
+                                          <p:stCondLst>
+                                            <p:cond delay="0"/>
+                                          </p:stCondLst>
+                                        </p:cTn>
+                                        <p:tgtEl>
+                                          <p:spTgt spid="3">
+                                            <p:txEl>
+                                              <p:pRg st="9" end="9"/>
+                                            </p:txEl>
+                                          </p:spTgt>
+                                        </p:tgtEl>
+                                        <p:attrNameLst>
+                                          <p:attrName>style.visibility</p:attrName>
+                                        </p:attrNameLst>
+                                      </p:cBhvr>
+                                      <p:to>
+                                        <p:strVal val="visible"/>
+                                      </p:to>
+                                    </p:set>
+                                    <p:anim calcmode="lin" valueType="num">
+                                      <p:cBhvr additive="base">
+                                        <p:cTn id="47" dur="500" fill="hold"/>
+                                        <p:tgtEl>
+                                          <p:spTgt spid="3">
+                                            <p:txEl>
+                                              <p:pRg st="9" end="9"/>
+                                            </p:txEl>
+                                          </p:spTgt>
+                                        </p:tgtEl>
+                                        <p:attrNameLst>
+                                          <p:attrName>ppt_x</p:attrName>
+                                        </p:attrNameLst>
+                                      </p:cBhvr>
+                                      <p:tavLst>
+                                        <p:tav tm="0">
+                                          <p:val>
+                                            <p:strVal val="#ppt_x"/>
+                                          </p:val>
+                                        </p:tav>
+                                        <p:tav tm="100000">
+                                          <p:val>
+                                            <p:strVal val="#ppt_x"/>
+                                          </p:val>
+                                        </p:tav>
+                                      </p:tavLst>
+                                    </p:anim>
+                                    <p:anim calcmode="lin" valueType="num">
+                                      <p:cBhvr additive="base">
+                                        <p:cTn id="48" dur="500" fill="hold"/>
+                                        <p:tgtEl>
+                                          <p:spTgt spid="3">
+                                            <p:txEl>
+                                              <p:pRg st="9" end="9"/>
+                                            </p:txEl>
+                                          </p:spTgt>
+                                        </p:tgtEl>
+                                        <p:attrNameLst>
+                                          <p:attrName>ppt_y</p:attrName>
+                                        </p:attrNameLst>
+                                      </p:cBhvr>
+                                      <p:tavLst>
+                                        <p:tav tm="0">
+                                          <p:val>
+                                            <p:strVal val="1+#ppt_h/2"/>
+                                          </p:val>
+                                        </p:tav>
+                                        <p:tav tm="100000">
+                                          <p:val>
+                                            <p:strVal val="#ppt_y"/>
+                                          </p:val>
+                                        </p:tav>
+                                      </p:tavLst>
+                                    </p:anim>
+                                  </p:childTnLst>
+                                </p:cTn>
+                              </p:par>
+                              <p:par>
+                                <p:cTn id="49" presetID="2" presetClass="entr" presetSubtype="4" fill="hold" grpId="0" nodeType="withEffect">
+                                  <p:stCondLst>
+                                    <p:cond delay="0"/>
+                                  </p:stCondLst>
+                                  <p:childTnLst>
+                                    <p:set>
+                                      <p:cBhvr>
+                                        <p:cTn id="50" dur="1" fill="hold">
+                                          <p:stCondLst>
+                                            <p:cond delay="0"/>
+                                          </p:stCondLst>
+                                        </p:cTn>
+                                        <p:tgtEl>
+                                          <p:spTgt spid="3">
+                                            <p:txEl>
+                                              <p:pRg st="10" end="10"/>
+                                            </p:txEl>
+                                          </p:spTgt>
+                                        </p:tgtEl>
+                                        <p:attrNameLst>
+                                          <p:attrName>style.visibility</p:attrName>
+                                        </p:attrNameLst>
+                                      </p:cBhvr>
+                                      <p:to>
+                                        <p:strVal val="visible"/>
+                                      </p:to>
+                                    </p:set>
+                                    <p:anim calcmode="lin" valueType="num">
+                                      <p:cBhvr additive="base">
+                                        <p:cTn id="51" dur="500" fill="hold"/>
+                                        <p:tgtEl>
+                                          <p:spTgt spid="3">
+                                            <p:txEl>
+                                              <p:pRg st="10" end="10"/>
+                                            </p:txEl>
+                                          </p:spTgt>
+                                        </p:tgtEl>
+                                        <p:attrNameLst>
+                                          <p:attrName>ppt_x</p:attrName>
+                                        </p:attrNameLst>
+                                      </p:cBhvr>
+                                      <p:tavLst>
+                                        <p:tav tm="0">
+                                          <p:val>
+                                            <p:strVal val="#ppt_x"/>
+                                          </p:val>
+                                        </p:tav>
+                                        <p:tav tm="100000">
+                                          <p:val>
+                                            <p:strVal val="#ppt_x"/>
+                                          </p:val>
+                                        </p:tav>
+                                      </p:tavLst>
+                                    </p:anim>
+                                    <p:anim calcmode="lin" valueType="num">
+                                      <p:cBhvr additive="base">
+                                        <p:cTn id="52" dur="500" fill="hold"/>
+                                        <p:tgtEl>
+                                          <p:spTgt spid="3">
+                                            <p:txEl>
+                                              <p:pRg st="10" end="10"/>
+                                            </p:txEl>
+                                          </p:spTgt>
+                                        </p:tgtEl>
+                                        <p:attrNameLst>
+                                          <p:attrName>ppt_y</p:attrName>
+                                        </p:attrNameLst>
+                                      </p:cBhvr>
+                                      <p:tavLst>
+                                        <p:tav tm="0">
+                                          <p:val>
+                                            <p:strVal val="1+#ppt_h/2"/>
+                                          </p:val>
+                                        </p:tav>
+                                        <p:tav tm="100000">
+                                          <p:val>
+                                            <p:strVal val="#ppt_y"/>
+                                          </p:val>
+                                        </p:tav>
+                                      </p:tavLst>
+                                    </p:anim>
+                                  </p:childTnLst>
+                                </p:cTn>
+                              </p:par>
+                              <p:par>
+                                <p:cTn id="53" presetID="2" presetClass="entr" presetSubtype="4" fill="hold" grpId="0" nodeType="withEffect">
+                                  <p:stCondLst>
+                                    <p:cond delay="0"/>
+                                  </p:stCondLst>
+                                  <p:childTnLst>
+                                    <p:set>
+                                      <p:cBhvr>
+                                        <p:cTn id="54" dur="1" fill="hold">
+                                          <p:stCondLst>
+                                            <p:cond delay="0"/>
+                                          </p:stCondLst>
+                                        </p:cTn>
+                                        <p:tgtEl>
+                                          <p:spTgt spid="3">
+                                            <p:txEl>
+                                              <p:pRg st="11" end="11"/>
+                                            </p:txEl>
+                                          </p:spTgt>
+                                        </p:tgtEl>
+                                        <p:attrNameLst>
+                                          <p:attrName>style.visibility</p:attrName>
+                                        </p:attrNameLst>
+                                      </p:cBhvr>
+                                      <p:to>
+                                        <p:strVal val="visible"/>
+                                      </p:to>
+                                    </p:set>
+                                    <p:anim calcmode="lin" valueType="num">
+                                      <p:cBhvr additive="base">
+                                        <p:cTn id="55" dur="500" fill="hold"/>
+                                        <p:tgtEl>
+                                          <p:spTgt spid="3">
+                                            <p:txEl>
+                                              <p:pRg st="11" end="11"/>
+                                            </p:txEl>
+                                          </p:spTgt>
+                                        </p:tgtEl>
+                                        <p:attrNameLst>
+                                          <p:attrName>ppt_x</p:attrName>
+                                        </p:attrNameLst>
+                                      </p:cBhvr>
+                                      <p:tavLst>
+                                        <p:tav tm="0">
+                                          <p:val>
+                                            <p:strVal val="#ppt_x"/>
+                                          </p:val>
+                                        </p:tav>
+                                        <p:tav tm="100000">
+                                          <p:val>
+                                            <p:strVal val="#ppt_x"/>
+                                          </p:val>
+                                        </p:tav>
+                                      </p:tavLst>
+                                    </p:anim>
+                                    <p:anim calcmode="lin" valueType="num">
+                                      <p:cBhvr additive="base">
+                                        <p:cTn id="56" dur="500" fill="hold"/>
+                                        <p:tgtEl>
+                                          <p:spTgt spid="3">
+                                            <p:txEl>
+                                              <p:pRg st="11" end="11"/>
+                                            </p:txEl>
+                                          </p:spTgt>
+                                        </p:tgtEl>
+                                        <p:attrNameLst>
+                                          <p:attrName>ppt_y</p:attrName>
+                                        </p:attrNameLst>
+                                      </p:cBhvr>
+                                      <p:tavLst>
+                                        <p:tav tm="0">
+                                          <p:val>
+                                            <p:strVal val="1+#ppt_h/2"/>
+                                          </p:val>
+                                        </p:tav>
+                                        <p:tav tm="100000">
+                                          <p:val>
+                                            <p:strVal val="#ppt_y"/>
+                                          </p:val>
+                                        </p:tav>
+                                      </p:tavLst>
+                                    </p:anim>
+                                  </p:childTnLst>
+                                </p:cTn>
+                              </p:par>
+                              <p:par>
+                                <p:cTn id="57" presetID="2" presetClass="entr" presetSubtype="4" fill="hold" grpId="0" nodeType="withEffect">
+                                  <p:stCondLst>
+                                    <p:cond delay="0"/>
+                                  </p:stCondLst>
+                                  <p:childTnLst>
+                                    <p:set>
+                                      <p:cBhvr>
+                                        <p:cTn id="58" dur="1" fill="hold">
+                                          <p:stCondLst>
+                                            <p:cond delay="0"/>
+                                          </p:stCondLst>
+                                        </p:cTn>
+                                        <p:tgtEl>
+                                          <p:spTgt spid="3">
+                                            <p:txEl>
+                                              <p:pRg st="12" end="12"/>
+                                            </p:txEl>
+                                          </p:spTgt>
+                                        </p:tgtEl>
+                                        <p:attrNameLst>
+                                          <p:attrName>style.visibility</p:attrName>
+                                        </p:attrNameLst>
+                                      </p:cBhvr>
+                                      <p:to>
+                                        <p:strVal val="visible"/>
+                                      </p:to>
+                                    </p:set>
+                                    <p:anim calcmode="lin" valueType="num">
+                                      <p:cBhvr additive="base">
+                                        <p:cTn id="59" dur="500" fill="hold"/>
+                                        <p:tgtEl>
+                                          <p:spTgt spid="3">
+                                            <p:txEl>
+                                              <p:pRg st="12" end="12"/>
+                                            </p:txEl>
+                                          </p:spTgt>
+                                        </p:tgtEl>
+                                        <p:attrNameLst>
+                                          <p:attrName>ppt_x</p:attrName>
+                                        </p:attrNameLst>
+                                      </p:cBhvr>
+                                      <p:tavLst>
+                                        <p:tav tm="0">
+                                          <p:val>
+                                            <p:strVal val="#ppt_x"/>
+                                          </p:val>
+                                        </p:tav>
+                                        <p:tav tm="100000">
+                                          <p:val>
+                                            <p:strVal val="#ppt_x"/>
+                                          </p:val>
+                                        </p:tav>
+                                      </p:tavLst>
+                                    </p:anim>
+                                    <p:anim calcmode="lin" valueType="num">
+                                      <p:cBhvr additive="base">
+                                        <p:cTn id="60" dur="500" fill="hold"/>
+                                        <p:tgtEl>
+                                          <p:spTgt spid="3">
+                                            <p:txEl>
+                                              <p:pRg st="12" end="12"/>
+                                            </p:txEl>
+                                          </p:spTgt>
+                                        </p:tgtEl>
+                                        <p:attrNameLst>
+                                          <p:attrName>ppt_y</p:attrName>
+                                        </p:attrNameLst>
+                                      </p:cBhvr>
+                                      <p:tavLst>
+                                        <p:tav tm="0">
+                                          <p:val>
+                                            <p:strVal val="1+#ppt_h/2"/>
+                                          </p:val>
+                                        </p:tav>
+                                        <p:tav tm="100000">
+                                          <p:val>
+                                            <p:strVal val="#ppt_y"/>
+                                          </p:val>
+                                        </p:tav>
+                                      </p:tavLst>
+                                    </p:anim>
+                                  </p:childTnLst>
+                                </p:cTn>
+                              </p:par>
+                            </p:childTnLst>
+                          </p:cTn>
+                        </p:par>
+                      </p:childTnLst>
+                    </p:cTn>
+                  </p:par>
+                </p:childTnLst>
+              </p:cTn>
+              <p:prevCondLst>
+                <p:cond evt="onPrev" delay="0">
+                  <p:tgtEl>
+                    <p:sldTgt/>
+                  </p:tgtEl>
+                </p:cond>
+              </p:prevCondLst>
+              <p:nextCondLst>
+                <p:cond evt="onNext" delay="0">
+                  <p:tgtEl>
+                    <p:sldTgt/>
+                  </p:tgtEl>
+                </p:cond>
+              </p:nextCondLst>
+            </p:seq>
+          </p:childTnLst>
+        </p:cTn>
+      </p:par>
+    </p:tnLst>
+    <p:bldLst>
+      <p:bldP spid="3" grpId="0" build="p"/>
+    </p:bldLst>
+  </p:timing>
 </p:sld>
 </file>
 
@@ -4569,6 +6461,533 @@
   <p:clrMapOvr>
     <a:masterClrMapping/>
   </p:clrMapOvr>
+  <p:timing>
+    <p:tnLst>
+      <p:par>
+        <p:cTn id="1" dur="indefinite" restart="never" nodeType="tmRoot">
+          <p:childTnLst>
+            <p:seq concurrent="1" nextAc="seek">
+              <p:cTn id="2" dur="indefinite" nodeType="mainSeq">
+                <p:childTnLst>
+                  <p:par>
+                    <p:cTn id="3" fill="hold">
+                      <p:stCondLst>
+                        <p:cond delay="indefinite"/>
+                      </p:stCondLst>
+                      <p:childTnLst>
+                        <p:par>
+                          <p:cTn id="4" fill="hold">
+                            <p:stCondLst>
+                              <p:cond delay="0"/>
+                            </p:stCondLst>
+                            <p:childTnLst>
+                              <p:par>
+                                <p:cTn id="5" presetID="2" presetClass="entr" presetSubtype="4" fill="hold" nodeType="clickEffect">
+                                  <p:stCondLst>
+                                    <p:cond delay="0"/>
+                                  </p:stCondLst>
+                                  <p:childTnLst>
+                                    <p:set>
+                                      <p:cBhvr>
+                                        <p:cTn id="6" dur="1" fill="hold">
+                                          <p:stCondLst>
+                                            <p:cond delay="0"/>
+                                          </p:stCondLst>
+                                        </p:cTn>
+                                        <p:tgtEl>
+                                          <p:spTgt spid="1026"/>
+                                        </p:tgtEl>
+                                        <p:attrNameLst>
+                                          <p:attrName>style.visibility</p:attrName>
+                                        </p:attrNameLst>
+                                      </p:cBhvr>
+                                      <p:to>
+                                        <p:strVal val="visible"/>
+                                      </p:to>
+                                    </p:set>
+                                    <p:anim calcmode="lin" valueType="num">
+                                      <p:cBhvr additive="base">
+                                        <p:cTn id="7" dur="500" fill="hold"/>
+                                        <p:tgtEl>
+                                          <p:spTgt spid="1026"/>
+                                        </p:tgtEl>
+                                        <p:attrNameLst>
+                                          <p:attrName>ppt_x</p:attrName>
+                                        </p:attrNameLst>
+                                      </p:cBhvr>
+                                      <p:tavLst>
+                                        <p:tav tm="0">
+                                          <p:val>
+                                            <p:strVal val="#ppt_x"/>
+                                          </p:val>
+                                        </p:tav>
+                                        <p:tav tm="100000">
+                                          <p:val>
+                                            <p:strVal val="#ppt_x"/>
+                                          </p:val>
+                                        </p:tav>
+                                      </p:tavLst>
+                                    </p:anim>
+                                    <p:anim calcmode="lin" valueType="num">
+                                      <p:cBhvr additive="base">
+                                        <p:cTn id="8" dur="500" fill="hold"/>
+                                        <p:tgtEl>
+                                          <p:spTgt spid="1026"/>
+                                        </p:tgtEl>
+                                        <p:attrNameLst>
+                                          <p:attrName>ppt_y</p:attrName>
+                                        </p:attrNameLst>
+                                      </p:cBhvr>
+                                      <p:tavLst>
+                                        <p:tav tm="0">
+                                          <p:val>
+                                            <p:strVal val="1+#ppt_h/2"/>
+                                          </p:val>
+                                        </p:tav>
+                                        <p:tav tm="100000">
+                                          <p:val>
+                                            <p:strVal val="#ppt_y"/>
+                                          </p:val>
+                                        </p:tav>
+                                      </p:tavLst>
+                                    </p:anim>
+                                  </p:childTnLst>
+                                </p:cTn>
+                              </p:par>
+                              <p:par>
+                                <p:cTn id="9" presetID="2" presetClass="entr" presetSubtype="4" fill="hold" grpId="0" nodeType="withEffect">
+                                  <p:stCondLst>
+                                    <p:cond delay="0"/>
+                                  </p:stCondLst>
+                                  <p:childTnLst>
+                                    <p:set>
+                                      <p:cBhvr>
+                                        <p:cTn id="10" dur="1" fill="hold">
+                                          <p:stCondLst>
+                                            <p:cond delay="0"/>
+                                          </p:stCondLst>
+                                        </p:cTn>
+                                        <p:tgtEl>
+                                          <p:spTgt spid="4"/>
+                                        </p:tgtEl>
+                                        <p:attrNameLst>
+                                          <p:attrName>style.visibility</p:attrName>
+                                        </p:attrNameLst>
+                                      </p:cBhvr>
+                                      <p:to>
+                                        <p:strVal val="visible"/>
+                                      </p:to>
+                                    </p:set>
+                                    <p:anim calcmode="lin" valueType="num">
+                                      <p:cBhvr additive="base">
+                                        <p:cTn id="11" dur="500" fill="hold"/>
+                                        <p:tgtEl>
+                                          <p:spTgt spid="4"/>
+                                        </p:tgtEl>
+                                        <p:attrNameLst>
+                                          <p:attrName>ppt_x</p:attrName>
+                                        </p:attrNameLst>
+                                      </p:cBhvr>
+                                      <p:tavLst>
+                                        <p:tav tm="0">
+                                          <p:val>
+                                            <p:strVal val="#ppt_x"/>
+                                          </p:val>
+                                        </p:tav>
+                                        <p:tav tm="100000">
+                                          <p:val>
+                                            <p:strVal val="#ppt_x"/>
+                                          </p:val>
+                                        </p:tav>
+                                      </p:tavLst>
+                                    </p:anim>
+                                    <p:anim calcmode="lin" valueType="num">
+                                      <p:cBhvr additive="base">
+                                        <p:cTn id="12" dur="500" fill="hold"/>
+                                        <p:tgtEl>
+                                          <p:spTgt spid="4"/>
+                                        </p:tgtEl>
+                                        <p:attrNameLst>
+                                          <p:attrName>ppt_y</p:attrName>
+                                        </p:attrNameLst>
+                                      </p:cBhvr>
+                                      <p:tavLst>
+                                        <p:tav tm="0">
+                                          <p:val>
+                                            <p:strVal val="1+#ppt_h/2"/>
+                                          </p:val>
+                                        </p:tav>
+                                        <p:tav tm="100000">
+                                          <p:val>
+                                            <p:strVal val="#ppt_y"/>
+                                          </p:val>
+                                        </p:tav>
+                                      </p:tavLst>
+                                    </p:anim>
+                                  </p:childTnLst>
+                                </p:cTn>
+                              </p:par>
+                            </p:childTnLst>
+                          </p:cTn>
+                        </p:par>
+                      </p:childTnLst>
+                    </p:cTn>
+                  </p:par>
+                  <p:par>
+                    <p:cTn id="13" fill="hold">
+                      <p:stCondLst>
+                        <p:cond delay="indefinite"/>
+                      </p:stCondLst>
+                      <p:childTnLst>
+                        <p:par>
+                          <p:cTn id="14" fill="hold">
+                            <p:stCondLst>
+                              <p:cond delay="0"/>
+                            </p:stCondLst>
+                            <p:childTnLst>
+                              <p:par>
+                                <p:cTn id="15" presetID="2" presetClass="entr" presetSubtype="4" fill="hold" nodeType="clickEffect">
+                                  <p:stCondLst>
+                                    <p:cond delay="0"/>
+                                  </p:stCondLst>
+                                  <p:childTnLst>
+                                    <p:set>
+                                      <p:cBhvr>
+                                        <p:cTn id="16" dur="1" fill="hold">
+                                          <p:stCondLst>
+                                            <p:cond delay="0"/>
+                                          </p:stCondLst>
+                                        </p:cTn>
+                                        <p:tgtEl>
+                                          <p:spTgt spid="1028"/>
+                                        </p:tgtEl>
+                                        <p:attrNameLst>
+                                          <p:attrName>style.visibility</p:attrName>
+                                        </p:attrNameLst>
+                                      </p:cBhvr>
+                                      <p:to>
+                                        <p:strVal val="visible"/>
+                                      </p:to>
+                                    </p:set>
+                                    <p:anim calcmode="lin" valueType="num">
+                                      <p:cBhvr additive="base">
+                                        <p:cTn id="17" dur="500" fill="hold"/>
+                                        <p:tgtEl>
+                                          <p:spTgt spid="1028"/>
+                                        </p:tgtEl>
+                                        <p:attrNameLst>
+                                          <p:attrName>ppt_x</p:attrName>
+                                        </p:attrNameLst>
+                                      </p:cBhvr>
+                                      <p:tavLst>
+                                        <p:tav tm="0">
+                                          <p:val>
+                                            <p:strVal val="#ppt_x"/>
+                                          </p:val>
+                                        </p:tav>
+                                        <p:tav tm="100000">
+                                          <p:val>
+                                            <p:strVal val="#ppt_x"/>
+                                          </p:val>
+                                        </p:tav>
+                                      </p:tavLst>
+                                    </p:anim>
+                                    <p:anim calcmode="lin" valueType="num">
+                                      <p:cBhvr additive="base">
+                                        <p:cTn id="18" dur="500" fill="hold"/>
+                                        <p:tgtEl>
+                                          <p:spTgt spid="1028"/>
+                                        </p:tgtEl>
+                                        <p:attrNameLst>
+                                          <p:attrName>ppt_y</p:attrName>
+                                        </p:attrNameLst>
+                                      </p:cBhvr>
+                                      <p:tavLst>
+                                        <p:tav tm="0">
+                                          <p:val>
+                                            <p:strVal val="1+#ppt_h/2"/>
+                                          </p:val>
+                                        </p:tav>
+                                        <p:tav tm="100000">
+                                          <p:val>
+                                            <p:strVal val="#ppt_y"/>
+                                          </p:val>
+                                        </p:tav>
+                                      </p:tavLst>
+                                    </p:anim>
+                                  </p:childTnLst>
+                                </p:cTn>
+                              </p:par>
+                              <p:par>
+                                <p:cTn id="19" presetID="2" presetClass="entr" presetSubtype="4" fill="hold" grpId="0" nodeType="withEffect">
+                                  <p:stCondLst>
+                                    <p:cond delay="0"/>
+                                  </p:stCondLst>
+                                  <p:childTnLst>
+                                    <p:set>
+                                      <p:cBhvr>
+                                        <p:cTn id="20" dur="1" fill="hold">
+                                          <p:stCondLst>
+                                            <p:cond delay="0"/>
+                                          </p:stCondLst>
+                                        </p:cTn>
+                                        <p:tgtEl>
+                                          <p:spTgt spid="7"/>
+                                        </p:tgtEl>
+                                        <p:attrNameLst>
+                                          <p:attrName>style.visibility</p:attrName>
+                                        </p:attrNameLst>
+                                      </p:cBhvr>
+                                      <p:to>
+                                        <p:strVal val="visible"/>
+                                      </p:to>
+                                    </p:set>
+                                    <p:anim calcmode="lin" valueType="num">
+                                      <p:cBhvr additive="base">
+                                        <p:cTn id="21" dur="500" fill="hold"/>
+                                        <p:tgtEl>
+                                          <p:spTgt spid="7"/>
+                                        </p:tgtEl>
+                                        <p:attrNameLst>
+                                          <p:attrName>ppt_x</p:attrName>
+                                        </p:attrNameLst>
+                                      </p:cBhvr>
+                                      <p:tavLst>
+                                        <p:tav tm="0">
+                                          <p:val>
+                                            <p:strVal val="#ppt_x"/>
+                                          </p:val>
+                                        </p:tav>
+                                        <p:tav tm="100000">
+                                          <p:val>
+                                            <p:strVal val="#ppt_x"/>
+                                          </p:val>
+                                        </p:tav>
+                                      </p:tavLst>
+                                    </p:anim>
+                                    <p:anim calcmode="lin" valueType="num">
+                                      <p:cBhvr additive="base">
+                                        <p:cTn id="22" dur="500" fill="hold"/>
+                                        <p:tgtEl>
+                                          <p:spTgt spid="7"/>
+                                        </p:tgtEl>
+                                        <p:attrNameLst>
+                                          <p:attrName>ppt_y</p:attrName>
+                                        </p:attrNameLst>
+                                      </p:cBhvr>
+                                      <p:tavLst>
+                                        <p:tav tm="0">
+                                          <p:val>
+                                            <p:strVal val="1+#ppt_h/2"/>
+                                          </p:val>
+                                        </p:tav>
+                                        <p:tav tm="100000">
+                                          <p:val>
+                                            <p:strVal val="#ppt_y"/>
+                                          </p:val>
+                                        </p:tav>
+                                      </p:tavLst>
+                                    </p:anim>
+                                  </p:childTnLst>
+                                </p:cTn>
+                              </p:par>
+                            </p:childTnLst>
+                          </p:cTn>
+                        </p:par>
+                      </p:childTnLst>
+                    </p:cTn>
+                  </p:par>
+                  <p:par>
+                    <p:cTn id="23" fill="hold">
+                      <p:stCondLst>
+                        <p:cond delay="indefinite"/>
+                      </p:stCondLst>
+                      <p:childTnLst>
+                        <p:par>
+                          <p:cTn id="24" fill="hold">
+                            <p:stCondLst>
+                              <p:cond delay="0"/>
+                            </p:stCondLst>
+                            <p:childTnLst>
+                              <p:par>
+                                <p:cTn id="25" presetID="2" presetClass="entr" presetSubtype="4" fill="hold" grpId="0" nodeType="clickEffect">
+                                  <p:stCondLst>
+                                    <p:cond delay="0"/>
+                                  </p:stCondLst>
+                                  <p:childTnLst>
+                                    <p:set>
+                                      <p:cBhvr>
+                                        <p:cTn id="26" dur="1" fill="hold">
+                                          <p:stCondLst>
+                                            <p:cond delay="0"/>
+                                          </p:stCondLst>
+                                        </p:cTn>
+                                        <p:tgtEl>
+                                          <p:spTgt spid="12"/>
+                                        </p:tgtEl>
+                                        <p:attrNameLst>
+                                          <p:attrName>style.visibility</p:attrName>
+                                        </p:attrNameLst>
+                                      </p:cBhvr>
+                                      <p:to>
+                                        <p:strVal val="visible"/>
+                                      </p:to>
+                                    </p:set>
+                                    <p:anim calcmode="lin" valueType="num">
+                                      <p:cBhvr additive="base">
+                                        <p:cTn id="27" dur="500" fill="hold"/>
+                                        <p:tgtEl>
+                                          <p:spTgt spid="12"/>
+                                        </p:tgtEl>
+                                        <p:attrNameLst>
+                                          <p:attrName>ppt_x</p:attrName>
+                                        </p:attrNameLst>
+                                      </p:cBhvr>
+                                      <p:tavLst>
+                                        <p:tav tm="0">
+                                          <p:val>
+                                            <p:strVal val="#ppt_x"/>
+                                          </p:val>
+                                        </p:tav>
+                                        <p:tav tm="100000">
+                                          <p:val>
+                                            <p:strVal val="#ppt_x"/>
+                                          </p:val>
+                                        </p:tav>
+                                      </p:tavLst>
+                                    </p:anim>
+                                    <p:anim calcmode="lin" valueType="num">
+                                      <p:cBhvr additive="base">
+                                        <p:cTn id="28" dur="500" fill="hold"/>
+                                        <p:tgtEl>
+                                          <p:spTgt spid="12"/>
+                                        </p:tgtEl>
+                                        <p:attrNameLst>
+                                          <p:attrName>ppt_y</p:attrName>
+                                        </p:attrNameLst>
+                                      </p:cBhvr>
+                                      <p:tavLst>
+                                        <p:tav tm="0">
+                                          <p:val>
+                                            <p:strVal val="1+#ppt_h/2"/>
+                                          </p:val>
+                                        </p:tav>
+                                        <p:tav tm="100000">
+                                          <p:val>
+                                            <p:strVal val="#ppt_y"/>
+                                          </p:val>
+                                        </p:tav>
+                                      </p:tavLst>
+                                    </p:anim>
+                                  </p:childTnLst>
+                                </p:cTn>
+                              </p:par>
+                              <p:par>
+                                <p:cTn id="29" presetID="2" presetClass="entr" presetSubtype="4" fill="hold" nodeType="withEffect">
+                                  <p:stCondLst>
+                                    <p:cond delay="0"/>
+                                  </p:stCondLst>
+                                  <p:childTnLst>
+                                    <p:set>
+                                      <p:cBhvr>
+                                        <p:cTn id="30" dur="1" fill="hold">
+                                          <p:stCondLst>
+                                            <p:cond delay="0"/>
+                                          </p:stCondLst>
+                                        </p:cTn>
+                                        <p:tgtEl>
+                                          <p:spTgt spid="9"/>
+                                        </p:tgtEl>
+                                        <p:attrNameLst>
+                                          <p:attrName>style.visibility</p:attrName>
+                                        </p:attrNameLst>
+                                      </p:cBhvr>
+                                      <p:to>
+                                        <p:strVal val="visible"/>
+                                      </p:to>
+                                    </p:set>
+                                    <p:anim calcmode="lin" valueType="num">
+                                      <p:cBhvr additive="base">
+                                        <p:cTn id="31" dur="500" fill="hold"/>
+                                        <p:tgtEl>
+                                          <p:spTgt spid="9"/>
+                                        </p:tgtEl>
+                                        <p:attrNameLst>
+                                          <p:attrName>ppt_x</p:attrName>
+                                        </p:attrNameLst>
+                                      </p:cBhvr>
+                                      <p:tavLst>
+                                        <p:tav tm="0">
+                                          <p:val>
+                                            <p:strVal val="#ppt_x"/>
+                                          </p:val>
+                                        </p:tav>
+                                        <p:tav tm="100000">
+                                          <p:val>
+                                            <p:strVal val="#ppt_x"/>
+                                          </p:val>
+                                        </p:tav>
+                                      </p:tavLst>
+                                    </p:anim>
+                                    <p:anim calcmode="lin" valueType="num">
+                                      <p:cBhvr additive="base">
+                                        <p:cTn id="32" dur="500" fill="hold"/>
+                                        <p:tgtEl>
+                                          <p:spTgt spid="9"/>
+                                        </p:tgtEl>
+                                        <p:attrNameLst>
+                                          <p:attrName>ppt_y</p:attrName>
+                                        </p:attrNameLst>
+                                      </p:cBhvr>
+                                      <p:tavLst>
+                                        <p:tav tm="0">
+                                          <p:val>
+                                            <p:strVal val="1+#ppt_h/2"/>
+                                          </p:val>
+                                        </p:tav>
+                                        <p:tav tm="100000">
+                                          <p:val>
+                                            <p:strVal val="#ppt_y"/>
+                                          </p:val>
+                                        </p:tav>
+                                      </p:tavLst>
+                                    </p:anim>
+                                  </p:childTnLst>
+                                </p:cTn>
+                              </p:par>
+                            </p:childTnLst>
+                          </p:cTn>
+                        </p:par>
+                      </p:childTnLst>
+                    </p:cTn>
+                  </p:par>
+                </p:childTnLst>
+              </p:cTn>
+              <p:prevCondLst>
+                <p:cond evt="onPrev" delay="0">
+                  <p:tgtEl>
+                    <p:sldTgt/>
+                  </p:tgtEl>
+                </p:cond>
+              </p:prevCondLst>
+              <p:nextCondLst>
+                <p:cond evt="onNext" delay="0">
+                  <p:tgtEl>
+                    <p:sldTgt/>
+                  </p:tgtEl>
+                </p:cond>
+              </p:nextCondLst>
+            </p:seq>
+          </p:childTnLst>
+        </p:cTn>
+      </p:par>
+    </p:tnLst>
+    <p:bldLst>
+      <p:bldP spid="4" grpId="0"/>
+      <p:bldP spid="7" grpId="0"/>
+      <p:bldP spid="12" grpId="0"/>
+    </p:bldLst>
+  </p:timing>
 </p:sld>
 </file>
 
@@ -4768,6 +7187,994 @@
   <p:clrMapOvr>
     <a:masterClrMapping/>
   </p:clrMapOvr>
+  <p:timing>
+    <p:tnLst>
+      <p:par>
+        <p:cTn id="1" dur="indefinite" restart="never" nodeType="tmRoot">
+          <p:childTnLst>
+            <p:seq concurrent="1" nextAc="seek">
+              <p:cTn id="2" dur="indefinite" nodeType="mainSeq">
+                <p:childTnLst>
+                  <p:par>
+                    <p:cTn id="3" fill="hold">
+                      <p:stCondLst>
+                        <p:cond delay="indefinite"/>
+                      </p:stCondLst>
+                      <p:childTnLst>
+                        <p:par>
+                          <p:cTn id="4" fill="hold">
+                            <p:stCondLst>
+                              <p:cond delay="0"/>
+                            </p:stCondLst>
+                            <p:childTnLst>
+                              <p:par>
+                                <p:cTn id="5" presetID="2" presetClass="entr" presetSubtype="4" fill="hold" nodeType="clickEffect">
+                                  <p:stCondLst>
+                                    <p:cond delay="0"/>
+                                  </p:stCondLst>
+                                  <p:childTnLst>
+                                    <p:set>
+                                      <p:cBhvr>
+                                        <p:cTn id="6" dur="1" fill="hold">
+                                          <p:stCondLst>
+                                            <p:cond delay="0"/>
+                                          </p:stCondLst>
+                                        </p:cTn>
+                                        <p:tgtEl>
+                                          <p:spTgt spid="3">
+                                            <p:txEl>
+                                              <p:pRg st="0" end="0"/>
+                                            </p:txEl>
+                                          </p:spTgt>
+                                        </p:tgtEl>
+                                        <p:attrNameLst>
+                                          <p:attrName>style.visibility</p:attrName>
+                                        </p:attrNameLst>
+                                      </p:cBhvr>
+                                      <p:to>
+                                        <p:strVal val="visible"/>
+                                      </p:to>
+                                    </p:set>
+                                    <p:anim calcmode="lin" valueType="num">
+                                      <p:cBhvr additive="base">
+                                        <p:cTn id="7" dur="500" fill="hold"/>
+                                        <p:tgtEl>
+                                          <p:spTgt spid="3">
+                                            <p:txEl>
+                                              <p:pRg st="0" end="0"/>
+                                            </p:txEl>
+                                          </p:spTgt>
+                                        </p:tgtEl>
+                                        <p:attrNameLst>
+                                          <p:attrName>ppt_x</p:attrName>
+                                        </p:attrNameLst>
+                                      </p:cBhvr>
+                                      <p:tavLst>
+                                        <p:tav tm="0">
+                                          <p:val>
+                                            <p:strVal val="#ppt_x"/>
+                                          </p:val>
+                                        </p:tav>
+                                        <p:tav tm="100000">
+                                          <p:val>
+                                            <p:strVal val="#ppt_x"/>
+                                          </p:val>
+                                        </p:tav>
+                                      </p:tavLst>
+                                    </p:anim>
+                                    <p:anim calcmode="lin" valueType="num">
+                                      <p:cBhvr additive="base">
+                                        <p:cTn id="8" dur="500" fill="hold"/>
+                                        <p:tgtEl>
+                                          <p:spTgt spid="3">
+                                            <p:txEl>
+                                              <p:pRg st="0" end="0"/>
+                                            </p:txEl>
+                                          </p:spTgt>
+                                        </p:tgtEl>
+                                        <p:attrNameLst>
+                                          <p:attrName>ppt_y</p:attrName>
+                                        </p:attrNameLst>
+                                      </p:cBhvr>
+                                      <p:tavLst>
+                                        <p:tav tm="0">
+                                          <p:val>
+                                            <p:strVal val="1+#ppt_h/2"/>
+                                          </p:val>
+                                        </p:tav>
+                                        <p:tav tm="100000">
+                                          <p:val>
+                                            <p:strVal val="#ppt_y"/>
+                                          </p:val>
+                                        </p:tav>
+                                      </p:tavLst>
+                                    </p:anim>
+                                  </p:childTnLst>
+                                </p:cTn>
+                              </p:par>
+                            </p:childTnLst>
+                          </p:cTn>
+                        </p:par>
+                      </p:childTnLst>
+                    </p:cTn>
+                  </p:par>
+                  <p:par>
+                    <p:cTn id="9" fill="hold">
+                      <p:stCondLst>
+                        <p:cond delay="indefinite"/>
+                      </p:stCondLst>
+                      <p:childTnLst>
+                        <p:par>
+                          <p:cTn id="10" fill="hold">
+                            <p:stCondLst>
+                              <p:cond delay="0"/>
+                            </p:stCondLst>
+                            <p:childTnLst>
+                              <p:par>
+                                <p:cTn id="11" presetID="2" presetClass="entr" presetSubtype="4" fill="hold" nodeType="clickEffect">
+                                  <p:stCondLst>
+                                    <p:cond delay="0"/>
+                                  </p:stCondLst>
+                                  <p:childTnLst>
+                                    <p:set>
+                                      <p:cBhvr>
+                                        <p:cTn id="12" dur="1" fill="hold">
+                                          <p:stCondLst>
+                                            <p:cond delay="0"/>
+                                          </p:stCondLst>
+                                        </p:cTn>
+                                        <p:tgtEl>
+                                          <p:spTgt spid="3">
+                                            <p:txEl>
+                                              <p:pRg st="2" end="2"/>
+                                            </p:txEl>
+                                          </p:spTgt>
+                                        </p:tgtEl>
+                                        <p:attrNameLst>
+                                          <p:attrName>style.visibility</p:attrName>
+                                        </p:attrNameLst>
+                                      </p:cBhvr>
+                                      <p:to>
+                                        <p:strVal val="visible"/>
+                                      </p:to>
+                                    </p:set>
+                                    <p:anim calcmode="lin" valueType="num">
+                                      <p:cBhvr additive="base">
+                                        <p:cTn id="13" dur="500" fill="hold"/>
+                                        <p:tgtEl>
+                                          <p:spTgt spid="3">
+                                            <p:txEl>
+                                              <p:pRg st="2" end="2"/>
+                                            </p:txEl>
+                                          </p:spTgt>
+                                        </p:tgtEl>
+                                        <p:attrNameLst>
+                                          <p:attrName>ppt_x</p:attrName>
+                                        </p:attrNameLst>
+                                      </p:cBhvr>
+                                      <p:tavLst>
+                                        <p:tav tm="0">
+                                          <p:val>
+                                            <p:strVal val="#ppt_x"/>
+                                          </p:val>
+                                        </p:tav>
+                                        <p:tav tm="100000">
+                                          <p:val>
+                                            <p:strVal val="#ppt_x"/>
+                                          </p:val>
+                                        </p:tav>
+                                      </p:tavLst>
+                                    </p:anim>
+                                    <p:anim calcmode="lin" valueType="num">
+                                      <p:cBhvr additive="base">
+                                        <p:cTn id="14" dur="500" fill="hold"/>
+                                        <p:tgtEl>
+                                          <p:spTgt spid="3">
+                                            <p:txEl>
+                                              <p:pRg st="2" end="2"/>
+                                            </p:txEl>
+                                          </p:spTgt>
+                                        </p:tgtEl>
+                                        <p:attrNameLst>
+                                          <p:attrName>ppt_y</p:attrName>
+                                        </p:attrNameLst>
+                                      </p:cBhvr>
+                                      <p:tavLst>
+                                        <p:tav tm="0">
+                                          <p:val>
+                                            <p:strVal val="1+#ppt_h/2"/>
+                                          </p:val>
+                                        </p:tav>
+                                        <p:tav tm="100000">
+                                          <p:val>
+                                            <p:strVal val="#ppt_y"/>
+                                          </p:val>
+                                        </p:tav>
+                                      </p:tavLst>
+                                    </p:anim>
+                                  </p:childTnLst>
+                                </p:cTn>
+                              </p:par>
+                            </p:childTnLst>
+                          </p:cTn>
+                        </p:par>
+                      </p:childTnLst>
+                    </p:cTn>
+                  </p:par>
+                  <p:par>
+                    <p:cTn id="15" fill="hold">
+                      <p:stCondLst>
+                        <p:cond delay="indefinite"/>
+                      </p:stCondLst>
+                      <p:childTnLst>
+                        <p:par>
+                          <p:cTn id="16" fill="hold">
+                            <p:stCondLst>
+                              <p:cond delay="0"/>
+                            </p:stCondLst>
+                            <p:childTnLst>
+                              <p:par>
+                                <p:cTn id="17" presetID="2" presetClass="entr" presetSubtype="4" fill="hold" nodeType="clickEffect">
+                                  <p:stCondLst>
+                                    <p:cond delay="0"/>
+                                  </p:stCondLst>
+                                  <p:childTnLst>
+                                    <p:set>
+                                      <p:cBhvr>
+                                        <p:cTn id="18" dur="1" fill="hold">
+                                          <p:stCondLst>
+                                            <p:cond delay="0"/>
+                                          </p:stCondLst>
+                                        </p:cTn>
+                                        <p:tgtEl>
+                                          <p:spTgt spid="3">
+                                            <p:txEl>
+                                              <p:pRg st="4" end="4"/>
+                                            </p:txEl>
+                                          </p:spTgt>
+                                        </p:tgtEl>
+                                        <p:attrNameLst>
+                                          <p:attrName>style.visibility</p:attrName>
+                                        </p:attrNameLst>
+                                      </p:cBhvr>
+                                      <p:to>
+                                        <p:strVal val="visible"/>
+                                      </p:to>
+                                    </p:set>
+                                    <p:anim calcmode="lin" valueType="num">
+                                      <p:cBhvr additive="base">
+                                        <p:cTn id="19" dur="500" fill="hold"/>
+                                        <p:tgtEl>
+                                          <p:spTgt spid="3">
+                                            <p:txEl>
+                                              <p:pRg st="4" end="4"/>
+                                            </p:txEl>
+                                          </p:spTgt>
+                                        </p:tgtEl>
+                                        <p:attrNameLst>
+                                          <p:attrName>ppt_x</p:attrName>
+                                        </p:attrNameLst>
+                                      </p:cBhvr>
+                                      <p:tavLst>
+                                        <p:tav tm="0">
+                                          <p:val>
+                                            <p:strVal val="#ppt_x"/>
+                                          </p:val>
+                                        </p:tav>
+                                        <p:tav tm="100000">
+                                          <p:val>
+                                            <p:strVal val="#ppt_x"/>
+                                          </p:val>
+                                        </p:tav>
+                                      </p:tavLst>
+                                    </p:anim>
+                                    <p:anim calcmode="lin" valueType="num">
+                                      <p:cBhvr additive="base">
+                                        <p:cTn id="20" dur="500" fill="hold"/>
+                                        <p:tgtEl>
+                                          <p:spTgt spid="3">
+                                            <p:txEl>
+                                              <p:pRg st="4" end="4"/>
+                                            </p:txEl>
+                                          </p:spTgt>
+                                        </p:tgtEl>
+                                        <p:attrNameLst>
+                                          <p:attrName>ppt_y</p:attrName>
+                                        </p:attrNameLst>
+                                      </p:cBhvr>
+                                      <p:tavLst>
+                                        <p:tav tm="0">
+                                          <p:val>
+                                            <p:strVal val="1+#ppt_h/2"/>
+                                          </p:val>
+                                        </p:tav>
+                                        <p:tav tm="100000">
+                                          <p:val>
+                                            <p:strVal val="#ppt_y"/>
+                                          </p:val>
+                                        </p:tav>
+                                      </p:tavLst>
+                                    </p:anim>
+                                  </p:childTnLst>
+                                </p:cTn>
+                              </p:par>
+                              <p:par>
+                                <p:cTn id="21" presetID="2" presetClass="entr" presetSubtype="4" fill="hold" nodeType="withEffect">
+                                  <p:stCondLst>
+                                    <p:cond delay="0"/>
+                                  </p:stCondLst>
+                                  <p:childTnLst>
+                                    <p:set>
+                                      <p:cBhvr>
+                                        <p:cTn id="22" dur="1" fill="hold">
+                                          <p:stCondLst>
+                                            <p:cond delay="0"/>
+                                          </p:stCondLst>
+                                        </p:cTn>
+                                        <p:tgtEl>
+                                          <p:spTgt spid="3">
+                                            <p:txEl>
+                                              <p:pRg st="5" end="5"/>
+                                            </p:txEl>
+                                          </p:spTgt>
+                                        </p:tgtEl>
+                                        <p:attrNameLst>
+                                          <p:attrName>style.visibility</p:attrName>
+                                        </p:attrNameLst>
+                                      </p:cBhvr>
+                                      <p:to>
+                                        <p:strVal val="visible"/>
+                                      </p:to>
+                                    </p:set>
+                                    <p:anim calcmode="lin" valueType="num">
+                                      <p:cBhvr additive="base">
+                                        <p:cTn id="23" dur="500" fill="hold"/>
+                                        <p:tgtEl>
+                                          <p:spTgt spid="3">
+                                            <p:txEl>
+                                              <p:pRg st="5" end="5"/>
+                                            </p:txEl>
+                                          </p:spTgt>
+                                        </p:tgtEl>
+                                        <p:attrNameLst>
+                                          <p:attrName>ppt_x</p:attrName>
+                                        </p:attrNameLst>
+                                      </p:cBhvr>
+                                      <p:tavLst>
+                                        <p:tav tm="0">
+                                          <p:val>
+                                            <p:strVal val="#ppt_x"/>
+                                          </p:val>
+                                        </p:tav>
+                                        <p:tav tm="100000">
+                                          <p:val>
+                                            <p:strVal val="#ppt_x"/>
+                                          </p:val>
+                                        </p:tav>
+                                      </p:tavLst>
+                                    </p:anim>
+                                    <p:anim calcmode="lin" valueType="num">
+                                      <p:cBhvr additive="base">
+                                        <p:cTn id="24" dur="500" fill="hold"/>
+                                        <p:tgtEl>
+                                          <p:spTgt spid="3">
+                                            <p:txEl>
+                                              <p:pRg st="5" end="5"/>
+                                            </p:txEl>
+                                          </p:spTgt>
+                                        </p:tgtEl>
+                                        <p:attrNameLst>
+                                          <p:attrName>ppt_y</p:attrName>
+                                        </p:attrNameLst>
+                                      </p:cBhvr>
+                                      <p:tavLst>
+                                        <p:tav tm="0">
+                                          <p:val>
+                                            <p:strVal val="1+#ppt_h/2"/>
+                                          </p:val>
+                                        </p:tav>
+                                        <p:tav tm="100000">
+                                          <p:val>
+                                            <p:strVal val="#ppt_y"/>
+                                          </p:val>
+                                        </p:tav>
+                                      </p:tavLst>
+                                    </p:anim>
+                                  </p:childTnLst>
+                                </p:cTn>
+                              </p:par>
+                            </p:childTnLst>
+                          </p:cTn>
+                        </p:par>
+                      </p:childTnLst>
+                    </p:cTn>
+                  </p:par>
+                  <p:par>
+                    <p:cTn id="25" fill="hold">
+                      <p:stCondLst>
+                        <p:cond delay="indefinite"/>
+                      </p:stCondLst>
+                      <p:childTnLst>
+                        <p:par>
+                          <p:cTn id="26" fill="hold">
+                            <p:stCondLst>
+                              <p:cond delay="0"/>
+                            </p:stCondLst>
+                            <p:childTnLst>
+                              <p:par>
+                                <p:cTn id="27" presetID="2" presetClass="entr" presetSubtype="4" fill="hold" nodeType="clickEffect">
+                                  <p:stCondLst>
+                                    <p:cond delay="0"/>
+                                  </p:stCondLst>
+                                  <p:childTnLst>
+                                    <p:set>
+                                      <p:cBhvr>
+                                        <p:cTn id="28" dur="1" fill="hold">
+                                          <p:stCondLst>
+                                            <p:cond delay="0"/>
+                                          </p:stCondLst>
+                                        </p:cTn>
+                                        <p:tgtEl>
+                                          <p:spTgt spid="3">
+                                            <p:txEl>
+                                              <p:pRg st="7" end="7"/>
+                                            </p:txEl>
+                                          </p:spTgt>
+                                        </p:tgtEl>
+                                        <p:attrNameLst>
+                                          <p:attrName>style.visibility</p:attrName>
+                                        </p:attrNameLst>
+                                      </p:cBhvr>
+                                      <p:to>
+                                        <p:strVal val="visible"/>
+                                      </p:to>
+                                    </p:set>
+                                    <p:anim calcmode="lin" valueType="num">
+                                      <p:cBhvr additive="base">
+                                        <p:cTn id="29" dur="500" fill="hold"/>
+                                        <p:tgtEl>
+                                          <p:spTgt spid="3">
+                                            <p:txEl>
+                                              <p:pRg st="7" end="7"/>
+                                            </p:txEl>
+                                          </p:spTgt>
+                                        </p:tgtEl>
+                                        <p:attrNameLst>
+                                          <p:attrName>ppt_x</p:attrName>
+                                        </p:attrNameLst>
+                                      </p:cBhvr>
+                                      <p:tavLst>
+                                        <p:tav tm="0">
+                                          <p:val>
+                                            <p:strVal val="#ppt_x"/>
+                                          </p:val>
+                                        </p:tav>
+                                        <p:tav tm="100000">
+                                          <p:val>
+                                            <p:strVal val="#ppt_x"/>
+                                          </p:val>
+                                        </p:tav>
+                                      </p:tavLst>
+                                    </p:anim>
+                                    <p:anim calcmode="lin" valueType="num">
+                                      <p:cBhvr additive="base">
+                                        <p:cTn id="30" dur="500" fill="hold"/>
+                                        <p:tgtEl>
+                                          <p:spTgt spid="3">
+                                            <p:txEl>
+                                              <p:pRg st="7" end="7"/>
+                                            </p:txEl>
+                                          </p:spTgt>
+                                        </p:tgtEl>
+                                        <p:attrNameLst>
+                                          <p:attrName>ppt_y</p:attrName>
+                                        </p:attrNameLst>
+                                      </p:cBhvr>
+                                      <p:tavLst>
+                                        <p:tav tm="0">
+                                          <p:val>
+                                            <p:strVal val="1+#ppt_h/2"/>
+                                          </p:val>
+                                        </p:tav>
+                                        <p:tav tm="100000">
+                                          <p:val>
+                                            <p:strVal val="#ppt_y"/>
+                                          </p:val>
+                                        </p:tav>
+                                      </p:tavLst>
+                                    </p:anim>
+                                  </p:childTnLst>
+                                </p:cTn>
+                              </p:par>
+                              <p:par>
+                                <p:cTn id="31" presetID="2" presetClass="entr" presetSubtype="4" fill="hold" nodeType="withEffect">
+                                  <p:stCondLst>
+                                    <p:cond delay="0"/>
+                                  </p:stCondLst>
+                                  <p:childTnLst>
+                                    <p:set>
+                                      <p:cBhvr>
+                                        <p:cTn id="32" dur="1" fill="hold">
+                                          <p:stCondLst>
+                                            <p:cond delay="0"/>
+                                          </p:stCondLst>
+                                        </p:cTn>
+                                        <p:tgtEl>
+                                          <p:spTgt spid="3">
+                                            <p:txEl>
+                                              <p:pRg st="8" end="8"/>
+                                            </p:txEl>
+                                          </p:spTgt>
+                                        </p:tgtEl>
+                                        <p:attrNameLst>
+                                          <p:attrName>style.visibility</p:attrName>
+                                        </p:attrNameLst>
+                                      </p:cBhvr>
+                                      <p:to>
+                                        <p:strVal val="visible"/>
+                                      </p:to>
+                                    </p:set>
+                                    <p:anim calcmode="lin" valueType="num">
+                                      <p:cBhvr additive="base">
+                                        <p:cTn id="33" dur="500" fill="hold"/>
+                                        <p:tgtEl>
+                                          <p:spTgt spid="3">
+                                            <p:txEl>
+                                              <p:pRg st="8" end="8"/>
+                                            </p:txEl>
+                                          </p:spTgt>
+                                        </p:tgtEl>
+                                        <p:attrNameLst>
+                                          <p:attrName>ppt_x</p:attrName>
+                                        </p:attrNameLst>
+                                      </p:cBhvr>
+                                      <p:tavLst>
+                                        <p:tav tm="0">
+                                          <p:val>
+                                            <p:strVal val="#ppt_x"/>
+                                          </p:val>
+                                        </p:tav>
+                                        <p:tav tm="100000">
+                                          <p:val>
+                                            <p:strVal val="#ppt_x"/>
+                                          </p:val>
+                                        </p:tav>
+                                      </p:tavLst>
+                                    </p:anim>
+                                    <p:anim calcmode="lin" valueType="num">
+                                      <p:cBhvr additive="base">
+                                        <p:cTn id="34" dur="500" fill="hold"/>
+                                        <p:tgtEl>
+                                          <p:spTgt spid="3">
+                                            <p:txEl>
+                                              <p:pRg st="8" end="8"/>
+                                            </p:txEl>
+                                          </p:spTgt>
+                                        </p:tgtEl>
+                                        <p:attrNameLst>
+                                          <p:attrName>ppt_y</p:attrName>
+                                        </p:attrNameLst>
+                                      </p:cBhvr>
+                                      <p:tavLst>
+                                        <p:tav tm="0">
+                                          <p:val>
+                                            <p:strVal val="1+#ppt_h/2"/>
+                                          </p:val>
+                                        </p:tav>
+                                        <p:tav tm="100000">
+                                          <p:val>
+                                            <p:strVal val="#ppt_y"/>
+                                          </p:val>
+                                        </p:tav>
+                                      </p:tavLst>
+                                    </p:anim>
+                                  </p:childTnLst>
+                                </p:cTn>
+                              </p:par>
+                            </p:childTnLst>
+                          </p:cTn>
+                        </p:par>
+                      </p:childTnLst>
+                    </p:cTn>
+                  </p:par>
+                  <p:par>
+                    <p:cTn id="35" fill="hold">
+                      <p:stCondLst>
+                        <p:cond delay="indefinite"/>
+                      </p:stCondLst>
+                      <p:childTnLst>
+                        <p:par>
+                          <p:cTn id="36" fill="hold">
+                            <p:stCondLst>
+                              <p:cond delay="0"/>
+                            </p:stCondLst>
+                            <p:childTnLst>
+                              <p:par>
+                                <p:cTn id="37" presetID="2" presetClass="entr" presetSubtype="4" fill="hold" nodeType="clickEffect">
+                                  <p:stCondLst>
+                                    <p:cond delay="0"/>
+                                  </p:stCondLst>
+                                  <p:childTnLst>
+                                    <p:set>
+                                      <p:cBhvr>
+                                        <p:cTn id="38" dur="1" fill="hold">
+                                          <p:stCondLst>
+                                            <p:cond delay="0"/>
+                                          </p:stCondLst>
+                                        </p:cTn>
+                                        <p:tgtEl>
+                                          <p:spTgt spid="3">
+                                            <p:txEl>
+                                              <p:pRg st="10" end="10"/>
+                                            </p:txEl>
+                                          </p:spTgt>
+                                        </p:tgtEl>
+                                        <p:attrNameLst>
+                                          <p:attrName>style.visibility</p:attrName>
+                                        </p:attrNameLst>
+                                      </p:cBhvr>
+                                      <p:to>
+                                        <p:strVal val="visible"/>
+                                      </p:to>
+                                    </p:set>
+                                    <p:anim calcmode="lin" valueType="num">
+                                      <p:cBhvr additive="base">
+                                        <p:cTn id="39" dur="500" fill="hold"/>
+                                        <p:tgtEl>
+                                          <p:spTgt spid="3">
+                                            <p:txEl>
+                                              <p:pRg st="10" end="10"/>
+                                            </p:txEl>
+                                          </p:spTgt>
+                                        </p:tgtEl>
+                                        <p:attrNameLst>
+                                          <p:attrName>ppt_x</p:attrName>
+                                        </p:attrNameLst>
+                                      </p:cBhvr>
+                                      <p:tavLst>
+                                        <p:tav tm="0">
+                                          <p:val>
+                                            <p:strVal val="#ppt_x"/>
+                                          </p:val>
+                                        </p:tav>
+                                        <p:tav tm="100000">
+                                          <p:val>
+                                            <p:strVal val="#ppt_x"/>
+                                          </p:val>
+                                        </p:tav>
+                                      </p:tavLst>
+                                    </p:anim>
+                                    <p:anim calcmode="lin" valueType="num">
+                                      <p:cBhvr additive="base">
+                                        <p:cTn id="40" dur="500" fill="hold"/>
+                                        <p:tgtEl>
+                                          <p:spTgt spid="3">
+                                            <p:txEl>
+                                              <p:pRg st="10" end="10"/>
+                                            </p:txEl>
+                                          </p:spTgt>
+                                        </p:tgtEl>
+                                        <p:attrNameLst>
+                                          <p:attrName>ppt_y</p:attrName>
+                                        </p:attrNameLst>
+                                      </p:cBhvr>
+                                      <p:tavLst>
+                                        <p:tav tm="0">
+                                          <p:val>
+                                            <p:strVal val="1+#ppt_h/2"/>
+                                          </p:val>
+                                        </p:tav>
+                                        <p:tav tm="100000">
+                                          <p:val>
+                                            <p:strVal val="#ppt_y"/>
+                                          </p:val>
+                                        </p:tav>
+                                      </p:tavLst>
+                                    </p:anim>
+                                  </p:childTnLst>
+                                </p:cTn>
+                              </p:par>
+                              <p:par>
+                                <p:cTn id="41" presetID="2" presetClass="entr" presetSubtype="4" fill="hold" nodeType="withEffect">
+                                  <p:stCondLst>
+                                    <p:cond delay="0"/>
+                                  </p:stCondLst>
+                                  <p:childTnLst>
+                                    <p:set>
+                                      <p:cBhvr>
+                                        <p:cTn id="42" dur="1" fill="hold">
+                                          <p:stCondLst>
+                                            <p:cond delay="0"/>
+                                          </p:stCondLst>
+                                        </p:cTn>
+                                        <p:tgtEl>
+                                          <p:spTgt spid="3">
+                                            <p:txEl>
+                                              <p:pRg st="11" end="11"/>
+                                            </p:txEl>
+                                          </p:spTgt>
+                                        </p:tgtEl>
+                                        <p:attrNameLst>
+                                          <p:attrName>style.visibility</p:attrName>
+                                        </p:attrNameLst>
+                                      </p:cBhvr>
+                                      <p:to>
+                                        <p:strVal val="visible"/>
+                                      </p:to>
+                                    </p:set>
+                                    <p:anim calcmode="lin" valueType="num">
+                                      <p:cBhvr additive="base">
+                                        <p:cTn id="43" dur="500" fill="hold"/>
+                                        <p:tgtEl>
+                                          <p:spTgt spid="3">
+                                            <p:txEl>
+                                              <p:pRg st="11" end="11"/>
+                                            </p:txEl>
+                                          </p:spTgt>
+                                        </p:tgtEl>
+                                        <p:attrNameLst>
+                                          <p:attrName>ppt_x</p:attrName>
+                                        </p:attrNameLst>
+                                      </p:cBhvr>
+                                      <p:tavLst>
+                                        <p:tav tm="0">
+                                          <p:val>
+                                            <p:strVal val="#ppt_x"/>
+                                          </p:val>
+                                        </p:tav>
+                                        <p:tav tm="100000">
+                                          <p:val>
+                                            <p:strVal val="#ppt_x"/>
+                                          </p:val>
+                                        </p:tav>
+                                      </p:tavLst>
+                                    </p:anim>
+                                    <p:anim calcmode="lin" valueType="num">
+                                      <p:cBhvr additive="base">
+                                        <p:cTn id="44" dur="500" fill="hold"/>
+                                        <p:tgtEl>
+                                          <p:spTgt spid="3">
+                                            <p:txEl>
+                                              <p:pRg st="11" end="11"/>
+                                            </p:txEl>
+                                          </p:spTgt>
+                                        </p:tgtEl>
+                                        <p:attrNameLst>
+                                          <p:attrName>ppt_y</p:attrName>
+                                        </p:attrNameLst>
+                                      </p:cBhvr>
+                                      <p:tavLst>
+                                        <p:tav tm="0">
+                                          <p:val>
+                                            <p:strVal val="1+#ppt_h/2"/>
+                                          </p:val>
+                                        </p:tav>
+                                        <p:tav tm="100000">
+                                          <p:val>
+                                            <p:strVal val="#ppt_y"/>
+                                          </p:val>
+                                        </p:tav>
+                                      </p:tavLst>
+                                    </p:anim>
+                                  </p:childTnLst>
+                                </p:cTn>
+                              </p:par>
+                            </p:childTnLst>
+                          </p:cTn>
+                        </p:par>
+                      </p:childTnLst>
+                    </p:cTn>
+                  </p:par>
+                  <p:par>
+                    <p:cTn id="45" fill="hold">
+                      <p:stCondLst>
+                        <p:cond delay="indefinite"/>
+                      </p:stCondLst>
+                      <p:childTnLst>
+                        <p:par>
+                          <p:cTn id="46" fill="hold">
+                            <p:stCondLst>
+                              <p:cond delay="0"/>
+                            </p:stCondLst>
+                            <p:childTnLst>
+                              <p:par>
+                                <p:cTn id="47" presetID="2" presetClass="entr" presetSubtype="4" fill="hold" nodeType="clickEffect">
+                                  <p:stCondLst>
+                                    <p:cond delay="0"/>
+                                  </p:stCondLst>
+                                  <p:childTnLst>
+                                    <p:set>
+                                      <p:cBhvr>
+                                        <p:cTn id="48" dur="1" fill="hold">
+                                          <p:stCondLst>
+                                            <p:cond delay="0"/>
+                                          </p:stCondLst>
+                                        </p:cTn>
+                                        <p:tgtEl>
+                                          <p:spTgt spid="3">
+                                            <p:txEl>
+                                              <p:pRg st="13" end="13"/>
+                                            </p:txEl>
+                                          </p:spTgt>
+                                        </p:tgtEl>
+                                        <p:attrNameLst>
+                                          <p:attrName>style.visibility</p:attrName>
+                                        </p:attrNameLst>
+                                      </p:cBhvr>
+                                      <p:to>
+                                        <p:strVal val="visible"/>
+                                      </p:to>
+                                    </p:set>
+                                    <p:anim calcmode="lin" valueType="num">
+                                      <p:cBhvr additive="base">
+                                        <p:cTn id="49" dur="500" fill="hold"/>
+                                        <p:tgtEl>
+                                          <p:spTgt spid="3">
+                                            <p:txEl>
+                                              <p:pRg st="13" end="13"/>
+                                            </p:txEl>
+                                          </p:spTgt>
+                                        </p:tgtEl>
+                                        <p:attrNameLst>
+                                          <p:attrName>ppt_x</p:attrName>
+                                        </p:attrNameLst>
+                                      </p:cBhvr>
+                                      <p:tavLst>
+                                        <p:tav tm="0">
+                                          <p:val>
+                                            <p:strVal val="#ppt_x"/>
+                                          </p:val>
+                                        </p:tav>
+                                        <p:tav tm="100000">
+                                          <p:val>
+                                            <p:strVal val="#ppt_x"/>
+                                          </p:val>
+                                        </p:tav>
+                                      </p:tavLst>
+                                    </p:anim>
+                                    <p:anim calcmode="lin" valueType="num">
+                                      <p:cBhvr additive="base">
+                                        <p:cTn id="50" dur="500" fill="hold"/>
+                                        <p:tgtEl>
+                                          <p:spTgt spid="3">
+                                            <p:txEl>
+                                              <p:pRg st="13" end="13"/>
+                                            </p:txEl>
+                                          </p:spTgt>
+                                        </p:tgtEl>
+                                        <p:attrNameLst>
+                                          <p:attrName>ppt_y</p:attrName>
+                                        </p:attrNameLst>
+                                      </p:cBhvr>
+                                      <p:tavLst>
+                                        <p:tav tm="0">
+                                          <p:val>
+                                            <p:strVal val="1+#ppt_h/2"/>
+                                          </p:val>
+                                        </p:tav>
+                                        <p:tav tm="100000">
+                                          <p:val>
+                                            <p:strVal val="#ppt_y"/>
+                                          </p:val>
+                                        </p:tav>
+                                      </p:tavLst>
+                                    </p:anim>
+                                  </p:childTnLst>
+                                </p:cTn>
+                              </p:par>
+                              <p:par>
+                                <p:cTn id="51" presetID="2" presetClass="entr" presetSubtype="4" fill="hold" nodeType="withEffect">
+                                  <p:stCondLst>
+                                    <p:cond delay="0"/>
+                                  </p:stCondLst>
+                                  <p:childTnLst>
+                                    <p:set>
+                                      <p:cBhvr>
+                                        <p:cTn id="52" dur="1" fill="hold">
+                                          <p:stCondLst>
+                                            <p:cond delay="0"/>
+                                          </p:stCondLst>
+                                        </p:cTn>
+                                        <p:tgtEl>
+                                          <p:spTgt spid="3">
+                                            <p:txEl>
+                                              <p:pRg st="14" end="14"/>
+                                            </p:txEl>
+                                          </p:spTgt>
+                                        </p:tgtEl>
+                                        <p:attrNameLst>
+                                          <p:attrName>style.visibility</p:attrName>
+                                        </p:attrNameLst>
+                                      </p:cBhvr>
+                                      <p:to>
+                                        <p:strVal val="visible"/>
+                                      </p:to>
+                                    </p:set>
+                                    <p:anim calcmode="lin" valueType="num">
+                                      <p:cBhvr additive="base">
+                                        <p:cTn id="53" dur="500" fill="hold"/>
+                                        <p:tgtEl>
+                                          <p:spTgt spid="3">
+                                            <p:txEl>
+                                              <p:pRg st="14" end="14"/>
+                                            </p:txEl>
+                                          </p:spTgt>
+                                        </p:tgtEl>
+                                        <p:attrNameLst>
+                                          <p:attrName>ppt_x</p:attrName>
+                                        </p:attrNameLst>
+                                      </p:cBhvr>
+                                      <p:tavLst>
+                                        <p:tav tm="0">
+                                          <p:val>
+                                            <p:strVal val="#ppt_x"/>
+                                          </p:val>
+                                        </p:tav>
+                                        <p:tav tm="100000">
+                                          <p:val>
+                                            <p:strVal val="#ppt_x"/>
+                                          </p:val>
+                                        </p:tav>
+                                      </p:tavLst>
+                                    </p:anim>
+                                    <p:anim calcmode="lin" valueType="num">
+                                      <p:cBhvr additive="base">
+                                        <p:cTn id="54" dur="500" fill="hold"/>
+                                        <p:tgtEl>
+                                          <p:spTgt spid="3">
+                                            <p:txEl>
+                                              <p:pRg st="14" end="14"/>
+                                            </p:txEl>
+                                          </p:spTgt>
+                                        </p:tgtEl>
+                                        <p:attrNameLst>
+                                          <p:attrName>ppt_y</p:attrName>
+                                        </p:attrNameLst>
+                                      </p:cBhvr>
+                                      <p:tavLst>
+                                        <p:tav tm="0">
+                                          <p:val>
+                                            <p:strVal val="1+#ppt_h/2"/>
+                                          </p:val>
+                                        </p:tav>
+                                        <p:tav tm="100000">
+                                          <p:val>
+                                            <p:strVal val="#ppt_y"/>
+                                          </p:val>
+                                        </p:tav>
+                                      </p:tavLst>
+                                    </p:anim>
+                                  </p:childTnLst>
+                                </p:cTn>
+                              </p:par>
+                            </p:childTnLst>
+                          </p:cTn>
+                        </p:par>
+                      </p:childTnLst>
+                    </p:cTn>
+                  </p:par>
+                </p:childTnLst>
+              </p:cTn>
+              <p:prevCondLst>
+                <p:cond evt="onPrev" delay="0">
+                  <p:tgtEl>
+                    <p:sldTgt/>
+                  </p:tgtEl>
+                </p:cond>
+              </p:prevCondLst>
+              <p:nextCondLst>
+                <p:cond evt="onNext" delay="0">
+                  <p:tgtEl>
+                    <p:sldTgt/>
+                  </p:tgtEl>
+                </p:cond>
+              </p:nextCondLst>
+            </p:seq>
+          </p:childTnLst>
+        </p:cTn>
+      </p:par>
+    </p:tnLst>
+  </p:timing>
 </p:sld>
 </file>
 
@@ -4888,6 +8295,863 @@
   <p:clrMapOvr>
     <a:masterClrMapping/>
   </p:clrMapOvr>
+  <p:timing>
+    <p:tnLst>
+      <p:par>
+        <p:cTn id="1" dur="indefinite" restart="never" nodeType="tmRoot">
+          <p:childTnLst>
+            <p:seq concurrent="1" nextAc="seek">
+              <p:cTn id="2" dur="indefinite" nodeType="mainSeq">
+                <p:childTnLst>
+                  <p:par>
+                    <p:cTn id="3" fill="hold">
+                      <p:stCondLst>
+                        <p:cond delay="indefinite"/>
+                      </p:stCondLst>
+                      <p:childTnLst>
+                        <p:par>
+                          <p:cTn id="4" fill="hold">
+                            <p:stCondLst>
+                              <p:cond delay="0"/>
+                            </p:stCondLst>
+                            <p:childTnLst>
+                              <p:par>
+                                <p:cTn id="5" presetID="2" presetClass="entr" presetSubtype="4" fill="hold" grpId="0" nodeType="clickEffect">
+                                  <p:stCondLst>
+                                    <p:cond delay="0"/>
+                                  </p:stCondLst>
+                                  <p:childTnLst>
+                                    <p:set>
+                                      <p:cBhvr>
+                                        <p:cTn id="6" dur="1" fill="hold">
+                                          <p:stCondLst>
+                                            <p:cond delay="0"/>
+                                          </p:stCondLst>
+                                        </p:cTn>
+                                        <p:tgtEl>
+                                          <p:spTgt spid="3">
+                                            <p:txEl>
+                                              <p:pRg st="0" end="0"/>
+                                            </p:txEl>
+                                          </p:spTgt>
+                                        </p:tgtEl>
+                                        <p:attrNameLst>
+                                          <p:attrName>style.visibility</p:attrName>
+                                        </p:attrNameLst>
+                                      </p:cBhvr>
+                                      <p:to>
+                                        <p:strVal val="visible"/>
+                                      </p:to>
+                                    </p:set>
+                                    <p:anim calcmode="lin" valueType="num">
+                                      <p:cBhvr additive="base">
+                                        <p:cTn id="7" dur="500" fill="hold"/>
+                                        <p:tgtEl>
+                                          <p:spTgt spid="3">
+                                            <p:txEl>
+                                              <p:pRg st="0" end="0"/>
+                                            </p:txEl>
+                                          </p:spTgt>
+                                        </p:tgtEl>
+                                        <p:attrNameLst>
+                                          <p:attrName>ppt_x</p:attrName>
+                                        </p:attrNameLst>
+                                      </p:cBhvr>
+                                      <p:tavLst>
+                                        <p:tav tm="0">
+                                          <p:val>
+                                            <p:strVal val="#ppt_x"/>
+                                          </p:val>
+                                        </p:tav>
+                                        <p:tav tm="100000">
+                                          <p:val>
+                                            <p:strVal val="#ppt_x"/>
+                                          </p:val>
+                                        </p:tav>
+                                      </p:tavLst>
+                                    </p:anim>
+                                    <p:anim calcmode="lin" valueType="num">
+                                      <p:cBhvr additive="base">
+                                        <p:cTn id="8" dur="500" fill="hold"/>
+                                        <p:tgtEl>
+                                          <p:spTgt spid="3">
+                                            <p:txEl>
+                                              <p:pRg st="0" end="0"/>
+                                            </p:txEl>
+                                          </p:spTgt>
+                                        </p:tgtEl>
+                                        <p:attrNameLst>
+                                          <p:attrName>ppt_y</p:attrName>
+                                        </p:attrNameLst>
+                                      </p:cBhvr>
+                                      <p:tavLst>
+                                        <p:tav tm="0">
+                                          <p:val>
+                                            <p:strVal val="1+#ppt_h/2"/>
+                                          </p:val>
+                                        </p:tav>
+                                        <p:tav tm="100000">
+                                          <p:val>
+                                            <p:strVal val="#ppt_y"/>
+                                          </p:val>
+                                        </p:tav>
+                                      </p:tavLst>
+                                    </p:anim>
+                                  </p:childTnLst>
+                                </p:cTn>
+                              </p:par>
+                            </p:childTnLst>
+                          </p:cTn>
+                        </p:par>
+                      </p:childTnLst>
+                    </p:cTn>
+                  </p:par>
+                  <p:par>
+                    <p:cTn id="9" fill="hold">
+                      <p:stCondLst>
+                        <p:cond delay="indefinite"/>
+                      </p:stCondLst>
+                      <p:childTnLst>
+                        <p:par>
+                          <p:cTn id="10" fill="hold">
+                            <p:stCondLst>
+                              <p:cond delay="0"/>
+                            </p:stCondLst>
+                            <p:childTnLst>
+                              <p:par>
+                                <p:cTn id="11" presetID="2" presetClass="entr" presetSubtype="4" fill="hold" grpId="0" nodeType="clickEffect">
+                                  <p:stCondLst>
+                                    <p:cond delay="0"/>
+                                  </p:stCondLst>
+                                  <p:childTnLst>
+                                    <p:set>
+                                      <p:cBhvr>
+                                        <p:cTn id="12" dur="1" fill="hold">
+                                          <p:stCondLst>
+                                            <p:cond delay="0"/>
+                                          </p:stCondLst>
+                                        </p:cTn>
+                                        <p:tgtEl>
+                                          <p:spTgt spid="3">
+                                            <p:txEl>
+                                              <p:pRg st="1" end="1"/>
+                                            </p:txEl>
+                                          </p:spTgt>
+                                        </p:tgtEl>
+                                        <p:attrNameLst>
+                                          <p:attrName>style.visibility</p:attrName>
+                                        </p:attrNameLst>
+                                      </p:cBhvr>
+                                      <p:to>
+                                        <p:strVal val="visible"/>
+                                      </p:to>
+                                    </p:set>
+                                    <p:anim calcmode="lin" valueType="num">
+                                      <p:cBhvr additive="base">
+                                        <p:cTn id="13" dur="500" fill="hold"/>
+                                        <p:tgtEl>
+                                          <p:spTgt spid="3">
+                                            <p:txEl>
+                                              <p:pRg st="1" end="1"/>
+                                            </p:txEl>
+                                          </p:spTgt>
+                                        </p:tgtEl>
+                                        <p:attrNameLst>
+                                          <p:attrName>ppt_x</p:attrName>
+                                        </p:attrNameLst>
+                                      </p:cBhvr>
+                                      <p:tavLst>
+                                        <p:tav tm="0">
+                                          <p:val>
+                                            <p:strVal val="#ppt_x"/>
+                                          </p:val>
+                                        </p:tav>
+                                        <p:tav tm="100000">
+                                          <p:val>
+                                            <p:strVal val="#ppt_x"/>
+                                          </p:val>
+                                        </p:tav>
+                                      </p:tavLst>
+                                    </p:anim>
+                                    <p:anim calcmode="lin" valueType="num">
+                                      <p:cBhvr additive="base">
+                                        <p:cTn id="14" dur="500" fill="hold"/>
+                                        <p:tgtEl>
+                                          <p:spTgt spid="3">
+                                            <p:txEl>
+                                              <p:pRg st="1" end="1"/>
+                                            </p:txEl>
+                                          </p:spTgt>
+                                        </p:tgtEl>
+                                        <p:attrNameLst>
+                                          <p:attrName>ppt_y</p:attrName>
+                                        </p:attrNameLst>
+                                      </p:cBhvr>
+                                      <p:tavLst>
+                                        <p:tav tm="0">
+                                          <p:val>
+                                            <p:strVal val="1+#ppt_h/2"/>
+                                          </p:val>
+                                        </p:tav>
+                                        <p:tav tm="100000">
+                                          <p:val>
+                                            <p:strVal val="#ppt_y"/>
+                                          </p:val>
+                                        </p:tav>
+                                      </p:tavLst>
+                                    </p:anim>
+                                  </p:childTnLst>
+                                </p:cTn>
+                              </p:par>
+                            </p:childTnLst>
+                          </p:cTn>
+                        </p:par>
+                      </p:childTnLst>
+                    </p:cTn>
+                  </p:par>
+                  <p:par>
+                    <p:cTn id="15" fill="hold">
+                      <p:stCondLst>
+                        <p:cond delay="indefinite"/>
+                      </p:stCondLst>
+                      <p:childTnLst>
+                        <p:par>
+                          <p:cTn id="16" fill="hold">
+                            <p:stCondLst>
+                              <p:cond delay="0"/>
+                            </p:stCondLst>
+                            <p:childTnLst>
+                              <p:par>
+                                <p:cTn id="17" presetID="2" presetClass="entr" presetSubtype="4" fill="hold" grpId="0" nodeType="clickEffect">
+                                  <p:stCondLst>
+                                    <p:cond delay="0"/>
+                                  </p:stCondLst>
+                                  <p:childTnLst>
+                                    <p:set>
+                                      <p:cBhvr>
+                                        <p:cTn id="18" dur="1" fill="hold">
+                                          <p:stCondLst>
+                                            <p:cond delay="0"/>
+                                          </p:stCondLst>
+                                        </p:cTn>
+                                        <p:tgtEl>
+                                          <p:spTgt spid="3">
+                                            <p:txEl>
+                                              <p:pRg st="2" end="2"/>
+                                            </p:txEl>
+                                          </p:spTgt>
+                                        </p:tgtEl>
+                                        <p:attrNameLst>
+                                          <p:attrName>style.visibility</p:attrName>
+                                        </p:attrNameLst>
+                                      </p:cBhvr>
+                                      <p:to>
+                                        <p:strVal val="visible"/>
+                                      </p:to>
+                                    </p:set>
+                                    <p:anim calcmode="lin" valueType="num">
+                                      <p:cBhvr additive="base">
+                                        <p:cTn id="19" dur="500" fill="hold"/>
+                                        <p:tgtEl>
+                                          <p:spTgt spid="3">
+                                            <p:txEl>
+                                              <p:pRg st="2" end="2"/>
+                                            </p:txEl>
+                                          </p:spTgt>
+                                        </p:tgtEl>
+                                        <p:attrNameLst>
+                                          <p:attrName>ppt_x</p:attrName>
+                                        </p:attrNameLst>
+                                      </p:cBhvr>
+                                      <p:tavLst>
+                                        <p:tav tm="0">
+                                          <p:val>
+                                            <p:strVal val="#ppt_x"/>
+                                          </p:val>
+                                        </p:tav>
+                                        <p:tav tm="100000">
+                                          <p:val>
+                                            <p:strVal val="#ppt_x"/>
+                                          </p:val>
+                                        </p:tav>
+                                      </p:tavLst>
+                                    </p:anim>
+                                    <p:anim calcmode="lin" valueType="num">
+                                      <p:cBhvr additive="base">
+                                        <p:cTn id="20" dur="500" fill="hold"/>
+                                        <p:tgtEl>
+                                          <p:spTgt spid="3">
+                                            <p:txEl>
+                                              <p:pRg st="2" end="2"/>
+                                            </p:txEl>
+                                          </p:spTgt>
+                                        </p:tgtEl>
+                                        <p:attrNameLst>
+                                          <p:attrName>ppt_y</p:attrName>
+                                        </p:attrNameLst>
+                                      </p:cBhvr>
+                                      <p:tavLst>
+                                        <p:tav tm="0">
+                                          <p:val>
+                                            <p:strVal val="1+#ppt_h/2"/>
+                                          </p:val>
+                                        </p:tav>
+                                        <p:tav tm="100000">
+                                          <p:val>
+                                            <p:strVal val="#ppt_y"/>
+                                          </p:val>
+                                        </p:tav>
+                                      </p:tavLst>
+                                    </p:anim>
+                                  </p:childTnLst>
+                                </p:cTn>
+                              </p:par>
+                            </p:childTnLst>
+                          </p:cTn>
+                        </p:par>
+                      </p:childTnLst>
+                    </p:cTn>
+                  </p:par>
+                  <p:par>
+                    <p:cTn id="21" fill="hold">
+                      <p:stCondLst>
+                        <p:cond delay="indefinite"/>
+                      </p:stCondLst>
+                      <p:childTnLst>
+                        <p:par>
+                          <p:cTn id="22" fill="hold">
+                            <p:stCondLst>
+                              <p:cond delay="0"/>
+                            </p:stCondLst>
+                            <p:childTnLst>
+                              <p:par>
+                                <p:cTn id="23" presetID="2" presetClass="entr" presetSubtype="4" fill="hold" grpId="0" nodeType="clickEffect">
+                                  <p:stCondLst>
+                                    <p:cond delay="0"/>
+                                  </p:stCondLst>
+                                  <p:childTnLst>
+                                    <p:set>
+                                      <p:cBhvr>
+                                        <p:cTn id="24" dur="1" fill="hold">
+                                          <p:stCondLst>
+                                            <p:cond delay="0"/>
+                                          </p:stCondLst>
+                                        </p:cTn>
+                                        <p:tgtEl>
+                                          <p:spTgt spid="3">
+                                            <p:txEl>
+                                              <p:pRg st="3" end="3"/>
+                                            </p:txEl>
+                                          </p:spTgt>
+                                        </p:tgtEl>
+                                        <p:attrNameLst>
+                                          <p:attrName>style.visibility</p:attrName>
+                                        </p:attrNameLst>
+                                      </p:cBhvr>
+                                      <p:to>
+                                        <p:strVal val="visible"/>
+                                      </p:to>
+                                    </p:set>
+                                    <p:anim calcmode="lin" valueType="num">
+                                      <p:cBhvr additive="base">
+                                        <p:cTn id="25" dur="500" fill="hold"/>
+                                        <p:tgtEl>
+                                          <p:spTgt spid="3">
+                                            <p:txEl>
+                                              <p:pRg st="3" end="3"/>
+                                            </p:txEl>
+                                          </p:spTgt>
+                                        </p:tgtEl>
+                                        <p:attrNameLst>
+                                          <p:attrName>ppt_x</p:attrName>
+                                        </p:attrNameLst>
+                                      </p:cBhvr>
+                                      <p:tavLst>
+                                        <p:tav tm="0">
+                                          <p:val>
+                                            <p:strVal val="#ppt_x"/>
+                                          </p:val>
+                                        </p:tav>
+                                        <p:tav tm="100000">
+                                          <p:val>
+                                            <p:strVal val="#ppt_x"/>
+                                          </p:val>
+                                        </p:tav>
+                                      </p:tavLst>
+                                    </p:anim>
+                                    <p:anim calcmode="lin" valueType="num">
+                                      <p:cBhvr additive="base">
+                                        <p:cTn id="26" dur="500" fill="hold"/>
+                                        <p:tgtEl>
+                                          <p:spTgt spid="3">
+                                            <p:txEl>
+                                              <p:pRg st="3" end="3"/>
+                                            </p:txEl>
+                                          </p:spTgt>
+                                        </p:tgtEl>
+                                        <p:attrNameLst>
+                                          <p:attrName>ppt_y</p:attrName>
+                                        </p:attrNameLst>
+                                      </p:cBhvr>
+                                      <p:tavLst>
+                                        <p:tav tm="0">
+                                          <p:val>
+                                            <p:strVal val="1+#ppt_h/2"/>
+                                          </p:val>
+                                        </p:tav>
+                                        <p:tav tm="100000">
+                                          <p:val>
+                                            <p:strVal val="#ppt_y"/>
+                                          </p:val>
+                                        </p:tav>
+                                      </p:tavLst>
+                                    </p:anim>
+                                  </p:childTnLst>
+                                </p:cTn>
+                              </p:par>
+                            </p:childTnLst>
+                          </p:cTn>
+                        </p:par>
+                      </p:childTnLst>
+                    </p:cTn>
+                  </p:par>
+                  <p:par>
+                    <p:cTn id="27" fill="hold">
+                      <p:stCondLst>
+                        <p:cond delay="indefinite"/>
+                      </p:stCondLst>
+                      <p:childTnLst>
+                        <p:par>
+                          <p:cTn id="28" fill="hold">
+                            <p:stCondLst>
+                              <p:cond delay="0"/>
+                            </p:stCondLst>
+                            <p:childTnLst>
+                              <p:par>
+                                <p:cTn id="29" presetID="2" presetClass="entr" presetSubtype="4" fill="hold" grpId="0" nodeType="clickEffect">
+                                  <p:stCondLst>
+                                    <p:cond delay="0"/>
+                                  </p:stCondLst>
+                                  <p:childTnLst>
+                                    <p:set>
+                                      <p:cBhvr>
+                                        <p:cTn id="30" dur="1" fill="hold">
+                                          <p:stCondLst>
+                                            <p:cond delay="0"/>
+                                          </p:stCondLst>
+                                        </p:cTn>
+                                        <p:tgtEl>
+                                          <p:spTgt spid="3">
+                                            <p:txEl>
+                                              <p:pRg st="4" end="4"/>
+                                            </p:txEl>
+                                          </p:spTgt>
+                                        </p:tgtEl>
+                                        <p:attrNameLst>
+                                          <p:attrName>style.visibility</p:attrName>
+                                        </p:attrNameLst>
+                                      </p:cBhvr>
+                                      <p:to>
+                                        <p:strVal val="visible"/>
+                                      </p:to>
+                                    </p:set>
+                                    <p:anim calcmode="lin" valueType="num">
+                                      <p:cBhvr additive="base">
+                                        <p:cTn id="31" dur="500" fill="hold"/>
+                                        <p:tgtEl>
+                                          <p:spTgt spid="3">
+                                            <p:txEl>
+                                              <p:pRg st="4" end="4"/>
+                                            </p:txEl>
+                                          </p:spTgt>
+                                        </p:tgtEl>
+                                        <p:attrNameLst>
+                                          <p:attrName>ppt_x</p:attrName>
+                                        </p:attrNameLst>
+                                      </p:cBhvr>
+                                      <p:tavLst>
+                                        <p:tav tm="0">
+                                          <p:val>
+                                            <p:strVal val="#ppt_x"/>
+                                          </p:val>
+                                        </p:tav>
+                                        <p:tav tm="100000">
+                                          <p:val>
+                                            <p:strVal val="#ppt_x"/>
+                                          </p:val>
+                                        </p:tav>
+                                      </p:tavLst>
+                                    </p:anim>
+                                    <p:anim calcmode="lin" valueType="num">
+                                      <p:cBhvr additive="base">
+                                        <p:cTn id="32" dur="500" fill="hold"/>
+                                        <p:tgtEl>
+                                          <p:spTgt spid="3">
+                                            <p:txEl>
+                                              <p:pRg st="4" end="4"/>
+                                            </p:txEl>
+                                          </p:spTgt>
+                                        </p:tgtEl>
+                                        <p:attrNameLst>
+                                          <p:attrName>ppt_y</p:attrName>
+                                        </p:attrNameLst>
+                                      </p:cBhvr>
+                                      <p:tavLst>
+                                        <p:tav tm="0">
+                                          <p:val>
+                                            <p:strVal val="1+#ppt_h/2"/>
+                                          </p:val>
+                                        </p:tav>
+                                        <p:tav tm="100000">
+                                          <p:val>
+                                            <p:strVal val="#ppt_y"/>
+                                          </p:val>
+                                        </p:tav>
+                                      </p:tavLst>
+                                    </p:anim>
+                                  </p:childTnLst>
+                                </p:cTn>
+                              </p:par>
+                            </p:childTnLst>
+                          </p:cTn>
+                        </p:par>
+                      </p:childTnLst>
+                    </p:cTn>
+                  </p:par>
+                  <p:par>
+                    <p:cTn id="33" fill="hold">
+                      <p:stCondLst>
+                        <p:cond delay="indefinite"/>
+                      </p:stCondLst>
+                      <p:childTnLst>
+                        <p:par>
+                          <p:cTn id="34" fill="hold">
+                            <p:stCondLst>
+                              <p:cond delay="0"/>
+                            </p:stCondLst>
+                            <p:childTnLst>
+                              <p:par>
+                                <p:cTn id="35" presetID="2" presetClass="entr" presetSubtype="4" fill="hold" grpId="0" nodeType="clickEffect">
+                                  <p:stCondLst>
+                                    <p:cond delay="0"/>
+                                  </p:stCondLst>
+                                  <p:childTnLst>
+                                    <p:set>
+                                      <p:cBhvr>
+                                        <p:cTn id="36" dur="1" fill="hold">
+                                          <p:stCondLst>
+                                            <p:cond delay="0"/>
+                                          </p:stCondLst>
+                                        </p:cTn>
+                                        <p:tgtEl>
+                                          <p:spTgt spid="3">
+                                            <p:txEl>
+                                              <p:pRg st="5" end="5"/>
+                                            </p:txEl>
+                                          </p:spTgt>
+                                        </p:tgtEl>
+                                        <p:attrNameLst>
+                                          <p:attrName>style.visibility</p:attrName>
+                                        </p:attrNameLst>
+                                      </p:cBhvr>
+                                      <p:to>
+                                        <p:strVal val="visible"/>
+                                      </p:to>
+                                    </p:set>
+                                    <p:anim calcmode="lin" valueType="num">
+                                      <p:cBhvr additive="base">
+                                        <p:cTn id="37" dur="500" fill="hold"/>
+                                        <p:tgtEl>
+                                          <p:spTgt spid="3">
+                                            <p:txEl>
+                                              <p:pRg st="5" end="5"/>
+                                            </p:txEl>
+                                          </p:spTgt>
+                                        </p:tgtEl>
+                                        <p:attrNameLst>
+                                          <p:attrName>ppt_x</p:attrName>
+                                        </p:attrNameLst>
+                                      </p:cBhvr>
+                                      <p:tavLst>
+                                        <p:tav tm="0">
+                                          <p:val>
+                                            <p:strVal val="#ppt_x"/>
+                                          </p:val>
+                                        </p:tav>
+                                        <p:tav tm="100000">
+                                          <p:val>
+                                            <p:strVal val="#ppt_x"/>
+                                          </p:val>
+                                        </p:tav>
+                                      </p:tavLst>
+                                    </p:anim>
+                                    <p:anim calcmode="lin" valueType="num">
+                                      <p:cBhvr additive="base">
+                                        <p:cTn id="38" dur="500" fill="hold"/>
+                                        <p:tgtEl>
+                                          <p:spTgt spid="3">
+                                            <p:txEl>
+                                              <p:pRg st="5" end="5"/>
+                                            </p:txEl>
+                                          </p:spTgt>
+                                        </p:tgtEl>
+                                        <p:attrNameLst>
+                                          <p:attrName>ppt_y</p:attrName>
+                                        </p:attrNameLst>
+                                      </p:cBhvr>
+                                      <p:tavLst>
+                                        <p:tav tm="0">
+                                          <p:val>
+                                            <p:strVal val="1+#ppt_h/2"/>
+                                          </p:val>
+                                        </p:tav>
+                                        <p:tav tm="100000">
+                                          <p:val>
+                                            <p:strVal val="#ppt_y"/>
+                                          </p:val>
+                                        </p:tav>
+                                      </p:tavLst>
+                                    </p:anim>
+                                  </p:childTnLst>
+                                </p:cTn>
+                              </p:par>
+                            </p:childTnLst>
+                          </p:cTn>
+                        </p:par>
+                      </p:childTnLst>
+                    </p:cTn>
+                  </p:par>
+                  <p:par>
+                    <p:cTn id="39" fill="hold">
+                      <p:stCondLst>
+                        <p:cond delay="indefinite"/>
+                      </p:stCondLst>
+                      <p:childTnLst>
+                        <p:par>
+                          <p:cTn id="40" fill="hold">
+                            <p:stCondLst>
+                              <p:cond delay="0"/>
+                            </p:stCondLst>
+                            <p:childTnLst>
+                              <p:par>
+                                <p:cTn id="41" presetID="2" presetClass="entr" presetSubtype="4" fill="hold" grpId="0" nodeType="clickEffect">
+                                  <p:stCondLst>
+                                    <p:cond delay="0"/>
+                                  </p:stCondLst>
+                                  <p:childTnLst>
+                                    <p:set>
+                                      <p:cBhvr>
+                                        <p:cTn id="42" dur="1" fill="hold">
+                                          <p:stCondLst>
+                                            <p:cond delay="0"/>
+                                          </p:stCondLst>
+                                        </p:cTn>
+                                        <p:tgtEl>
+                                          <p:spTgt spid="3">
+                                            <p:txEl>
+                                              <p:pRg st="6" end="6"/>
+                                            </p:txEl>
+                                          </p:spTgt>
+                                        </p:tgtEl>
+                                        <p:attrNameLst>
+                                          <p:attrName>style.visibility</p:attrName>
+                                        </p:attrNameLst>
+                                      </p:cBhvr>
+                                      <p:to>
+                                        <p:strVal val="visible"/>
+                                      </p:to>
+                                    </p:set>
+                                    <p:anim calcmode="lin" valueType="num">
+                                      <p:cBhvr additive="base">
+                                        <p:cTn id="43" dur="500" fill="hold"/>
+                                        <p:tgtEl>
+                                          <p:spTgt spid="3">
+                                            <p:txEl>
+                                              <p:pRg st="6" end="6"/>
+                                            </p:txEl>
+                                          </p:spTgt>
+                                        </p:tgtEl>
+                                        <p:attrNameLst>
+                                          <p:attrName>ppt_x</p:attrName>
+                                        </p:attrNameLst>
+                                      </p:cBhvr>
+                                      <p:tavLst>
+                                        <p:tav tm="0">
+                                          <p:val>
+                                            <p:strVal val="#ppt_x"/>
+                                          </p:val>
+                                        </p:tav>
+                                        <p:tav tm="100000">
+                                          <p:val>
+                                            <p:strVal val="#ppt_x"/>
+                                          </p:val>
+                                        </p:tav>
+                                      </p:tavLst>
+                                    </p:anim>
+                                    <p:anim calcmode="lin" valueType="num">
+                                      <p:cBhvr additive="base">
+                                        <p:cTn id="44" dur="500" fill="hold"/>
+                                        <p:tgtEl>
+                                          <p:spTgt spid="3">
+                                            <p:txEl>
+                                              <p:pRg st="6" end="6"/>
+                                            </p:txEl>
+                                          </p:spTgt>
+                                        </p:tgtEl>
+                                        <p:attrNameLst>
+                                          <p:attrName>ppt_y</p:attrName>
+                                        </p:attrNameLst>
+                                      </p:cBhvr>
+                                      <p:tavLst>
+                                        <p:tav tm="0">
+                                          <p:val>
+                                            <p:strVal val="1+#ppt_h/2"/>
+                                          </p:val>
+                                        </p:tav>
+                                        <p:tav tm="100000">
+                                          <p:val>
+                                            <p:strVal val="#ppt_y"/>
+                                          </p:val>
+                                        </p:tav>
+                                      </p:tavLst>
+                                    </p:anim>
+                                  </p:childTnLst>
+                                </p:cTn>
+                              </p:par>
+                            </p:childTnLst>
+                          </p:cTn>
+                        </p:par>
+                      </p:childTnLst>
+                    </p:cTn>
+                  </p:par>
+                  <p:par>
+                    <p:cTn id="45" fill="hold">
+                      <p:stCondLst>
+                        <p:cond delay="indefinite"/>
+                      </p:stCondLst>
+                      <p:childTnLst>
+                        <p:par>
+                          <p:cTn id="46" fill="hold">
+                            <p:stCondLst>
+                              <p:cond delay="0"/>
+                            </p:stCondLst>
+                            <p:childTnLst>
+                              <p:par>
+                                <p:cTn id="47" presetID="2" presetClass="entr" presetSubtype="4" fill="hold" grpId="0" nodeType="clickEffect">
+                                  <p:stCondLst>
+                                    <p:cond delay="0"/>
+                                  </p:stCondLst>
+                                  <p:childTnLst>
+                                    <p:set>
+                                      <p:cBhvr>
+                                        <p:cTn id="48" dur="1" fill="hold">
+                                          <p:stCondLst>
+                                            <p:cond delay="0"/>
+                                          </p:stCondLst>
+                                        </p:cTn>
+                                        <p:tgtEl>
+                                          <p:spTgt spid="3">
+                                            <p:txEl>
+                                              <p:pRg st="7" end="7"/>
+                                            </p:txEl>
+                                          </p:spTgt>
+                                        </p:tgtEl>
+                                        <p:attrNameLst>
+                                          <p:attrName>style.visibility</p:attrName>
+                                        </p:attrNameLst>
+                                      </p:cBhvr>
+                                      <p:to>
+                                        <p:strVal val="visible"/>
+                                      </p:to>
+                                    </p:set>
+                                    <p:anim calcmode="lin" valueType="num">
+                                      <p:cBhvr additive="base">
+                                        <p:cTn id="49" dur="500" fill="hold"/>
+                                        <p:tgtEl>
+                                          <p:spTgt spid="3">
+                                            <p:txEl>
+                                              <p:pRg st="7" end="7"/>
+                                            </p:txEl>
+                                          </p:spTgt>
+                                        </p:tgtEl>
+                                        <p:attrNameLst>
+                                          <p:attrName>ppt_x</p:attrName>
+                                        </p:attrNameLst>
+                                      </p:cBhvr>
+                                      <p:tavLst>
+                                        <p:tav tm="0">
+                                          <p:val>
+                                            <p:strVal val="#ppt_x"/>
+                                          </p:val>
+                                        </p:tav>
+                                        <p:tav tm="100000">
+                                          <p:val>
+                                            <p:strVal val="#ppt_x"/>
+                                          </p:val>
+                                        </p:tav>
+                                      </p:tavLst>
+                                    </p:anim>
+                                    <p:anim calcmode="lin" valueType="num">
+                                      <p:cBhvr additive="base">
+                                        <p:cTn id="50" dur="500" fill="hold"/>
+                                        <p:tgtEl>
+                                          <p:spTgt spid="3">
+                                            <p:txEl>
+                                              <p:pRg st="7" end="7"/>
+                                            </p:txEl>
+                                          </p:spTgt>
+                                        </p:tgtEl>
+                                        <p:attrNameLst>
+                                          <p:attrName>ppt_y</p:attrName>
+                                        </p:attrNameLst>
+                                      </p:cBhvr>
+                                      <p:tavLst>
+                                        <p:tav tm="0">
+                                          <p:val>
+                                            <p:strVal val="1+#ppt_h/2"/>
+                                          </p:val>
+                                        </p:tav>
+                                        <p:tav tm="100000">
+                                          <p:val>
+                                            <p:strVal val="#ppt_y"/>
+                                          </p:val>
+                                        </p:tav>
+                                      </p:tavLst>
+                                    </p:anim>
+                                  </p:childTnLst>
+                                </p:cTn>
+                              </p:par>
+                            </p:childTnLst>
+                          </p:cTn>
+                        </p:par>
+                      </p:childTnLst>
+                    </p:cTn>
+                  </p:par>
+                </p:childTnLst>
+              </p:cTn>
+              <p:prevCondLst>
+                <p:cond evt="onPrev" delay="0">
+                  <p:tgtEl>
+                    <p:sldTgt/>
+                  </p:tgtEl>
+                </p:cond>
+              </p:prevCondLst>
+              <p:nextCondLst>
+                <p:cond evt="onNext" delay="0">
+                  <p:tgtEl>
+                    <p:sldTgt/>
+                  </p:tgtEl>
+                </p:cond>
+              </p:nextCondLst>
+            </p:seq>
+          </p:childTnLst>
+        </p:cTn>
+      </p:par>
+    </p:tnLst>
+    <p:bldLst>
+      <p:bldP spid="3" grpId="0" build="p"/>
+    </p:bldLst>
+  </p:timing>
 </p:sld>
 </file>
 
@@ -5026,6 +9290,554 @@
   <p:clrMapOvr>
     <a:masterClrMapping/>
   </p:clrMapOvr>
+  <p:timing>
+    <p:tnLst>
+      <p:par>
+        <p:cTn id="1" dur="indefinite" restart="never" nodeType="tmRoot">
+          <p:childTnLst>
+            <p:seq concurrent="1" nextAc="seek">
+              <p:cTn id="2" dur="indefinite" nodeType="mainSeq">
+                <p:childTnLst>
+                  <p:par>
+                    <p:cTn id="3" fill="hold">
+                      <p:stCondLst>
+                        <p:cond delay="indefinite"/>
+                      </p:stCondLst>
+                      <p:childTnLst>
+                        <p:par>
+                          <p:cTn id="4" fill="hold">
+                            <p:stCondLst>
+                              <p:cond delay="0"/>
+                            </p:stCondLst>
+                            <p:childTnLst>
+                              <p:par>
+                                <p:cTn id="5" presetID="2" presetClass="entr" presetSubtype="4" fill="hold" grpId="0" nodeType="clickEffect">
+                                  <p:stCondLst>
+                                    <p:cond delay="0"/>
+                                  </p:stCondLst>
+                                  <p:childTnLst>
+                                    <p:set>
+                                      <p:cBhvr>
+                                        <p:cTn id="6" dur="1" fill="hold">
+                                          <p:stCondLst>
+                                            <p:cond delay="0"/>
+                                          </p:stCondLst>
+                                        </p:cTn>
+                                        <p:tgtEl>
+                                          <p:spTgt spid="3">
+                                            <p:txEl>
+                                              <p:pRg st="0" end="0"/>
+                                            </p:txEl>
+                                          </p:spTgt>
+                                        </p:tgtEl>
+                                        <p:attrNameLst>
+                                          <p:attrName>style.visibility</p:attrName>
+                                        </p:attrNameLst>
+                                      </p:cBhvr>
+                                      <p:to>
+                                        <p:strVal val="visible"/>
+                                      </p:to>
+                                    </p:set>
+                                    <p:anim calcmode="lin" valueType="num">
+                                      <p:cBhvr additive="base">
+                                        <p:cTn id="7" dur="500" fill="hold"/>
+                                        <p:tgtEl>
+                                          <p:spTgt spid="3">
+                                            <p:txEl>
+                                              <p:pRg st="0" end="0"/>
+                                            </p:txEl>
+                                          </p:spTgt>
+                                        </p:tgtEl>
+                                        <p:attrNameLst>
+                                          <p:attrName>ppt_x</p:attrName>
+                                        </p:attrNameLst>
+                                      </p:cBhvr>
+                                      <p:tavLst>
+                                        <p:tav tm="0">
+                                          <p:val>
+                                            <p:strVal val="#ppt_x"/>
+                                          </p:val>
+                                        </p:tav>
+                                        <p:tav tm="100000">
+                                          <p:val>
+                                            <p:strVal val="#ppt_x"/>
+                                          </p:val>
+                                        </p:tav>
+                                      </p:tavLst>
+                                    </p:anim>
+                                    <p:anim calcmode="lin" valueType="num">
+                                      <p:cBhvr additive="base">
+                                        <p:cTn id="8" dur="500" fill="hold"/>
+                                        <p:tgtEl>
+                                          <p:spTgt spid="3">
+                                            <p:txEl>
+                                              <p:pRg st="0" end="0"/>
+                                            </p:txEl>
+                                          </p:spTgt>
+                                        </p:tgtEl>
+                                        <p:attrNameLst>
+                                          <p:attrName>ppt_y</p:attrName>
+                                        </p:attrNameLst>
+                                      </p:cBhvr>
+                                      <p:tavLst>
+                                        <p:tav tm="0">
+                                          <p:val>
+                                            <p:strVal val="1+#ppt_h/2"/>
+                                          </p:val>
+                                        </p:tav>
+                                        <p:tav tm="100000">
+                                          <p:val>
+                                            <p:strVal val="#ppt_y"/>
+                                          </p:val>
+                                        </p:tav>
+                                      </p:tavLst>
+                                    </p:anim>
+                                  </p:childTnLst>
+                                </p:cTn>
+                              </p:par>
+                            </p:childTnLst>
+                          </p:cTn>
+                        </p:par>
+                      </p:childTnLst>
+                    </p:cTn>
+                  </p:par>
+                  <p:par>
+                    <p:cTn id="9" fill="hold">
+                      <p:stCondLst>
+                        <p:cond delay="indefinite"/>
+                      </p:stCondLst>
+                      <p:childTnLst>
+                        <p:par>
+                          <p:cTn id="10" fill="hold">
+                            <p:stCondLst>
+                              <p:cond delay="0"/>
+                            </p:stCondLst>
+                            <p:childTnLst>
+                              <p:par>
+                                <p:cTn id="11" presetID="2" presetClass="entr" presetSubtype="4" fill="hold" grpId="0" nodeType="clickEffect">
+                                  <p:stCondLst>
+                                    <p:cond delay="0"/>
+                                  </p:stCondLst>
+                                  <p:childTnLst>
+                                    <p:set>
+                                      <p:cBhvr>
+                                        <p:cTn id="12" dur="1" fill="hold">
+                                          <p:stCondLst>
+                                            <p:cond delay="0"/>
+                                          </p:stCondLst>
+                                        </p:cTn>
+                                        <p:tgtEl>
+                                          <p:spTgt spid="3">
+                                            <p:txEl>
+                                              <p:pRg st="2" end="2"/>
+                                            </p:txEl>
+                                          </p:spTgt>
+                                        </p:tgtEl>
+                                        <p:attrNameLst>
+                                          <p:attrName>style.visibility</p:attrName>
+                                        </p:attrNameLst>
+                                      </p:cBhvr>
+                                      <p:to>
+                                        <p:strVal val="visible"/>
+                                      </p:to>
+                                    </p:set>
+                                    <p:anim calcmode="lin" valueType="num">
+                                      <p:cBhvr additive="base">
+                                        <p:cTn id="13" dur="500" fill="hold"/>
+                                        <p:tgtEl>
+                                          <p:spTgt spid="3">
+                                            <p:txEl>
+                                              <p:pRg st="2" end="2"/>
+                                            </p:txEl>
+                                          </p:spTgt>
+                                        </p:tgtEl>
+                                        <p:attrNameLst>
+                                          <p:attrName>ppt_x</p:attrName>
+                                        </p:attrNameLst>
+                                      </p:cBhvr>
+                                      <p:tavLst>
+                                        <p:tav tm="0">
+                                          <p:val>
+                                            <p:strVal val="#ppt_x"/>
+                                          </p:val>
+                                        </p:tav>
+                                        <p:tav tm="100000">
+                                          <p:val>
+                                            <p:strVal val="#ppt_x"/>
+                                          </p:val>
+                                        </p:tav>
+                                      </p:tavLst>
+                                    </p:anim>
+                                    <p:anim calcmode="lin" valueType="num">
+                                      <p:cBhvr additive="base">
+                                        <p:cTn id="14" dur="500" fill="hold"/>
+                                        <p:tgtEl>
+                                          <p:spTgt spid="3">
+                                            <p:txEl>
+                                              <p:pRg st="2" end="2"/>
+                                            </p:txEl>
+                                          </p:spTgt>
+                                        </p:tgtEl>
+                                        <p:attrNameLst>
+                                          <p:attrName>ppt_y</p:attrName>
+                                        </p:attrNameLst>
+                                      </p:cBhvr>
+                                      <p:tavLst>
+                                        <p:tav tm="0">
+                                          <p:val>
+                                            <p:strVal val="1+#ppt_h/2"/>
+                                          </p:val>
+                                        </p:tav>
+                                        <p:tav tm="100000">
+                                          <p:val>
+                                            <p:strVal val="#ppt_y"/>
+                                          </p:val>
+                                        </p:tav>
+                                      </p:tavLst>
+                                    </p:anim>
+                                  </p:childTnLst>
+                                </p:cTn>
+                              </p:par>
+                            </p:childTnLst>
+                          </p:cTn>
+                        </p:par>
+                      </p:childTnLst>
+                    </p:cTn>
+                  </p:par>
+                  <p:par>
+                    <p:cTn id="15" fill="hold">
+                      <p:stCondLst>
+                        <p:cond delay="indefinite"/>
+                      </p:stCondLst>
+                      <p:childTnLst>
+                        <p:par>
+                          <p:cTn id="16" fill="hold">
+                            <p:stCondLst>
+                              <p:cond delay="0"/>
+                            </p:stCondLst>
+                            <p:childTnLst>
+                              <p:par>
+                                <p:cTn id="17" presetID="2" presetClass="entr" presetSubtype="4" fill="hold" grpId="0" nodeType="clickEffect">
+                                  <p:stCondLst>
+                                    <p:cond delay="0"/>
+                                  </p:stCondLst>
+                                  <p:childTnLst>
+                                    <p:set>
+                                      <p:cBhvr>
+                                        <p:cTn id="18" dur="1" fill="hold">
+                                          <p:stCondLst>
+                                            <p:cond delay="0"/>
+                                          </p:stCondLst>
+                                        </p:cTn>
+                                        <p:tgtEl>
+                                          <p:spTgt spid="3">
+                                            <p:txEl>
+                                              <p:pRg st="4" end="4"/>
+                                            </p:txEl>
+                                          </p:spTgt>
+                                        </p:tgtEl>
+                                        <p:attrNameLst>
+                                          <p:attrName>style.visibility</p:attrName>
+                                        </p:attrNameLst>
+                                      </p:cBhvr>
+                                      <p:to>
+                                        <p:strVal val="visible"/>
+                                      </p:to>
+                                    </p:set>
+                                    <p:anim calcmode="lin" valueType="num">
+                                      <p:cBhvr additive="base">
+                                        <p:cTn id="19" dur="500" fill="hold"/>
+                                        <p:tgtEl>
+                                          <p:spTgt spid="3">
+                                            <p:txEl>
+                                              <p:pRg st="4" end="4"/>
+                                            </p:txEl>
+                                          </p:spTgt>
+                                        </p:tgtEl>
+                                        <p:attrNameLst>
+                                          <p:attrName>ppt_x</p:attrName>
+                                        </p:attrNameLst>
+                                      </p:cBhvr>
+                                      <p:tavLst>
+                                        <p:tav tm="0">
+                                          <p:val>
+                                            <p:strVal val="#ppt_x"/>
+                                          </p:val>
+                                        </p:tav>
+                                        <p:tav tm="100000">
+                                          <p:val>
+                                            <p:strVal val="#ppt_x"/>
+                                          </p:val>
+                                        </p:tav>
+                                      </p:tavLst>
+                                    </p:anim>
+                                    <p:anim calcmode="lin" valueType="num">
+                                      <p:cBhvr additive="base">
+                                        <p:cTn id="20" dur="500" fill="hold"/>
+                                        <p:tgtEl>
+                                          <p:spTgt spid="3">
+                                            <p:txEl>
+                                              <p:pRg st="4" end="4"/>
+                                            </p:txEl>
+                                          </p:spTgt>
+                                        </p:tgtEl>
+                                        <p:attrNameLst>
+                                          <p:attrName>ppt_y</p:attrName>
+                                        </p:attrNameLst>
+                                      </p:cBhvr>
+                                      <p:tavLst>
+                                        <p:tav tm="0">
+                                          <p:val>
+                                            <p:strVal val="1+#ppt_h/2"/>
+                                          </p:val>
+                                        </p:tav>
+                                        <p:tav tm="100000">
+                                          <p:val>
+                                            <p:strVal val="#ppt_y"/>
+                                          </p:val>
+                                        </p:tav>
+                                      </p:tavLst>
+                                    </p:anim>
+                                  </p:childTnLst>
+                                </p:cTn>
+                              </p:par>
+                            </p:childTnLst>
+                          </p:cTn>
+                        </p:par>
+                      </p:childTnLst>
+                    </p:cTn>
+                  </p:par>
+                  <p:par>
+                    <p:cTn id="21" fill="hold">
+                      <p:stCondLst>
+                        <p:cond delay="indefinite"/>
+                      </p:stCondLst>
+                      <p:childTnLst>
+                        <p:par>
+                          <p:cTn id="22" fill="hold">
+                            <p:stCondLst>
+                              <p:cond delay="0"/>
+                            </p:stCondLst>
+                            <p:childTnLst>
+                              <p:par>
+                                <p:cTn id="23" presetID="2" presetClass="entr" presetSubtype="4" fill="hold" grpId="0" nodeType="clickEffect">
+                                  <p:stCondLst>
+                                    <p:cond delay="0"/>
+                                  </p:stCondLst>
+                                  <p:childTnLst>
+                                    <p:set>
+                                      <p:cBhvr>
+                                        <p:cTn id="24" dur="1" fill="hold">
+                                          <p:stCondLst>
+                                            <p:cond delay="0"/>
+                                          </p:stCondLst>
+                                        </p:cTn>
+                                        <p:tgtEl>
+                                          <p:spTgt spid="3">
+                                            <p:txEl>
+                                              <p:pRg st="6" end="6"/>
+                                            </p:txEl>
+                                          </p:spTgt>
+                                        </p:tgtEl>
+                                        <p:attrNameLst>
+                                          <p:attrName>style.visibility</p:attrName>
+                                        </p:attrNameLst>
+                                      </p:cBhvr>
+                                      <p:to>
+                                        <p:strVal val="visible"/>
+                                      </p:to>
+                                    </p:set>
+                                    <p:anim calcmode="lin" valueType="num">
+                                      <p:cBhvr additive="base">
+                                        <p:cTn id="25" dur="500" fill="hold"/>
+                                        <p:tgtEl>
+                                          <p:spTgt spid="3">
+                                            <p:txEl>
+                                              <p:pRg st="6" end="6"/>
+                                            </p:txEl>
+                                          </p:spTgt>
+                                        </p:tgtEl>
+                                        <p:attrNameLst>
+                                          <p:attrName>ppt_x</p:attrName>
+                                        </p:attrNameLst>
+                                      </p:cBhvr>
+                                      <p:tavLst>
+                                        <p:tav tm="0">
+                                          <p:val>
+                                            <p:strVal val="#ppt_x"/>
+                                          </p:val>
+                                        </p:tav>
+                                        <p:tav tm="100000">
+                                          <p:val>
+                                            <p:strVal val="#ppt_x"/>
+                                          </p:val>
+                                        </p:tav>
+                                      </p:tavLst>
+                                    </p:anim>
+                                    <p:anim calcmode="lin" valueType="num">
+                                      <p:cBhvr additive="base">
+                                        <p:cTn id="26" dur="500" fill="hold"/>
+                                        <p:tgtEl>
+                                          <p:spTgt spid="3">
+                                            <p:txEl>
+                                              <p:pRg st="6" end="6"/>
+                                            </p:txEl>
+                                          </p:spTgt>
+                                        </p:tgtEl>
+                                        <p:attrNameLst>
+                                          <p:attrName>ppt_y</p:attrName>
+                                        </p:attrNameLst>
+                                      </p:cBhvr>
+                                      <p:tavLst>
+                                        <p:tav tm="0">
+                                          <p:val>
+                                            <p:strVal val="1+#ppt_h/2"/>
+                                          </p:val>
+                                        </p:tav>
+                                        <p:tav tm="100000">
+                                          <p:val>
+                                            <p:strVal val="#ppt_y"/>
+                                          </p:val>
+                                        </p:tav>
+                                      </p:tavLst>
+                                    </p:anim>
+                                  </p:childTnLst>
+                                </p:cTn>
+                              </p:par>
+                            </p:childTnLst>
+                          </p:cTn>
+                        </p:par>
+                      </p:childTnLst>
+                    </p:cTn>
+                  </p:par>
+                  <p:par>
+                    <p:cTn id="27" fill="hold">
+                      <p:stCondLst>
+                        <p:cond delay="indefinite"/>
+                      </p:stCondLst>
+                      <p:childTnLst>
+                        <p:par>
+                          <p:cTn id="28" fill="hold">
+                            <p:stCondLst>
+                              <p:cond delay="0"/>
+                            </p:stCondLst>
+                            <p:childTnLst>
+                              <p:par>
+                                <p:cTn id="29" presetID="2" presetClass="entr" presetSubtype="4" fill="hold" grpId="0" nodeType="clickEffect">
+                                  <p:stCondLst>
+                                    <p:cond delay="0"/>
+                                  </p:stCondLst>
+                                  <p:childTnLst>
+                                    <p:set>
+                                      <p:cBhvr>
+                                        <p:cTn id="30" dur="1" fill="hold">
+                                          <p:stCondLst>
+                                            <p:cond delay="0"/>
+                                          </p:stCondLst>
+                                        </p:cTn>
+                                        <p:tgtEl>
+                                          <p:spTgt spid="3">
+                                            <p:txEl>
+                                              <p:pRg st="8" end="8"/>
+                                            </p:txEl>
+                                          </p:spTgt>
+                                        </p:tgtEl>
+                                        <p:attrNameLst>
+                                          <p:attrName>style.visibility</p:attrName>
+                                        </p:attrNameLst>
+                                      </p:cBhvr>
+                                      <p:to>
+                                        <p:strVal val="visible"/>
+                                      </p:to>
+                                    </p:set>
+                                    <p:anim calcmode="lin" valueType="num">
+                                      <p:cBhvr additive="base">
+                                        <p:cTn id="31" dur="500" fill="hold"/>
+                                        <p:tgtEl>
+                                          <p:spTgt spid="3">
+                                            <p:txEl>
+                                              <p:pRg st="8" end="8"/>
+                                            </p:txEl>
+                                          </p:spTgt>
+                                        </p:tgtEl>
+                                        <p:attrNameLst>
+                                          <p:attrName>ppt_x</p:attrName>
+                                        </p:attrNameLst>
+                                      </p:cBhvr>
+                                      <p:tavLst>
+                                        <p:tav tm="0">
+                                          <p:val>
+                                            <p:strVal val="#ppt_x"/>
+                                          </p:val>
+                                        </p:tav>
+                                        <p:tav tm="100000">
+                                          <p:val>
+                                            <p:strVal val="#ppt_x"/>
+                                          </p:val>
+                                        </p:tav>
+                                      </p:tavLst>
+                                    </p:anim>
+                                    <p:anim calcmode="lin" valueType="num">
+                                      <p:cBhvr additive="base">
+                                        <p:cTn id="32" dur="500" fill="hold"/>
+                                        <p:tgtEl>
+                                          <p:spTgt spid="3">
+                                            <p:txEl>
+                                              <p:pRg st="8" end="8"/>
+                                            </p:txEl>
+                                          </p:spTgt>
+                                        </p:tgtEl>
+                                        <p:attrNameLst>
+                                          <p:attrName>ppt_y</p:attrName>
+                                        </p:attrNameLst>
+                                      </p:cBhvr>
+                                      <p:tavLst>
+                                        <p:tav tm="0">
+                                          <p:val>
+                                            <p:strVal val="1+#ppt_h/2"/>
+                                          </p:val>
+                                        </p:tav>
+                                        <p:tav tm="100000">
+                                          <p:val>
+                                            <p:strVal val="#ppt_y"/>
+                                          </p:val>
+                                        </p:tav>
+                                      </p:tavLst>
+                                    </p:anim>
+                                  </p:childTnLst>
+                                </p:cTn>
+                              </p:par>
+                            </p:childTnLst>
+                          </p:cTn>
+                        </p:par>
+                      </p:childTnLst>
+                    </p:cTn>
+                  </p:par>
+                </p:childTnLst>
+              </p:cTn>
+              <p:prevCondLst>
+                <p:cond evt="onPrev" delay="0">
+                  <p:tgtEl>
+                    <p:sldTgt/>
+                  </p:tgtEl>
+                </p:cond>
+              </p:prevCondLst>
+              <p:nextCondLst>
+                <p:cond evt="onNext" delay="0">
+                  <p:tgtEl>
+                    <p:sldTgt/>
+                  </p:tgtEl>
+                </p:cond>
+              </p:nextCondLst>
+            </p:seq>
+          </p:childTnLst>
+        </p:cTn>
+      </p:par>
+    </p:tnLst>
+    <p:bldLst>
+      <p:bldP spid="3" grpId="0" build="p"/>
+    </p:bldLst>
+  </p:timing>
 </p:sld>
 </file>
 
@@ -5130,6 +9942,102 @@
           </a:p>
         </p:txBody>
       </p:sp>
+      <p:pic>
+        <p:nvPicPr>
+          <p:cNvPr id="5" name="Picture 4"/>
+          <p:cNvPicPr>
+            <a:picLocks noChangeAspect="1"/>
+          </p:cNvPicPr>
+          <p:nvPr/>
+        </p:nvPicPr>
+        <p:blipFill>
+          <a:blip r:embed="rId2"/>
+          <a:stretch>
+            <a:fillRect/>
+          </a:stretch>
+        </p:blipFill>
+        <p:spPr>
+          <a:xfrm>
+            <a:off x="5442637" y="1754836"/>
+            <a:ext cx="6025285" cy="2995583"/>
+          </a:xfrm>
+          <a:prstGeom prst="rect">
+            <a:avLst/>
+          </a:prstGeom>
+        </p:spPr>
+      </p:pic>
+      <p:pic>
+        <p:nvPicPr>
+          <p:cNvPr id="8" name="Picture 7"/>
+          <p:cNvPicPr>
+            <a:picLocks noChangeAspect="1"/>
+          </p:cNvPicPr>
+          <p:nvPr/>
+        </p:nvPicPr>
+        <p:blipFill>
+          <a:blip r:embed="rId3"/>
+          <a:stretch>
+            <a:fillRect/>
+          </a:stretch>
+        </p:blipFill>
+        <p:spPr>
+          <a:xfrm>
+            <a:off x="4470607" y="1761477"/>
+            <a:ext cx="7666667" cy="3123809"/>
+          </a:xfrm>
+          <a:prstGeom prst="rect">
+            <a:avLst/>
+          </a:prstGeom>
+        </p:spPr>
+      </p:pic>
+      <p:pic>
+        <p:nvPicPr>
+          <p:cNvPr id="9" name="Picture 8"/>
+          <p:cNvPicPr>
+            <a:picLocks noChangeAspect="1"/>
+          </p:cNvPicPr>
+          <p:nvPr/>
+        </p:nvPicPr>
+        <p:blipFill>
+          <a:blip r:embed="rId4"/>
+          <a:stretch>
+            <a:fillRect/>
+          </a:stretch>
+        </p:blipFill>
+        <p:spPr>
+          <a:xfrm>
+            <a:off x="4682665" y="1369564"/>
+            <a:ext cx="6885714" cy="4609524"/>
+          </a:xfrm>
+          <a:prstGeom prst="rect">
+            <a:avLst/>
+          </a:prstGeom>
+        </p:spPr>
+      </p:pic>
+      <p:pic>
+        <p:nvPicPr>
+          <p:cNvPr id="10" name="Picture 9"/>
+          <p:cNvPicPr>
+            <a:picLocks noChangeAspect="1"/>
+          </p:cNvPicPr>
+          <p:nvPr/>
+        </p:nvPicPr>
+        <p:blipFill>
+          <a:blip r:embed="rId5"/>
+          <a:stretch>
+            <a:fillRect/>
+          </a:stretch>
+        </p:blipFill>
+        <p:spPr>
+          <a:xfrm>
+            <a:off x="4946797" y="1598135"/>
+            <a:ext cx="6714286" cy="4152381"/>
+          </a:xfrm>
+          <a:prstGeom prst="rect">
+            <a:avLst/>
+          </a:prstGeom>
+        </p:spPr>
+      </p:pic>
     </p:spTree>
     <p:extLst>
       <p:ext uri="{BB962C8B-B14F-4D97-AF65-F5344CB8AC3E}">
@@ -5140,6 +10048,1135 @@
   <p:clrMapOvr>
     <a:masterClrMapping/>
   </p:clrMapOvr>
+  <p:timing>
+    <p:tnLst>
+      <p:par>
+        <p:cTn id="1" dur="indefinite" restart="never" nodeType="tmRoot">
+          <p:childTnLst>
+            <p:seq concurrent="1" nextAc="seek">
+              <p:cTn id="2" dur="indefinite" nodeType="mainSeq">
+                <p:childTnLst>
+                  <p:par>
+                    <p:cTn id="3" fill="hold">
+                      <p:stCondLst>
+                        <p:cond delay="indefinite"/>
+                      </p:stCondLst>
+                      <p:childTnLst>
+                        <p:par>
+                          <p:cTn id="4" fill="hold">
+                            <p:stCondLst>
+                              <p:cond delay="0"/>
+                            </p:stCondLst>
+                            <p:childTnLst>
+                              <p:par>
+                                <p:cTn id="5" presetID="2" presetClass="entr" presetSubtype="4" fill="hold" nodeType="clickEffect">
+                                  <p:stCondLst>
+                                    <p:cond delay="0"/>
+                                  </p:stCondLst>
+                                  <p:childTnLst>
+                                    <p:set>
+                                      <p:cBhvr>
+                                        <p:cTn id="6" dur="1" fill="hold">
+                                          <p:stCondLst>
+                                            <p:cond delay="0"/>
+                                          </p:stCondLst>
+                                        </p:cTn>
+                                        <p:tgtEl>
+                                          <p:spTgt spid="3">
+                                            <p:txEl>
+                                              <p:pRg st="0" end="0"/>
+                                            </p:txEl>
+                                          </p:spTgt>
+                                        </p:tgtEl>
+                                        <p:attrNameLst>
+                                          <p:attrName>style.visibility</p:attrName>
+                                        </p:attrNameLst>
+                                      </p:cBhvr>
+                                      <p:to>
+                                        <p:strVal val="visible"/>
+                                      </p:to>
+                                    </p:set>
+                                    <p:anim calcmode="lin" valueType="num">
+                                      <p:cBhvr additive="base">
+                                        <p:cTn id="7" dur="500" fill="hold"/>
+                                        <p:tgtEl>
+                                          <p:spTgt spid="3">
+                                            <p:txEl>
+                                              <p:pRg st="0" end="0"/>
+                                            </p:txEl>
+                                          </p:spTgt>
+                                        </p:tgtEl>
+                                        <p:attrNameLst>
+                                          <p:attrName>ppt_x</p:attrName>
+                                        </p:attrNameLst>
+                                      </p:cBhvr>
+                                      <p:tavLst>
+                                        <p:tav tm="0">
+                                          <p:val>
+                                            <p:strVal val="#ppt_x"/>
+                                          </p:val>
+                                        </p:tav>
+                                        <p:tav tm="100000">
+                                          <p:val>
+                                            <p:strVal val="#ppt_x"/>
+                                          </p:val>
+                                        </p:tav>
+                                      </p:tavLst>
+                                    </p:anim>
+                                    <p:anim calcmode="lin" valueType="num">
+                                      <p:cBhvr additive="base">
+                                        <p:cTn id="8" dur="500" fill="hold"/>
+                                        <p:tgtEl>
+                                          <p:spTgt spid="3">
+                                            <p:txEl>
+                                              <p:pRg st="0" end="0"/>
+                                            </p:txEl>
+                                          </p:spTgt>
+                                        </p:tgtEl>
+                                        <p:attrNameLst>
+                                          <p:attrName>ppt_y</p:attrName>
+                                        </p:attrNameLst>
+                                      </p:cBhvr>
+                                      <p:tavLst>
+                                        <p:tav tm="0">
+                                          <p:val>
+                                            <p:strVal val="1+#ppt_h/2"/>
+                                          </p:val>
+                                        </p:tav>
+                                        <p:tav tm="100000">
+                                          <p:val>
+                                            <p:strVal val="#ppt_y"/>
+                                          </p:val>
+                                        </p:tav>
+                                      </p:tavLst>
+                                    </p:anim>
+                                  </p:childTnLst>
+                                </p:cTn>
+                              </p:par>
+                              <p:par>
+                                <p:cTn id="9" presetID="2" presetClass="entr" presetSubtype="4" fill="hold" nodeType="withEffect">
+                                  <p:stCondLst>
+                                    <p:cond delay="0"/>
+                                  </p:stCondLst>
+                                  <p:childTnLst>
+                                    <p:set>
+                                      <p:cBhvr>
+                                        <p:cTn id="10" dur="1" fill="hold">
+                                          <p:stCondLst>
+                                            <p:cond delay="0"/>
+                                          </p:stCondLst>
+                                        </p:cTn>
+                                        <p:tgtEl>
+                                          <p:spTgt spid="5"/>
+                                        </p:tgtEl>
+                                        <p:attrNameLst>
+                                          <p:attrName>style.visibility</p:attrName>
+                                        </p:attrNameLst>
+                                      </p:cBhvr>
+                                      <p:to>
+                                        <p:strVal val="visible"/>
+                                      </p:to>
+                                    </p:set>
+                                    <p:anim calcmode="lin" valueType="num">
+                                      <p:cBhvr additive="base">
+                                        <p:cTn id="11" dur="500" fill="hold"/>
+                                        <p:tgtEl>
+                                          <p:spTgt spid="5"/>
+                                        </p:tgtEl>
+                                        <p:attrNameLst>
+                                          <p:attrName>ppt_x</p:attrName>
+                                        </p:attrNameLst>
+                                      </p:cBhvr>
+                                      <p:tavLst>
+                                        <p:tav tm="0">
+                                          <p:val>
+                                            <p:strVal val="#ppt_x"/>
+                                          </p:val>
+                                        </p:tav>
+                                        <p:tav tm="100000">
+                                          <p:val>
+                                            <p:strVal val="#ppt_x"/>
+                                          </p:val>
+                                        </p:tav>
+                                      </p:tavLst>
+                                    </p:anim>
+                                    <p:anim calcmode="lin" valueType="num">
+                                      <p:cBhvr additive="base">
+                                        <p:cTn id="12" dur="500" fill="hold"/>
+                                        <p:tgtEl>
+                                          <p:spTgt spid="5"/>
+                                        </p:tgtEl>
+                                        <p:attrNameLst>
+                                          <p:attrName>ppt_y</p:attrName>
+                                        </p:attrNameLst>
+                                      </p:cBhvr>
+                                      <p:tavLst>
+                                        <p:tav tm="0">
+                                          <p:val>
+                                            <p:strVal val="1+#ppt_h/2"/>
+                                          </p:val>
+                                        </p:tav>
+                                        <p:tav tm="100000">
+                                          <p:val>
+                                            <p:strVal val="#ppt_y"/>
+                                          </p:val>
+                                        </p:tav>
+                                      </p:tavLst>
+                                    </p:anim>
+                                  </p:childTnLst>
+                                </p:cTn>
+                              </p:par>
+                            </p:childTnLst>
+                          </p:cTn>
+                        </p:par>
+                      </p:childTnLst>
+                    </p:cTn>
+                  </p:par>
+                  <p:par>
+                    <p:cTn id="13" fill="hold">
+                      <p:stCondLst>
+                        <p:cond delay="indefinite"/>
+                      </p:stCondLst>
+                      <p:childTnLst>
+                        <p:par>
+                          <p:cTn id="14" fill="hold">
+                            <p:stCondLst>
+                              <p:cond delay="0"/>
+                            </p:stCondLst>
+                            <p:childTnLst>
+                              <p:par>
+                                <p:cTn id="15" presetID="2" presetClass="entr" presetSubtype="4" fill="hold" nodeType="clickEffect">
+                                  <p:stCondLst>
+                                    <p:cond delay="0"/>
+                                  </p:stCondLst>
+                                  <p:childTnLst>
+                                    <p:set>
+                                      <p:cBhvr>
+                                        <p:cTn id="16" dur="1" fill="hold">
+                                          <p:stCondLst>
+                                            <p:cond delay="0"/>
+                                          </p:stCondLst>
+                                        </p:cTn>
+                                        <p:tgtEl>
+                                          <p:spTgt spid="3">
+                                            <p:txEl>
+                                              <p:pRg st="2" end="2"/>
+                                            </p:txEl>
+                                          </p:spTgt>
+                                        </p:tgtEl>
+                                        <p:attrNameLst>
+                                          <p:attrName>style.visibility</p:attrName>
+                                        </p:attrNameLst>
+                                      </p:cBhvr>
+                                      <p:to>
+                                        <p:strVal val="visible"/>
+                                      </p:to>
+                                    </p:set>
+                                    <p:anim calcmode="lin" valueType="num">
+                                      <p:cBhvr additive="base">
+                                        <p:cTn id="17" dur="500" fill="hold"/>
+                                        <p:tgtEl>
+                                          <p:spTgt spid="3">
+                                            <p:txEl>
+                                              <p:pRg st="2" end="2"/>
+                                            </p:txEl>
+                                          </p:spTgt>
+                                        </p:tgtEl>
+                                        <p:attrNameLst>
+                                          <p:attrName>ppt_x</p:attrName>
+                                        </p:attrNameLst>
+                                      </p:cBhvr>
+                                      <p:tavLst>
+                                        <p:tav tm="0">
+                                          <p:val>
+                                            <p:strVal val="#ppt_x"/>
+                                          </p:val>
+                                        </p:tav>
+                                        <p:tav tm="100000">
+                                          <p:val>
+                                            <p:strVal val="#ppt_x"/>
+                                          </p:val>
+                                        </p:tav>
+                                      </p:tavLst>
+                                    </p:anim>
+                                    <p:anim calcmode="lin" valueType="num">
+                                      <p:cBhvr additive="base">
+                                        <p:cTn id="18" dur="500" fill="hold"/>
+                                        <p:tgtEl>
+                                          <p:spTgt spid="3">
+                                            <p:txEl>
+                                              <p:pRg st="2" end="2"/>
+                                            </p:txEl>
+                                          </p:spTgt>
+                                        </p:tgtEl>
+                                        <p:attrNameLst>
+                                          <p:attrName>ppt_y</p:attrName>
+                                        </p:attrNameLst>
+                                      </p:cBhvr>
+                                      <p:tavLst>
+                                        <p:tav tm="0">
+                                          <p:val>
+                                            <p:strVal val="1+#ppt_h/2"/>
+                                          </p:val>
+                                        </p:tav>
+                                        <p:tav tm="100000">
+                                          <p:val>
+                                            <p:strVal val="#ppt_y"/>
+                                          </p:val>
+                                        </p:tav>
+                                      </p:tavLst>
+                                    </p:anim>
+                                  </p:childTnLst>
+                                </p:cTn>
+                              </p:par>
+                              <p:par>
+                                <p:cTn id="19" presetID="2" presetClass="entr" presetSubtype="4" fill="hold" nodeType="withEffect">
+                                  <p:stCondLst>
+                                    <p:cond delay="0"/>
+                                  </p:stCondLst>
+                                  <p:childTnLst>
+                                    <p:set>
+                                      <p:cBhvr>
+                                        <p:cTn id="20" dur="1" fill="hold">
+                                          <p:stCondLst>
+                                            <p:cond delay="0"/>
+                                          </p:stCondLst>
+                                        </p:cTn>
+                                        <p:tgtEl>
+                                          <p:spTgt spid="8"/>
+                                        </p:tgtEl>
+                                        <p:attrNameLst>
+                                          <p:attrName>style.visibility</p:attrName>
+                                        </p:attrNameLst>
+                                      </p:cBhvr>
+                                      <p:to>
+                                        <p:strVal val="visible"/>
+                                      </p:to>
+                                    </p:set>
+                                    <p:anim calcmode="lin" valueType="num">
+                                      <p:cBhvr additive="base">
+                                        <p:cTn id="21" dur="500" fill="hold"/>
+                                        <p:tgtEl>
+                                          <p:spTgt spid="8"/>
+                                        </p:tgtEl>
+                                        <p:attrNameLst>
+                                          <p:attrName>ppt_x</p:attrName>
+                                        </p:attrNameLst>
+                                      </p:cBhvr>
+                                      <p:tavLst>
+                                        <p:tav tm="0">
+                                          <p:val>
+                                            <p:strVal val="#ppt_x"/>
+                                          </p:val>
+                                        </p:tav>
+                                        <p:tav tm="100000">
+                                          <p:val>
+                                            <p:strVal val="#ppt_x"/>
+                                          </p:val>
+                                        </p:tav>
+                                      </p:tavLst>
+                                    </p:anim>
+                                    <p:anim calcmode="lin" valueType="num">
+                                      <p:cBhvr additive="base">
+                                        <p:cTn id="22" dur="500" fill="hold"/>
+                                        <p:tgtEl>
+                                          <p:spTgt spid="8"/>
+                                        </p:tgtEl>
+                                        <p:attrNameLst>
+                                          <p:attrName>ppt_y</p:attrName>
+                                        </p:attrNameLst>
+                                      </p:cBhvr>
+                                      <p:tavLst>
+                                        <p:tav tm="0">
+                                          <p:val>
+                                            <p:strVal val="1+#ppt_h/2"/>
+                                          </p:val>
+                                        </p:tav>
+                                        <p:tav tm="100000">
+                                          <p:val>
+                                            <p:strVal val="#ppt_y"/>
+                                          </p:val>
+                                        </p:tav>
+                                      </p:tavLst>
+                                    </p:anim>
+                                  </p:childTnLst>
+                                </p:cTn>
+                              </p:par>
+                              <p:par>
+                                <p:cTn id="23" presetID="2" presetClass="exit" presetSubtype="1" fill="hold" nodeType="withEffect">
+                                  <p:stCondLst>
+                                    <p:cond delay="0"/>
+                                  </p:stCondLst>
+                                  <p:childTnLst>
+                                    <p:anim calcmode="lin" valueType="num">
+                                      <p:cBhvr additive="base">
+                                        <p:cTn id="24" dur="500"/>
+                                        <p:tgtEl>
+                                          <p:spTgt spid="5"/>
+                                        </p:tgtEl>
+                                        <p:attrNameLst>
+                                          <p:attrName>ppt_x</p:attrName>
+                                        </p:attrNameLst>
+                                      </p:cBhvr>
+                                      <p:tavLst>
+                                        <p:tav tm="0">
+                                          <p:val>
+                                            <p:strVal val="ppt_x"/>
+                                          </p:val>
+                                        </p:tav>
+                                        <p:tav tm="100000">
+                                          <p:val>
+                                            <p:strVal val="ppt_x"/>
+                                          </p:val>
+                                        </p:tav>
+                                      </p:tavLst>
+                                    </p:anim>
+                                    <p:anim calcmode="lin" valueType="num">
+                                      <p:cBhvr additive="base">
+                                        <p:cTn id="25" dur="500"/>
+                                        <p:tgtEl>
+                                          <p:spTgt spid="5"/>
+                                        </p:tgtEl>
+                                        <p:attrNameLst>
+                                          <p:attrName>ppt_y</p:attrName>
+                                        </p:attrNameLst>
+                                      </p:cBhvr>
+                                      <p:tavLst>
+                                        <p:tav tm="0">
+                                          <p:val>
+                                            <p:strVal val="ppt_y"/>
+                                          </p:val>
+                                        </p:tav>
+                                        <p:tav tm="100000">
+                                          <p:val>
+                                            <p:strVal val="0-ppt_h/2"/>
+                                          </p:val>
+                                        </p:tav>
+                                      </p:tavLst>
+                                    </p:anim>
+                                    <p:set>
+                                      <p:cBhvr>
+                                        <p:cTn id="26" dur="1" fill="hold">
+                                          <p:stCondLst>
+                                            <p:cond delay="499"/>
+                                          </p:stCondLst>
+                                        </p:cTn>
+                                        <p:tgtEl>
+                                          <p:spTgt spid="5"/>
+                                        </p:tgtEl>
+                                        <p:attrNameLst>
+                                          <p:attrName>style.visibility</p:attrName>
+                                        </p:attrNameLst>
+                                      </p:cBhvr>
+                                      <p:to>
+                                        <p:strVal val="hidden"/>
+                                      </p:to>
+                                    </p:set>
+                                  </p:childTnLst>
+                                </p:cTn>
+                              </p:par>
+                            </p:childTnLst>
+                          </p:cTn>
+                        </p:par>
+                      </p:childTnLst>
+                    </p:cTn>
+                  </p:par>
+                  <p:par>
+                    <p:cTn id="27" fill="hold">
+                      <p:stCondLst>
+                        <p:cond delay="indefinite"/>
+                      </p:stCondLst>
+                      <p:childTnLst>
+                        <p:par>
+                          <p:cTn id="28" fill="hold">
+                            <p:stCondLst>
+                              <p:cond delay="0"/>
+                            </p:stCondLst>
+                            <p:childTnLst>
+                              <p:par>
+                                <p:cTn id="29" presetID="2" presetClass="entr" presetSubtype="4" fill="hold" nodeType="clickEffect">
+                                  <p:stCondLst>
+                                    <p:cond delay="0"/>
+                                  </p:stCondLst>
+                                  <p:childTnLst>
+                                    <p:set>
+                                      <p:cBhvr>
+                                        <p:cTn id="30" dur="1" fill="hold">
+                                          <p:stCondLst>
+                                            <p:cond delay="0"/>
+                                          </p:stCondLst>
+                                        </p:cTn>
+                                        <p:tgtEl>
+                                          <p:spTgt spid="3">
+                                            <p:txEl>
+                                              <p:pRg st="4" end="4"/>
+                                            </p:txEl>
+                                          </p:spTgt>
+                                        </p:tgtEl>
+                                        <p:attrNameLst>
+                                          <p:attrName>style.visibility</p:attrName>
+                                        </p:attrNameLst>
+                                      </p:cBhvr>
+                                      <p:to>
+                                        <p:strVal val="visible"/>
+                                      </p:to>
+                                    </p:set>
+                                    <p:anim calcmode="lin" valueType="num">
+                                      <p:cBhvr additive="base">
+                                        <p:cTn id="31" dur="500" fill="hold"/>
+                                        <p:tgtEl>
+                                          <p:spTgt spid="3">
+                                            <p:txEl>
+                                              <p:pRg st="4" end="4"/>
+                                            </p:txEl>
+                                          </p:spTgt>
+                                        </p:tgtEl>
+                                        <p:attrNameLst>
+                                          <p:attrName>ppt_x</p:attrName>
+                                        </p:attrNameLst>
+                                      </p:cBhvr>
+                                      <p:tavLst>
+                                        <p:tav tm="0">
+                                          <p:val>
+                                            <p:strVal val="#ppt_x"/>
+                                          </p:val>
+                                        </p:tav>
+                                        <p:tav tm="100000">
+                                          <p:val>
+                                            <p:strVal val="#ppt_x"/>
+                                          </p:val>
+                                        </p:tav>
+                                      </p:tavLst>
+                                    </p:anim>
+                                    <p:anim calcmode="lin" valueType="num">
+                                      <p:cBhvr additive="base">
+                                        <p:cTn id="32" dur="500" fill="hold"/>
+                                        <p:tgtEl>
+                                          <p:spTgt spid="3">
+                                            <p:txEl>
+                                              <p:pRg st="4" end="4"/>
+                                            </p:txEl>
+                                          </p:spTgt>
+                                        </p:tgtEl>
+                                        <p:attrNameLst>
+                                          <p:attrName>ppt_y</p:attrName>
+                                        </p:attrNameLst>
+                                      </p:cBhvr>
+                                      <p:tavLst>
+                                        <p:tav tm="0">
+                                          <p:val>
+                                            <p:strVal val="1+#ppt_h/2"/>
+                                          </p:val>
+                                        </p:tav>
+                                        <p:tav tm="100000">
+                                          <p:val>
+                                            <p:strVal val="#ppt_y"/>
+                                          </p:val>
+                                        </p:tav>
+                                      </p:tavLst>
+                                    </p:anim>
+                                  </p:childTnLst>
+                                </p:cTn>
+                              </p:par>
+                              <p:par>
+                                <p:cTn id="33" presetID="2" presetClass="exit" presetSubtype="1" fill="hold" nodeType="withEffect">
+                                  <p:stCondLst>
+                                    <p:cond delay="0"/>
+                                  </p:stCondLst>
+                                  <p:childTnLst>
+                                    <p:anim calcmode="lin" valueType="num">
+                                      <p:cBhvr additive="base">
+                                        <p:cTn id="34" dur="500"/>
+                                        <p:tgtEl>
+                                          <p:spTgt spid="8"/>
+                                        </p:tgtEl>
+                                        <p:attrNameLst>
+                                          <p:attrName>ppt_x</p:attrName>
+                                        </p:attrNameLst>
+                                      </p:cBhvr>
+                                      <p:tavLst>
+                                        <p:tav tm="0">
+                                          <p:val>
+                                            <p:strVal val="ppt_x"/>
+                                          </p:val>
+                                        </p:tav>
+                                        <p:tav tm="100000">
+                                          <p:val>
+                                            <p:strVal val="ppt_x"/>
+                                          </p:val>
+                                        </p:tav>
+                                      </p:tavLst>
+                                    </p:anim>
+                                    <p:anim calcmode="lin" valueType="num">
+                                      <p:cBhvr additive="base">
+                                        <p:cTn id="35" dur="500"/>
+                                        <p:tgtEl>
+                                          <p:spTgt spid="8"/>
+                                        </p:tgtEl>
+                                        <p:attrNameLst>
+                                          <p:attrName>ppt_y</p:attrName>
+                                        </p:attrNameLst>
+                                      </p:cBhvr>
+                                      <p:tavLst>
+                                        <p:tav tm="0">
+                                          <p:val>
+                                            <p:strVal val="ppt_y"/>
+                                          </p:val>
+                                        </p:tav>
+                                        <p:tav tm="100000">
+                                          <p:val>
+                                            <p:strVal val="0-ppt_h/2"/>
+                                          </p:val>
+                                        </p:tav>
+                                      </p:tavLst>
+                                    </p:anim>
+                                    <p:set>
+                                      <p:cBhvr>
+                                        <p:cTn id="36" dur="1" fill="hold">
+                                          <p:stCondLst>
+                                            <p:cond delay="499"/>
+                                          </p:stCondLst>
+                                        </p:cTn>
+                                        <p:tgtEl>
+                                          <p:spTgt spid="8"/>
+                                        </p:tgtEl>
+                                        <p:attrNameLst>
+                                          <p:attrName>style.visibility</p:attrName>
+                                        </p:attrNameLst>
+                                      </p:cBhvr>
+                                      <p:to>
+                                        <p:strVal val="hidden"/>
+                                      </p:to>
+                                    </p:set>
+                                  </p:childTnLst>
+                                </p:cTn>
+                              </p:par>
+                              <p:par>
+                                <p:cTn id="37" presetID="2" presetClass="entr" presetSubtype="4" fill="hold" nodeType="withEffect">
+                                  <p:stCondLst>
+                                    <p:cond delay="0"/>
+                                  </p:stCondLst>
+                                  <p:childTnLst>
+                                    <p:set>
+                                      <p:cBhvr>
+                                        <p:cTn id="38" dur="1" fill="hold">
+                                          <p:stCondLst>
+                                            <p:cond delay="0"/>
+                                          </p:stCondLst>
+                                        </p:cTn>
+                                        <p:tgtEl>
+                                          <p:spTgt spid="9"/>
+                                        </p:tgtEl>
+                                        <p:attrNameLst>
+                                          <p:attrName>style.visibility</p:attrName>
+                                        </p:attrNameLst>
+                                      </p:cBhvr>
+                                      <p:to>
+                                        <p:strVal val="visible"/>
+                                      </p:to>
+                                    </p:set>
+                                    <p:anim calcmode="lin" valueType="num">
+                                      <p:cBhvr additive="base">
+                                        <p:cTn id="39" dur="500" fill="hold"/>
+                                        <p:tgtEl>
+                                          <p:spTgt spid="9"/>
+                                        </p:tgtEl>
+                                        <p:attrNameLst>
+                                          <p:attrName>ppt_x</p:attrName>
+                                        </p:attrNameLst>
+                                      </p:cBhvr>
+                                      <p:tavLst>
+                                        <p:tav tm="0">
+                                          <p:val>
+                                            <p:strVal val="#ppt_x"/>
+                                          </p:val>
+                                        </p:tav>
+                                        <p:tav tm="100000">
+                                          <p:val>
+                                            <p:strVal val="#ppt_x"/>
+                                          </p:val>
+                                        </p:tav>
+                                      </p:tavLst>
+                                    </p:anim>
+                                    <p:anim calcmode="lin" valueType="num">
+                                      <p:cBhvr additive="base">
+                                        <p:cTn id="40" dur="500" fill="hold"/>
+                                        <p:tgtEl>
+                                          <p:spTgt spid="9"/>
+                                        </p:tgtEl>
+                                        <p:attrNameLst>
+                                          <p:attrName>ppt_y</p:attrName>
+                                        </p:attrNameLst>
+                                      </p:cBhvr>
+                                      <p:tavLst>
+                                        <p:tav tm="0">
+                                          <p:val>
+                                            <p:strVal val="1+#ppt_h/2"/>
+                                          </p:val>
+                                        </p:tav>
+                                        <p:tav tm="100000">
+                                          <p:val>
+                                            <p:strVal val="#ppt_y"/>
+                                          </p:val>
+                                        </p:tav>
+                                      </p:tavLst>
+                                    </p:anim>
+                                  </p:childTnLst>
+                                </p:cTn>
+                              </p:par>
+                            </p:childTnLst>
+                          </p:cTn>
+                        </p:par>
+                      </p:childTnLst>
+                    </p:cTn>
+                  </p:par>
+                  <p:par>
+                    <p:cTn id="41" fill="hold">
+                      <p:stCondLst>
+                        <p:cond delay="indefinite"/>
+                      </p:stCondLst>
+                      <p:childTnLst>
+                        <p:par>
+                          <p:cTn id="42" fill="hold">
+                            <p:stCondLst>
+                              <p:cond delay="0"/>
+                            </p:stCondLst>
+                            <p:childTnLst>
+                              <p:par>
+                                <p:cTn id="43" presetID="2" presetClass="entr" presetSubtype="4" fill="hold" nodeType="clickEffect">
+                                  <p:stCondLst>
+                                    <p:cond delay="0"/>
+                                  </p:stCondLst>
+                                  <p:childTnLst>
+                                    <p:set>
+                                      <p:cBhvr>
+                                        <p:cTn id="44" dur="1" fill="hold">
+                                          <p:stCondLst>
+                                            <p:cond delay="0"/>
+                                          </p:stCondLst>
+                                        </p:cTn>
+                                        <p:tgtEl>
+                                          <p:spTgt spid="3">
+                                            <p:txEl>
+                                              <p:pRg st="6" end="6"/>
+                                            </p:txEl>
+                                          </p:spTgt>
+                                        </p:tgtEl>
+                                        <p:attrNameLst>
+                                          <p:attrName>style.visibility</p:attrName>
+                                        </p:attrNameLst>
+                                      </p:cBhvr>
+                                      <p:to>
+                                        <p:strVal val="visible"/>
+                                      </p:to>
+                                    </p:set>
+                                    <p:anim calcmode="lin" valueType="num">
+                                      <p:cBhvr additive="base">
+                                        <p:cTn id="45" dur="500" fill="hold"/>
+                                        <p:tgtEl>
+                                          <p:spTgt spid="3">
+                                            <p:txEl>
+                                              <p:pRg st="6" end="6"/>
+                                            </p:txEl>
+                                          </p:spTgt>
+                                        </p:tgtEl>
+                                        <p:attrNameLst>
+                                          <p:attrName>ppt_x</p:attrName>
+                                        </p:attrNameLst>
+                                      </p:cBhvr>
+                                      <p:tavLst>
+                                        <p:tav tm="0">
+                                          <p:val>
+                                            <p:strVal val="#ppt_x"/>
+                                          </p:val>
+                                        </p:tav>
+                                        <p:tav tm="100000">
+                                          <p:val>
+                                            <p:strVal val="#ppt_x"/>
+                                          </p:val>
+                                        </p:tav>
+                                      </p:tavLst>
+                                    </p:anim>
+                                    <p:anim calcmode="lin" valueType="num">
+                                      <p:cBhvr additive="base">
+                                        <p:cTn id="46" dur="500" fill="hold"/>
+                                        <p:tgtEl>
+                                          <p:spTgt spid="3">
+                                            <p:txEl>
+                                              <p:pRg st="6" end="6"/>
+                                            </p:txEl>
+                                          </p:spTgt>
+                                        </p:tgtEl>
+                                        <p:attrNameLst>
+                                          <p:attrName>ppt_y</p:attrName>
+                                        </p:attrNameLst>
+                                      </p:cBhvr>
+                                      <p:tavLst>
+                                        <p:tav tm="0">
+                                          <p:val>
+                                            <p:strVal val="1+#ppt_h/2"/>
+                                          </p:val>
+                                        </p:tav>
+                                        <p:tav tm="100000">
+                                          <p:val>
+                                            <p:strVal val="#ppt_y"/>
+                                          </p:val>
+                                        </p:tav>
+                                      </p:tavLst>
+                                    </p:anim>
+                                  </p:childTnLst>
+                                </p:cTn>
+                              </p:par>
+                              <p:par>
+                                <p:cTn id="47" presetID="2" presetClass="exit" presetSubtype="1" fill="hold" nodeType="withEffect">
+                                  <p:stCondLst>
+                                    <p:cond delay="0"/>
+                                  </p:stCondLst>
+                                  <p:childTnLst>
+                                    <p:anim calcmode="lin" valueType="num">
+                                      <p:cBhvr additive="base">
+                                        <p:cTn id="48" dur="500"/>
+                                        <p:tgtEl>
+                                          <p:spTgt spid="9"/>
+                                        </p:tgtEl>
+                                        <p:attrNameLst>
+                                          <p:attrName>ppt_x</p:attrName>
+                                        </p:attrNameLst>
+                                      </p:cBhvr>
+                                      <p:tavLst>
+                                        <p:tav tm="0">
+                                          <p:val>
+                                            <p:strVal val="ppt_x"/>
+                                          </p:val>
+                                        </p:tav>
+                                        <p:tav tm="100000">
+                                          <p:val>
+                                            <p:strVal val="ppt_x"/>
+                                          </p:val>
+                                        </p:tav>
+                                      </p:tavLst>
+                                    </p:anim>
+                                    <p:anim calcmode="lin" valueType="num">
+                                      <p:cBhvr additive="base">
+                                        <p:cTn id="49" dur="500"/>
+                                        <p:tgtEl>
+                                          <p:spTgt spid="9"/>
+                                        </p:tgtEl>
+                                        <p:attrNameLst>
+                                          <p:attrName>ppt_y</p:attrName>
+                                        </p:attrNameLst>
+                                      </p:cBhvr>
+                                      <p:tavLst>
+                                        <p:tav tm="0">
+                                          <p:val>
+                                            <p:strVal val="ppt_y"/>
+                                          </p:val>
+                                        </p:tav>
+                                        <p:tav tm="100000">
+                                          <p:val>
+                                            <p:strVal val="0-ppt_h/2"/>
+                                          </p:val>
+                                        </p:tav>
+                                      </p:tavLst>
+                                    </p:anim>
+                                    <p:set>
+                                      <p:cBhvr>
+                                        <p:cTn id="50" dur="1" fill="hold">
+                                          <p:stCondLst>
+                                            <p:cond delay="499"/>
+                                          </p:stCondLst>
+                                        </p:cTn>
+                                        <p:tgtEl>
+                                          <p:spTgt spid="9"/>
+                                        </p:tgtEl>
+                                        <p:attrNameLst>
+                                          <p:attrName>style.visibility</p:attrName>
+                                        </p:attrNameLst>
+                                      </p:cBhvr>
+                                      <p:to>
+                                        <p:strVal val="hidden"/>
+                                      </p:to>
+                                    </p:set>
+                                  </p:childTnLst>
+                                </p:cTn>
+                              </p:par>
+                              <p:par>
+                                <p:cTn id="51" presetID="2" presetClass="entr" presetSubtype="4" fill="hold" nodeType="withEffect">
+                                  <p:stCondLst>
+                                    <p:cond delay="0"/>
+                                  </p:stCondLst>
+                                  <p:childTnLst>
+                                    <p:set>
+                                      <p:cBhvr>
+                                        <p:cTn id="52" dur="1" fill="hold">
+                                          <p:stCondLst>
+                                            <p:cond delay="0"/>
+                                          </p:stCondLst>
+                                        </p:cTn>
+                                        <p:tgtEl>
+                                          <p:spTgt spid="10"/>
+                                        </p:tgtEl>
+                                        <p:attrNameLst>
+                                          <p:attrName>style.visibility</p:attrName>
+                                        </p:attrNameLst>
+                                      </p:cBhvr>
+                                      <p:to>
+                                        <p:strVal val="visible"/>
+                                      </p:to>
+                                    </p:set>
+                                    <p:anim calcmode="lin" valueType="num">
+                                      <p:cBhvr additive="base">
+                                        <p:cTn id="53" dur="500" fill="hold"/>
+                                        <p:tgtEl>
+                                          <p:spTgt spid="10"/>
+                                        </p:tgtEl>
+                                        <p:attrNameLst>
+                                          <p:attrName>ppt_x</p:attrName>
+                                        </p:attrNameLst>
+                                      </p:cBhvr>
+                                      <p:tavLst>
+                                        <p:tav tm="0">
+                                          <p:val>
+                                            <p:strVal val="#ppt_x"/>
+                                          </p:val>
+                                        </p:tav>
+                                        <p:tav tm="100000">
+                                          <p:val>
+                                            <p:strVal val="#ppt_x"/>
+                                          </p:val>
+                                        </p:tav>
+                                      </p:tavLst>
+                                    </p:anim>
+                                    <p:anim calcmode="lin" valueType="num">
+                                      <p:cBhvr additive="base">
+                                        <p:cTn id="54" dur="500" fill="hold"/>
+                                        <p:tgtEl>
+                                          <p:spTgt spid="10"/>
+                                        </p:tgtEl>
+                                        <p:attrNameLst>
+                                          <p:attrName>ppt_y</p:attrName>
+                                        </p:attrNameLst>
+                                      </p:cBhvr>
+                                      <p:tavLst>
+                                        <p:tav tm="0">
+                                          <p:val>
+                                            <p:strVal val="1+#ppt_h/2"/>
+                                          </p:val>
+                                        </p:tav>
+                                        <p:tav tm="100000">
+                                          <p:val>
+                                            <p:strVal val="#ppt_y"/>
+                                          </p:val>
+                                        </p:tav>
+                                      </p:tavLst>
+                                    </p:anim>
+                                  </p:childTnLst>
+                                </p:cTn>
+                              </p:par>
+                            </p:childTnLst>
+                          </p:cTn>
+                        </p:par>
+                      </p:childTnLst>
+                    </p:cTn>
+                  </p:par>
+                  <p:par>
+                    <p:cTn id="55" fill="hold">
+                      <p:stCondLst>
+                        <p:cond delay="indefinite"/>
+                      </p:stCondLst>
+                      <p:childTnLst>
+                        <p:par>
+                          <p:cTn id="56" fill="hold">
+                            <p:stCondLst>
+                              <p:cond delay="0"/>
+                            </p:stCondLst>
+                            <p:childTnLst>
+                              <p:par>
+                                <p:cTn id="57" presetID="2" presetClass="entr" presetSubtype="4" fill="hold" nodeType="clickEffect">
+                                  <p:stCondLst>
+                                    <p:cond delay="0"/>
+                                  </p:stCondLst>
+                                  <p:childTnLst>
+                                    <p:set>
+                                      <p:cBhvr>
+                                        <p:cTn id="58" dur="1" fill="hold">
+                                          <p:stCondLst>
+                                            <p:cond delay="0"/>
+                                          </p:stCondLst>
+                                        </p:cTn>
+                                        <p:tgtEl>
+                                          <p:spTgt spid="3">
+                                            <p:txEl>
+                                              <p:pRg st="8" end="8"/>
+                                            </p:txEl>
+                                          </p:spTgt>
+                                        </p:tgtEl>
+                                        <p:attrNameLst>
+                                          <p:attrName>style.visibility</p:attrName>
+                                        </p:attrNameLst>
+                                      </p:cBhvr>
+                                      <p:to>
+                                        <p:strVal val="visible"/>
+                                      </p:to>
+                                    </p:set>
+                                    <p:anim calcmode="lin" valueType="num">
+                                      <p:cBhvr additive="base">
+                                        <p:cTn id="59" dur="500" fill="hold"/>
+                                        <p:tgtEl>
+                                          <p:spTgt spid="3">
+                                            <p:txEl>
+                                              <p:pRg st="8" end="8"/>
+                                            </p:txEl>
+                                          </p:spTgt>
+                                        </p:tgtEl>
+                                        <p:attrNameLst>
+                                          <p:attrName>ppt_x</p:attrName>
+                                        </p:attrNameLst>
+                                      </p:cBhvr>
+                                      <p:tavLst>
+                                        <p:tav tm="0">
+                                          <p:val>
+                                            <p:strVal val="#ppt_x"/>
+                                          </p:val>
+                                        </p:tav>
+                                        <p:tav tm="100000">
+                                          <p:val>
+                                            <p:strVal val="#ppt_x"/>
+                                          </p:val>
+                                        </p:tav>
+                                      </p:tavLst>
+                                    </p:anim>
+                                    <p:anim calcmode="lin" valueType="num">
+                                      <p:cBhvr additive="base">
+                                        <p:cTn id="60" dur="500" fill="hold"/>
+                                        <p:tgtEl>
+                                          <p:spTgt spid="3">
+                                            <p:txEl>
+                                              <p:pRg st="8" end="8"/>
+                                            </p:txEl>
+                                          </p:spTgt>
+                                        </p:tgtEl>
+                                        <p:attrNameLst>
+                                          <p:attrName>ppt_y</p:attrName>
+                                        </p:attrNameLst>
+                                      </p:cBhvr>
+                                      <p:tavLst>
+                                        <p:tav tm="0">
+                                          <p:val>
+                                            <p:strVal val="1+#ppt_h/2"/>
+                                          </p:val>
+                                        </p:tav>
+                                        <p:tav tm="100000">
+                                          <p:val>
+                                            <p:strVal val="#ppt_y"/>
+                                          </p:val>
+                                        </p:tav>
+                                      </p:tavLst>
+                                    </p:anim>
+                                  </p:childTnLst>
+                                </p:cTn>
+                              </p:par>
+                              <p:par>
+                                <p:cTn id="61" presetID="2" presetClass="exit" presetSubtype="1" fill="hold" nodeType="withEffect">
+                                  <p:stCondLst>
+                                    <p:cond delay="0"/>
+                                  </p:stCondLst>
+                                  <p:childTnLst>
+                                    <p:anim calcmode="lin" valueType="num">
+                                      <p:cBhvr additive="base">
+                                        <p:cTn id="62" dur="500"/>
+                                        <p:tgtEl>
+                                          <p:spTgt spid="10"/>
+                                        </p:tgtEl>
+                                        <p:attrNameLst>
+                                          <p:attrName>ppt_x</p:attrName>
+                                        </p:attrNameLst>
+                                      </p:cBhvr>
+                                      <p:tavLst>
+                                        <p:tav tm="0">
+                                          <p:val>
+                                            <p:strVal val="ppt_x"/>
+                                          </p:val>
+                                        </p:tav>
+                                        <p:tav tm="100000">
+                                          <p:val>
+                                            <p:strVal val="ppt_x"/>
+                                          </p:val>
+                                        </p:tav>
+                                      </p:tavLst>
+                                    </p:anim>
+                                    <p:anim calcmode="lin" valueType="num">
+                                      <p:cBhvr additive="base">
+                                        <p:cTn id="63" dur="500"/>
+                                        <p:tgtEl>
+                                          <p:spTgt spid="10"/>
+                                        </p:tgtEl>
+                                        <p:attrNameLst>
+                                          <p:attrName>ppt_y</p:attrName>
+                                        </p:attrNameLst>
+                                      </p:cBhvr>
+                                      <p:tavLst>
+                                        <p:tav tm="0">
+                                          <p:val>
+                                            <p:strVal val="ppt_y"/>
+                                          </p:val>
+                                        </p:tav>
+                                        <p:tav tm="100000">
+                                          <p:val>
+                                            <p:strVal val="0-ppt_h/2"/>
+                                          </p:val>
+                                        </p:tav>
+                                      </p:tavLst>
+                                    </p:anim>
+                                    <p:set>
+                                      <p:cBhvr>
+                                        <p:cTn id="64" dur="1" fill="hold">
+                                          <p:stCondLst>
+                                            <p:cond delay="499"/>
+                                          </p:stCondLst>
+                                        </p:cTn>
+                                        <p:tgtEl>
+                                          <p:spTgt spid="10"/>
+                                        </p:tgtEl>
+                                        <p:attrNameLst>
+                                          <p:attrName>style.visibility</p:attrName>
+                                        </p:attrNameLst>
+                                      </p:cBhvr>
+                                      <p:to>
+                                        <p:strVal val="hidden"/>
+                                      </p:to>
+                                    </p:set>
+                                  </p:childTnLst>
+                                </p:cTn>
+                              </p:par>
+                            </p:childTnLst>
+                          </p:cTn>
+                        </p:par>
+                      </p:childTnLst>
+                    </p:cTn>
+                  </p:par>
+                </p:childTnLst>
+              </p:cTn>
+              <p:prevCondLst>
+                <p:cond evt="onPrev" delay="0">
+                  <p:tgtEl>
+                    <p:sldTgt/>
+                  </p:tgtEl>
+                </p:cond>
+              </p:prevCondLst>
+              <p:nextCondLst>
+                <p:cond evt="onNext" delay="0">
+                  <p:tgtEl>
+                    <p:sldTgt/>
+                  </p:tgtEl>
+                </p:cond>
+              </p:nextCondLst>
+            </p:seq>
+          </p:childTnLst>
+        </p:cTn>
+      </p:par>
+    </p:tnLst>
+  </p:timing>
 </p:sld>
 </file>
 
@@ -5236,6 +11273,13 @@
   <p:clrMapOvr>
     <a:masterClrMapping/>
   </p:clrMapOvr>
+  <p:timing>
+    <p:tnLst>
+      <p:par>
+        <p:cTn id="1" dur="indefinite" restart="never" nodeType="tmRoot"/>
+      </p:par>
+    </p:tnLst>
+  </p:timing>
 </p:sld>
 </file>
 
@@ -5365,6 +11409,755 @@
   <p:clrMapOvr>
     <a:masterClrMapping/>
   </p:clrMapOvr>
+  <p:timing>
+    <p:tnLst>
+      <p:par>
+        <p:cTn id="1" dur="indefinite" restart="never" nodeType="tmRoot">
+          <p:childTnLst>
+            <p:seq concurrent="1" nextAc="seek">
+              <p:cTn id="2" dur="indefinite" nodeType="mainSeq">
+                <p:childTnLst>
+                  <p:par>
+                    <p:cTn id="3" fill="hold">
+                      <p:stCondLst>
+                        <p:cond delay="indefinite"/>
+                      </p:stCondLst>
+                      <p:childTnLst>
+                        <p:par>
+                          <p:cTn id="4" fill="hold">
+                            <p:stCondLst>
+                              <p:cond delay="0"/>
+                            </p:stCondLst>
+                            <p:childTnLst>
+                              <p:par>
+                                <p:cTn id="5" presetID="2" presetClass="entr" presetSubtype="4" fill="hold" grpId="0" nodeType="clickEffect">
+                                  <p:stCondLst>
+                                    <p:cond delay="0"/>
+                                  </p:stCondLst>
+                                  <p:childTnLst>
+                                    <p:set>
+                                      <p:cBhvr>
+                                        <p:cTn id="6" dur="1" fill="hold">
+                                          <p:stCondLst>
+                                            <p:cond delay="0"/>
+                                          </p:stCondLst>
+                                        </p:cTn>
+                                        <p:tgtEl>
+                                          <p:spTgt spid="3">
+                                            <p:txEl>
+                                              <p:pRg st="0" end="0"/>
+                                            </p:txEl>
+                                          </p:spTgt>
+                                        </p:tgtEl>
+                                        <p:attrNameLst>
+                                          <p:attrName>style.visibility</p:attrName>
+                                        </p:attrNameLst>
+                                      </p:cBhvr>
+                                      <p:to>
+                                        <p:strVal val="visible"/>
+                                      </p:to>
+                                    </p:set>
+                                    <p:anim calcmode="lin" valueType="num">
+                                      <p:cBhvr additive="base">
+                                        <p:cTn id="7" dur="500" fill="hold"/>
+                                        <p:tgtEl>
+                                          <p:spTgt spid="3">
+                                            <p:txEl>
+                                              <p:pRg st="0" end="0"/>
+                                            </p:txEl>
+                                          </p:spTgt>
+                                        </p:tgtEl>
+                                        <p:attrNameLst>
+                                          <p:attrName>ppt_x</p:attrName>
+                                        </p:attrNameLst>
+                                      </p:cBhvr>
+                                      <p:tavLst>
+                                        <p:tav tm="0">
+                                          <p:val>
+                                            <p:strVal val="#ppt_x"/>
+                                          </p:val>
+                                        </p:tav>
+                                        <p:tav tm="100000">
+                                          <p:val>
+                                            <p:strVal val="#ppt_x"/>
+                                          </p:val>
+                                        </p:tav>
+                                      </p:tavLst>
+                                    </p:anim>
+                                    <p:anim calcmode="lin" valueType="num">
+                                      <p:cBhvr additive="base">
+                                        <p:cTn id="8" dur="500" fill="hold"/>
+                                        <p:tgtEl>
+                                          <p:spTgt spid="3">
+                                            <p:txEl>
+                                              <p:pRg st="0" end="0"/>
+                                            </p:txEl>
+                                          </p:spTgt>
+                                        </p:tgtEl>
+                                        <p:attrNameLst>
+                                          <p:attrName>ppt_y</p:attrName>
+                                        </p:attrNameLst>
+                                      </p:cBhvr>
+                                      <p:tavLst>
+                                        <p:tav tm="0">
+                                          <p:val>
+                                            <p:strVal val="1+#ppt_h/2"/>
+                                          </p:val>
+                                        </p:tav>
+                                        <p:tav tm="100000">
+                                          <p:val>
+                                            <p:strVal val="#ppt_y"/>
+                                          </p:val>
+                                        </p:tav>
+                                      </p:tavLst>
+                                    </p:anim>
+                                  </p:childTnLst>
+                                </p:cTn>
+                              </p:par>
+                              <p:par>
+                                <p:cTn id="9" presetID="2" presetClass="entr" presetSubtype="4" fill="hold" grpId="0" nodeType="withEffect">
+                                  <p:stCondLst>
+                                    <p:cond delay="0"/>
+                                  </p:stCondLst>
+                                  <p:childTnLst>
+                                    <p:set>
+                                      <p:cBhvr>
+                                        <p:cTn id="10" dur="1" fill="hold">
+                                          <p:stCondLst>
+                                            <p:cond delay="0"/>
+                                          </p:stCondLst>
+                                        </p:cTn>
+                                        <p:tgtEl>
+                                          <p:spTgt spid="3">
+                                            <p:txEl>
+                                              <p:pRg st="1" end="1"/>
+                                            </p:txEl>
+                                          </p:spTgt>
+                                        </p:tgtEl>
+                                        <p:attrNameLst>
+                                          <p:attrName>style.visibility</p:attrName>
+                                        </p:attrNameLst>
+                                      </p:cBhvr>
+                                      <p:to>
+                                        <p:strVal val="visible"/>
+                                      </p:to>
+                                    </p:set>
+                                    <p:anim calcmode="lin" valueType="num">
+                                      <p:cBhvr additive="base">
+                                        <p:cTn id="11" dur="500" fill="hold"/>
+                                        <p:tgtEl>
+                                          <p:spTgt spid="3">
+                                            <p:txEl>
+                                              <p:pRg st="1" end="1"/>
+                                            </p:txEl>
+                                          </p:spTgt>
+                                        </p:tgtEl>
+                                        <p:attrNameLst>
+                                          <p:attrName>ppt_x</p:attrName>
+                                        </p:attrNameLst>
+                                      </p:cBhvr>
+                                      <p:tavLst>
+                                        <p:tav tm="0">
+                                          <p:val>
+                                            <p:strVal val="#ppt_x"/>
+                                          </p:val>
+                                        </p:tav>
+                                        <p:tav tm="100000">
+                                          <p:val>
+                                            <p:strVal val="#ppt_x"/>
+                                          </p:val>
+                                        </p:tav>
+                                      </p:tavLst>
+                                    </p:anim>
+                                    <p:anim calcmode="lin" valueType="num">
+                                      <p:cBhvr additive="base">
+                                        <p:cTn id="12" dur="500" fill="hold"/>
+                                        <p:tgtEl>
+                                          <p:spTgt spid="3">
+                                            <p:txEl>
+                                              <p:pRg st="1" end="1"/>
+                                            </p:txEl>
+                                          </p:spTgt>
+                                        </p:tgtEl>
+                                        <p:attrNameLst>
+                                          <p:attrName>ppt_y</p:attrName>
+                                        </p:attrNameLst>
+                                      </p:cBhvr>
+                                      <p:tavLst>
+                                        <p:tav tm="0">
+                                          <p:val>
+                                            <p:strVal val="1+#ppt_h/2"/>
+                                          </p:val>
+                                        </p:tav>
+                                        <p:tav tm="100000">
+                                          <p:val>
+                                            <p:strVal val="#ppt_y"/>
+                                          </p:val>
+                                        </p:tav>
+                                      </p:tavLst>
+                                    </p:anim>
+                                  </p:childTnLst>
+                                </p:cTn>
+                              </p:par>
+                              <p:par>
+                                <p:cTn id="13" presetID="2" presetClass="entr" presetSubtype="4" fill="hold" grpId="0" nodeType="withEffect">
+                                  <p:stCondLst>
+                                    <p:cond delay="0"/>
+                                  </p:stCondLst>
+                                  <p:childTnLst>
+                                    <p:set>
+                                      <p:cBhvr>
+                                        <p:cTn id="14" dur="1" fill="hold">
+                                          <p:stCondLst>
+                                            <p:cond delay="0"/>
+                                          </p:stCondLst>
+                                        </p:cTn>
+                                        <p:tgtEl>
+                                          <p:spTgt spid="3">
+                                            <p:txEl>
+                                              <p:pRg st="2" end="2"/>
+                                            </p:txEl>
+                                          </p:spTgt>
+                                        </p:tgtEl>
+                                        <p:attrNameLst>
+                                          <p:attrName>style.visibility</p:attrName>
+                                        </p:attrNameLst>
+                                      </p:cBhvr>
+                                      <p:to>
+                                        <p:strVal val="visible"/>
+                                      </p:to>
+                                    </p:set>
+                                    <p:anim calcmode="lin" valueType="num">
+                                      <p:cBhvr additive="base">
+                                        <p:cTn id="15" dur="500" fill="hold"/>
+                                        <p:tgtEl>
+                                          <p:spTgt spid="3">
+                                            <p:txEl>
+                                              <p:pRg st="2" end="2"/>
+                                            </p:txEl>
+                                          </p:spTgt>
+                                        </p:tgtEl>
+                                        <p:attrNameLst>
+                                          <p:attrName>ppt_x</p:attrName>
+                                        </p:attrNameLst>
+                                      </p:cBhvr>
+                                      <p:tavLst>
+                                        <p:tav tm="0">
+                                          <p:val>
+                                            <p:strVal val="#ppt_x"/>
+                                          </p:val>
+                                        </p:tav>
+                                        <p:tav tm="100000">
+                                          <p:val>
+                                            <p:strVal val="#ppt_x"/>
+                                          </p:val>
+                                        </p:tav>
+                                      </p:tavLst>
+                                    </p:anim>
+                                    <p:anim calcmode="lin" valueType="num">
+                                      <p:cBhvr additive="base">
+                                        <p:cTn id="16" dur="500" fill="hold"/>
+                                        <p:tgtEl>
+                                          <p:spTgt spid="3">
+                                            <p:txEl>
+                                              <p:pRg st="2" end="2"/>
+                                            </p:txEl>
+                                          </p:spTgt>
+                                        </p:tgtEl>
+                                        <p:attrNameLst>
+                                          <p:attrName>ppt_y</p:attrName>
+                                        </p:attrNameLst>
+                                      </p:cBhvr>
+                                      <p:tavLst>
+                                        <p:tav tm="0">
+                                          <p:val>
+                                            <p:strVal val="1+#ppt_h/2"/>
+                                          </p:val>
+                                        </p:tav>
+                                        <p:tav tm="100000">
+                                          <p:val>
+                                            <p:strVal val="#ppt_y"/>
+                                          </p:val>
+                                        </p:tav>
+                                      </p:tavLst>
+                                    </p:anim>
+                                  </p:childTnLst>
+                                </p:cTn>
+                              </p:par>
+                              <p:par>
+                                <p:cTn id="17" presetID="2" presetClass="entr" presetSubtype="4" fill="hold" grpId="0" nodeType="withEffect">
+                                  <p:stCondLst>
+                                    <p:cond delay="0"/>
+                                  </p:stCondLst>
+                                  <p:childTnLst>
+                                    <p:set>
+                                      <p:cBhvr>
+                                        <p:cTn id="18" dur="1" fill="hold">
+                                          <p:stCondLst>
+                                            <p:cond delay="0"/>
+                                          </p:stCondLst>
+                                        </p:cTn>
+                                        <p:tgtEl>
+                                          <p:spTgt spid="3">
+                                            <p:txEl>
+                                              <p:pRg st="3" end="3"/>
+                                            </p:txEl>
+                                          </p:spTgt>
+                                        </p:tgtEl>
+                                        <p:attrNameLst>
+                                          <p:attrName>style.visibility</p:attrName>
+                                        </p:attrNameLst>
+                                      </p:cBhvr>
+                                      <p:to>
+                                        <p:strVal val="visible"/>
+                                      </p:to>
+                                    </p:set>
+                                    <p:anim calcmode="lin" valueType="num">
+                                      <p:cBhvr additive="base">
+                                        <p:cTn id="19" dur="500" fill="hold"/>
+                                        <p:tgtEl>
+                                          <p:spTgt spid="3">
+                                            <p:txEl>
+                                              <p:pRg st="3" end="3"/>
+                                            </p:txEl>
+                                          </p:spTgt>
+                                        </p:tgtEl>
+                                        <p:attrNameLst>
+                                          <p:attrName>ppt_x</p:attrName>
+                                        </p:attrNameLst>
+                                      </p:cBhvr>
+                                      <p:tavLst>
+                                        <p:tav tm="0">
+                                          <p:val>
+                                            <p:strVal val="#ppt_x"/>
+                                          </p:val>
+                                        </p:tav>
+                                        <p:tav tm="100000">
+                                          <p:val>
+                                            <p:strVal val="#ppt_x"/>
+                                          </p:val>
+                                        </p:tav>
+                                      </p:tavLst>
+                                    </p:anim>
+                                    <p:anim calcmode="lin" valueType="num">
+                                      <p:cBhvr additive="base">
+                                        <p:cTn id="20" dur="500" fill="hold"/>
+                                        <p:tgtEl>
+                                          <p:spTgt spid="3">
+                                            <p:txEl>
+                                              <p:pRg st="3" end="3"/>
+                                            </p:txEl>
+                                          </p:spTgt>
+                                        </p:tgtEl>
+                                        <p:attrNameLst>
+                                          <p:attrName>ppt_y</p:attrName>
+                                        </p:attrNameLst>
+                                      </p:cBhvr>
+                                      <p:tavLst>
+                                        <p:tav tm="0">
+                                          <p:val>
+                                            <p:strVal val="1+#ppt_h/2"/>
+                                          </p:val>
+                                        </p:tav>
+                                        <p:tav tm="100000">
+                                          <p:val>
+                                            <p:strVal val="#ppt_y"/>
+                                          </p:val>
+                                        </p:tav>
+                                      </p:tavLst>
+                                    </p:anim>
+                                  </p:childTnLst>
+                                </p:cTn>
+                              </p:par>
+                            </p:childTnLst>
+                          </p:cTn>
+                        </p:par>
+                      </p:childTnLst>
+                    </p:cTn>
+                  </p:par>
+                  <p:par>
+                    <p:cTn id="21" fill="hold">
+                      <p:stCondLst>
+                        <p:cond delay="indefinite"/>
+                      </p:stCondLst>
+                      <p:childTnLst>
+                        <p:par>
+                          <p:cTn id="22" fill="hold">
+                            <p:stCondLst>
+                              <p:cond delay="0"/>
+                            </p:stCondLst>
+                            <p:childTnLst>
+                              <p:par>
+                                <p:cTn id="23" presetID="2" presetClass="entr" presetSubtype="4" fill="hold" grpId="0" nodeType="clickEffect">
+                                  <p:stCondLst>
+                                    <p:cond delay="0"/>
+                                  </p:stCondLst>
+                                  <p:childTnLst>
+                                    <p:set>
+                                      <p:cBhvr>
+                                        <p:cTn id="24" dur="1" fill="hold">
+                                          <p:stCondLst>
+                                            <p:cond delay="0"/>
+                                          </p:stCondLst>
+                                        </p:cTn>
+                                        <p:tgtEl>
+                                          <p:spTgt spid="3">
+                                            <p:txEl>
+                                              <p:pRg st="5" end="5"/>
+                                            </p:txEl>
+                                          </p:spTgt>
+                                        </p:tgtEl>
+                                        <p:attrNameLst>
+                                          <p:attrName>style.visibility</p:attrName>
+                                        </p:attrNameLst>
+                                      </p:cBhvr>
+                                      <p:to>
+                                        <p:strVal val="visible"/>
+                                      </p:to>
+                                    </p:set>
+                                    <p:anim calcmode="lin" valueType="num">
+                                      <p:cBhvr additive="base">
+                                        <p:cTn id="25" dur="500" fill="hold"/>
+                                        <p:tgtEl>
+                                          <p:spTgt spid="3">
+                                            <p:txEl>
+                                              <p:pRg st="5" end="5"/>
+                                            </p:txEl>
+                                          </p:spTgt>
+                                        </p:tgtEl>
+                                        <p:attrNameLst>
+                                          <p:attrName>ppt_x</p:attrName>
+                                        </p:attrNameLst>
+                                      </p:cBhvr>
+                                      <p:tavLst>
+                                        <p:tav tm="0">
+                                          <p:val>
+                                            <p:strVal val="#ppt_x"/>
+                                          </p:val>
+                                        </p:tav>
+                                        <p:tav tm="100000">
+                                          <p:val>
+                                            <p:strVal val="#ppt_x"/>
+                                          </p:val>
+                                        </p:tav>
+                                      </p:tavLst>
+                                    </p:anim>
+                                    <p:anim calcmode="lin" valueType="num">
+                                      <p:cBhvr additive="base">
+                                        <p:cTn id="26" dur="500" fill="hold"/>
+                                        <p:tgtEl>
+                                          <p:spTgt spid="3">
+                                            <p:txEl>
+                                              <p:pRg st="5" end="5"/>
+                                            </p:txEl>
+                                          </p:spTgt>
+                                        </p:tgtEl>
+                                        <p:attrNameLst>
+                                          <p:attrName>ppt_y</p:attrName>
+                                        </p:attrNameLst>
+                                      </p:cBhvr>
+                                      <p:tavLst>
+                                        <p:tav tm="0">
+                                          <p:val>
+                                            <p:strVal val="1+#ppt_h/2"/>
+                                          </p:val>
+                                        </p:tav>
+                                        <p:tav tm="100000">
+                                          <p:val>
+                                            <p:strVal val="#ppt_y"/>
+                                          </p:val>
+                                        </p:tav>
+                                      </p:tavLst>
+                                    </p:anim>
+                                  </p:childTnLst>
+                                </p:cTn>
+                              </p:par>
+                              <p:par>
+                                <p:cTn id="27" presetID="2" presetClass="entr" presetSubtype="4" fill="hold" grpId="0" nodeType="withEffect">
+                                  <p:stCondLst>
+                                    <p:cond delay="0"/>
+                                  </p:stCondLst>
+                                  <p:childTnLst>
+                                    <p:set>
+                                      <p:cBhvr>
+                                        <p:cTn id="28" dur="1" fill="hold">
+                                          <p:stCondLst>
+                                            <p:cond delay="0"/>
+                                          </p:stCondLst>
+                                        </p:cTn>
+                                        <p:tgtEl>
+                                          <p:spTgt spid="3">
+                                            <p:txEl>
+                                              <p:pRg st="6" end="6"/>
+                                            </p:txEl>
+                                          </p:spTgt>
+                                        </p:tgtEl>
+                                        <p:attrNameLst>
+                                          <p:attrName>style.visibility</p:attrName>
+                                        </p:attrNameLst>
+                                      </p:cBhvr>
+                                      <p:to>
+                                        <p:strVal val="visible"/>
+                                      </p:to>
+                                    </p:set>
+                                    <p:anim calcmode="lin" valueType="num">
+                                      <p:cBhvr additive="base">
+                                        <p:cTn id="29" dur="500" fill="hold"/>
+                                        <p:tgtEl>
+                                          <p:spTgt spid="3">
+                                            <p:txEl>
+                                              <p:pRg st="6" end="6"/>
+                                            </p:txEl>
+                                          </p:spTgt>
+                                        </p:tgtEl>
+                                        <p:attrNameLst>
+                                          <p:attrName>ppt_x</p:attrName>
+                                        </p:attrNameLst>
+                                      </p:cBhvr>
+                                      <p:tavLst>
+                                        <p:tav tm="0">
+                                          <p:val>
+                                            <p:strVal val="#ppt_x"/>
+                                          </p:val>
+                                        </p:tav>
+                                        <p:tav tm="100000">
+                                          <p:val>
+                                            <p:strVal val="#ppt_x"/>
+                                          </p:val>
+                                        </p:tav>
+                                      </p:tavLst>
+                                    </p:anim>
+                                    <p:anim calcmode="lin" valueType="num">
+                                      <p:cBhvr additive="base">
+                                        <p:cTn id="30" dur="500" fill="hold"/>
+                                        <p:tgtEl>
+                                          <p:spTgt spid="3">
+                                            <p:txEl>
+                                              <p:pRg st="6" end="6"/>
+                                            </p:txEl>
+                                          </p:spTgt>
+                                        </p:tgtEl>
+                                        <p:attrNameLst>
+                                          <p:attrName>ppt_y</p:attrName>
+                                        </p:attrNameLst>
+                                      </p:cBhvr>
+                                      <p:tavLst>
+                                        <p:tav tm="0">
+                                          <p:val>
+                                            <p:strVal val="1+#ppt_h/2"/>
+                                          </p:val>
+                                        </p:tav>
+                                        <p:tav tm="100000">
+                                          <p:val>
+                                            <p:strVal val="#ppt_y"/>
+                                          </p:val>
+                                        </p:tav>
+                                      </p:tavLst>
+                                    </p:anim>
+                                  </p:childTnLst>
+                                </p:cTn>
+                              </p:par>
+                              <p:par>
+                                <p:cTn id="31" presetID="2" presetClass="entr" presetSubtype="4" fill="hold" grpId="0" nodeType="withEffect">
+                                  <p:stCondLst>
+                                    <p:cond delay="0"/>
+                                  </p:stCondLst>
+                                  <p:childTnLst>
+                                    <p:set>
+                                      <p:cBhvr>
+                                        <p:cTn id="32" dur="1" fill="hold">
+                                          <p:stCondLst>
+                                            <p:cond delay="0"/>
+                                          </p:stCondLst>
+                                        </p:cTn>
+                                        <p:tgtEl>
+                                          <p:spTgt spid="3">
+                                            <p:txEl>
+                                              <p:pRg st="7" end="7"/>
+                                            </p:txEl>
+                                          </p:spTgt>
+                                        </p:tgtEl>
+                                        <p:attrNameLst>
+                                          <p:attrName>style.visibility</p:attrName>
+                                        </p:attrNameLst>
+                                      </p:cBhvr>
+                                      <p:to>
+                                        <p:strVal val="visible"/>
+                                      </p:to>
+                                    </p:set>
+                                    <p:anim calcmode="lin" valueType="num">
+                                      <p:cBhvr additive="base">
+                                        <p:cTn id="33" dur="500" fill="hold"/>
+                                        <p:tgtEl>
+                                          <p:spTgt spid="3">
+                                            <p:txEl>
+                                              <p:pRg st="7" end="7"/>
+                                            </p:txEl>
+                                          </p:spTgt>
+                                        </p:tgtEl>
+                                        <p:attrNameLst>
+                                          <p:attrName>ppt_x</p:attrName>
+                                        </p:attrNameLst>
+                                      </p:cBhvr>
+                                      <p:tavLst>
+                                        <p:tav tm="0">
+                                          <p:val>
+                                            <p:strVal val="#ppt_x"/>
+                                          </p:val>
+                                        </p:tav>
+                                        <p:tav tm="100000">
+                                          <p:val>
+                                            <p:strVal val="#ppt_x"/>
+                                          </p:val>
+                                        </p:tav>
+                                      </p:tavLst>
+                                    </p:anim>
+                                    <p:anim calcmode="lin" valueType="num">
+                                      <p:cBhvr additive="base">
+                                        <p:cTn id="34" dur="500" fill="hold"/>
+                                        <p:tgtEl>
+                                          <p:spTgt spid="3">
+                                            <p:txEl>
+                                              <p:pRg st="7" end="7"/>
+                                            </p:txEl>
+                                          </p:spTgt>
+                                        </p:tgtEl>
+                                        <p:attrNameLst>
+                                          <p:attrName>ppt_y</p:attrName>
+                                        </p:attrNameLst>
+                                      </p:cBhvr>
+                                      <p:tavLst>
+                                        <p:tav tm="0">
+                                          <p:val>
+                                            <p:strVal val="1+#ppt_h/2"/>
+                                          </p:val>
+                                        </p:tav>
+                                        <p:tav tm="100000">
+                                          <p:val>
+                                            <p:strVal val="#ppt_y"/>
+                                          </p:val>
+                                        </p:tav>
+                                      </p:tavLst>
+                                    </p:anim>
+                                  </p:childTnLst>
+                                </p:cTn>
+                              </p:par>
+                              <p:par>
+                                <p:cTn id="35" presetID="2" presetClass="entr" presetSubtype="4" fill="hold" grpId="0" nodeType="withEffect">
+                                  <p:stCondLst>
+                                    <p:cond delay="0"/>
+                                  </p:stCondLst>
+                                  <p:childTnLst>
+                                    <p:set>
+                                      <p:cBhvr>
+                                        <p:cTn id="36" dur="1" fill="hold">
+                                          <p:stCondLst>
+                                            <p:cond delay="0"/>
+                                          </p:stCondLst>
+                                        </p:cTn>
+                                        <p:tgtEl>
+                                          <p:spTgt spid="3">
+                                            <p:txEl>
+                                              <p:pRg st="8" end="8"/>
+                                            </p:txEl>
+                                          </p:spTgt>
+                                        </p:tgtEl>
+                                        <p:attrNameLst>
+                                          <p:attrName>style.visibility</p:attrName>
+                                        </p:attrNameLst>
+                                      </p:cBhvr>
+                                      <p:to>
+                                        <p:strVal val="visible"/>
+                                      </p:to>
+                                    </p:set>
+                                    <p:anim calcmode="lin" valueType="num">
+                                      <p:cBhvr additive="base">
+                                        <p:cTn id="37" dur="500" fill="hold"/>
+                                        <p:tgtEl>
+                                          <p:spTgt spid="3">
+                                            <p:txEl>
+                                              <p:pRg st="8" end="8"/>
+                                            </p:txEl>
+                                          </p:spTgt>
+                                        </p:tgtEl>
+                                        <p:attrNameLst>
+                                          <p:attrName>ppt_x</p:attrName>
+                                        </p:attrNameLst>
+                                      </p:cBhvr>
+                                      <p:tavLst>
+                                        <p:tav tm="0">
+                                          <p:val>
+                                            <p:strVal val="#ppt_x"/>
+                                          </p:val>
+                                        </p:tav>
+                                        <p:tav tm="100000">
+                                          <p:val>
+                                            <p:strVal val="#ppt_x"/>
+                                          </p:val>
+                                        </p:tav>
+                                      </p:tavLst>
+                                    </p:anim>
+                                    <p:anim calcmode="lin" valueType="num">
+                                      <p:cBhvr additive="base">
+                                        <p:cTn id="38" dur="500" fill="hold"/>
+                                        <p:tgtEl>
+                                          <p:spTgt spid="3">
+                                            <p:txEl>
+                                              <p:pRg st="8" end="8"/>
+                                            </p:txEl>
+                                          </p:spTgt>
+                                        </p:tgtEl>
+                                        <p:attrNameLst>
+                                          <p:attrName>ppt_y</p:attrName>
+                                        </p:attrNameLst>
+                                      </p:cBhvr>
+                                      <p:tavLst>
+                                        <p:tav tm="0">
+                                          <p:val>
+                                            <p:strVal val="1+#ppt_h/2"/>
+                                          </p:val>
+                                        </p:tav>
+                                        <p:tav tm="100000">
+                                          <p:val>
+                                            <p:strVal val="#ppt_y"/>
+                                          </p:val>
+                                        </p:tav>
+                                      </p:tavLst>
+                                    </p:anim>
+                                  </p:childTnLst>
+                                </p:cTn>
+                              </p:par>
+                            </p:childTnLst>
+                          </p:cTn>
+                        </p:par>
+                      </p:childTnLst>
+                    </p:cTn>
+                  </p:par>
+                </p:childTnLst>
+              </p:cTn>
+              <p:prevCondLst>
+                <p:cond evt="onPrev" delay="0">
+                  <p:tgtEl>
+                    <p:sldTgt/>
+                  </p:tgtEl>
+                </p:cond>
+              </p:prevCondLst>
+              <p:nextCondLst>
+                <p:cond evt="onNext" delay="0">
+                  <p:tgtEl>
+                    <p:sldTgt/>
+                  </p:tgtEl>
+                </p:cond>
+              </p:nextCondLst>
+            </p:seq>
+          </p:childTnLst>
+        </p:cTn>
+      </p:par>
+    </p:tnLst>
+    <p:bldLst>
+      <p:bldP spid="3" grpId="0" build="p"/>
+    </p:bldLst>
+  </p:timing>
 </p:sld>
 </file>
 
